--- a/2016-06_AkkaIntro/presentation/BaltoMSDN_Akka.pptx
+++ b/2016-06_AkkaIntro/presentation/BaltoMSDN_Akka.pptx
@@ -253,7 +253,7 @@
           <a:p>
             <a:fld id="{6335B490-DE02-4CC7-B66C-CADF953C8E73}" type="datetimeFigureOut">
               <a:rPr lang="en-US" smtClean="0"/>
-              <a:t>6/14/2016</a:t>
+              <a:t>6/15/2016</a:t>
             </a:fld>
             <a:endParaRPr lang="en-US"/>
           </a:p>
@@ -6664,6 +6664,117 @@
               </a:rPr>
               <a:t>Remact.Net</a:t>
             </a:r>
+            <a:endParaRPr lang="en-US" sz="1200" b="0" i="0" kern="1200" dirty="0">
+              <a:solidFill>
+                <a:schemeClr val="tx1"/>
+              </a:solidFill>
+              <a:effectLst/>
+              <a:latin typeface="+mn-lt"/>
+              <a:ea typeface="+mn-ea"/>
+              <a:cs typeface="+mn-cs"/>
+            </a:endParaRPr>
+          </a:p>
+          <a:p>
+            <a:pPr marL="171450" lvl="0" indent="-171450" rtl="0" fontAlgn="ctr">
+              <a:buFont typeface="Arial" panose="020B0604020202020204" pitchFamily="34" charset="0"/>
+              <a:buChar char="•"/>
+            </a:pPr>
+            <a:r>
+              <a:rPr lang="en-US" sz="1400" b="0" i="0" kern="1200" dirty="0">
+                <a:solidFill>
+                  <a:schemeClr val="tx1"/>
+                </a:solidFill>
+                <a:effectLst/>
+                <a:latin typeface="+mn-lt"/>
+                <a:ea typeface="+mn-ea"/>
+                <a:cs typeface="+mn-cs"/>
+              </a:rPr>
+              <a:t>Akka.NET</a:t>
+            </a:r>
+            <a:r>
+              <a:rPr lang="en-US" sz="1400" b="0" i="0" kern="1200" baseline="0" dirty="0">
+                <a:solidFill>
+                  <a:schemeClr val="tx1"/>
+                </a:solidFill>
+                <a:effectLst/>
+                <a:latin typeface="+mn-lt"/>
+                <a:ea typeface="+mn-ea"/>
+                <a:cs typeface="+mn-cs"/>
+              </a:rPr>
+              <a:t> Aims to adhere to the reactive manifesto</a:t>
+            </a:r>
+          </a:p>
+          <a:p>
+            <a:pPr marL="628650" lvl="1" indent="-171450" rtl="0" fontAlgn="ctr">
+              <a:buFont typeface="Arial" panose="020B0604020202020204" pitchFamily="34" charset="0"/>
+              <a:buChar char="•"/>
+            </a:pPr>
+            <a:r>
+              <a:rPr lang="en-US" sz="1400" b="0" i="0" kern="1200" baseline="0" dirty="0">
+                <a:solidFill>
+                  <a:schemeClr val="tx1"/>
+                </a:solidFill>
+                <a:effectLst/>
+                <a:latin typeface="+mn-lt"/>
+                <a:ea typeface="+mn-ea"/>
+                <a:cs typeface="+mn-cs"/>
+              </a:rPr>
+              <a:t>Responsive</a:t>
+            </a:r>
+          </a:p>
+          <a:p>
+            <a:pPr marL="628650" lvl="1" indent="-171450" rtl="0" fontAlgn="ctr">
+              <a:buFont typeface="Arial" panose="020B0604020202020204" pitchFamily="34" charset="0"/>
+              <a:buChar char="•"/>
+            </a:pPr>
+            <a:r>
+              <a:rPr lang="en-US" sz="1400" b="0" i="0" kern="1200" baseline="0" dirty="0">
+                <a:solidFill>
+                  <a:schemeClr val="tx1"/>
+                </a:solidFill>
+                <a:effectLst/>
+                <a:latin typeface="+mn-lt"/>
+                <a:ea typeface="+mn-ea"/>
+                <a:cs typeface="+mn-cs"/>
+              </a:rPr>
+              <a:t>Resilient (e.g. self-healing)</a:t>
+            </a:r>
+          </a:p>
+          <a:p>
+            <a:pPr marL="628650" lvl="1" indent="-171450" rtl="0" fontAlgn="ctr">
+              <a:buFont typeface="Arial" panose="020B0604020202020204" pitchFamily="34" charset="0"/>
+              <a:buChar char="•"/>
+            </a:pPr>
+            <a:r>
+              <a:rPr lang="en-US" sz="1400" b="0" i="0" kern="1200" baseline="0" dirty="0">
+                <a:solidFill>
+                  <a:schemeClr val="tx1"/>
+                </a:solidFill>
+                <a:effectLst/>
+                <a:latin typeface="+mn-lt"/>
+                <a:ea typeface="+mn-ea"/>
+                <a:cs typeface="+mn-cs"/>
+              </a:rPr>
+              <a:t>Elastic</a:t>
+            </a:r>
+          </a:p>
+          <a:p>
+            <a:pPr marL="628650" lvl="1" indent="-171450" rtl="0" fontAlgn="ctr">
+              <a:buFont typeface="Arial" panose="020B0604020202020204" pitchFamily="34" charset="0"/>
+              <a:buChar char="•"/>
+            </a:pPr>
+            <a:r>
+              <a:rPr lang="en-US" sz="1400" b="0" i="0" kern="1200" baseline="0">
+                <a:solidFill>
+                  <a:schemeClr val="tx1"/>
+                </a:solidFill>
+                <a:effectLst/>
+                <a:latin typeface="+mn-lt"/>
+                <a:ea typeface="+mn-ea"/>
+                <a:cs typeface="+mn-cs"/>
+              </a:rPr>
+              <a:t>Message driven</a:t>
+            </a:r>
             <a:endParaRPr lang="en-US" sz="1400" b="0" i="0" kern="1200" dirty="0">
               <a:solidFill>
                 <a:schemeClr val="tx1"/>
@@ -6858,7 +6969,7 @@
           <a:p>
             <a:fld id="{4AAD347D-5ACD-4C99-B74B-A9C85AD731AF}" type="datetimeFigureOut">
               <a:rPr lang="en-US" smtClean="0"/>
-              <a:t>6/14/2016</a:t>
+              <a:t>6/15/2016</a:t>
             </a:fld>
             <a:endParaRPr lang="en-US" dirty="0"/>
           </a:p>
@@ -7110,7 +7221,7 @@
           <a:p>
             <a:fld id="{4509A250-FF31-4206-8172-F9D3106AACB1}" type="datetimeFigureOut">
               <a:rPr lang="en-US" smtClean="0"/>
-              <a:t>6/14/2016</a:t>
+              <a:t>6/15/2016</a:t>
             </a:fld>
             <a:endParaRPr lang="en-US" dirty="0"/>
           </a:p>
@@ -7278,7 +7389,7 @@
           <a:p>
             <a:fld id="{4509A250-FF31-4206-8172-F9D3106AACB1}" type="datetimeFigureOut">
               <a:rPr lang="en-US" smtClean="0"/>
-              <a:t>6/14/2016</a:t>
+              <a:t>6/15/2016</a:t>
             </a:fld>
             <a:endParaRPr lang="en-US" dirty="0"/>
           </a:p>
@@ -7456,7 +7567,7 @@
           <a:p>
             <a:fld id="{4509A250-FF31-4206-8172-F9D3106AACB1}" type="datetimeFigureOut">
               <a:rPr lang="en-US" smtClean="0"/>
-              <a:t>6/14/2016</a:t>
+              <a:t>6/15/2016</a:t>
             </a:fld>
             <a:endParaRPr lang="en-US" dirty="0"/>
           </a:p>
@@ -8518,7 +8629,7 @@
           <a:p>
             <a:fld id="{4509A250-FF31-4206-8172-F9D3106AACB1}" type="datetimeFigureOut">
               <a:rPr lang="en-US" smtClean="0"/>
-              <a:t>6/14/2016</a:t>
+              <a:t>6/15/2016</a:t>
             </a:fld>
             <a:endParaRPr lang="en-US" dirty="0"/>
           </a:p>
@@ -8679,7 +8790,7 @@
           <a:p>
             <a:fld id="{4AAD347D-5ACD-4C99-B74B-A9C85AD731AF}" type="datetimeFigureOut">
               <a:rPr lang="en-US" smtClean="0"/>
-              <a:t>6/14/2016</a:t>
+              <a:t>6/15/2016</a:t>
             </a:fld>
             <a:endParaRPr lang="en-US" dirty="0"/>
           </a:p>
@@ -8954,7 +9065,7 @@
           <a:p>
             <a:fld id="{9796027F-7875-4030-9381-8BD8C4F21935}" type="datetimeFigureOut">
               <a:rPr lang="en-US" smtClean="0"/>
-              <a:t>6/14/2016</a:t>
+              <a:t>6/15/2016</a:t>
             </a:fld>
             <a:endParaRPr lang="en-US" dirty="0"/>
           </a:p>
@@ -9183,7 +9294,7 @@
           <a:p>
             <a:fld id="{9796027F-7875-4030-9381-8BD8C4F21935}" type="datetimeFigureOut">
               <a:rPr lang="en-US" smtClean="0"/>
-              <a:t>6/14/2016</a:t>
+              <a:t>6/15/2016</a:t>
             </a:fld>
             <a:endParaRPr lang="en-US" dirty="0"/>
           </a:p>
@@ -9547,7 +9658,7 @@
           <a:p>
             <a:fld id="{9796027F-7875-4030-9381-8BD8C4F21935}" type="datetimeFigureOut">
               <a:rPr lang="en-US" smtClean="0"/>
-              <a:t>6/14/2016</a:t>
+              <a:t>6/15/2016</a:t>
             </a:fld>
             <a:endParaRPr lang="en-US" dirty="0"/>
           </a:p>
@@ -9664,7 +9775,7 @@
           <a:p>
             <a:fld id="{4509A250-FF31-4206-8172-F9D3106AACB1}" type="datetimeFigureOut">
               <a:rPr lang="en-US" smtClean="0"/>
-              <a:t>6/14/2016</a:t>
+              <a:t>6/15/2016</a:t>
             </a:fld>
             <a:endParaRPr lang="en-US" dirty="0"/>
           </a:p>
@@ -9759,7 +9870,7 @@
           <a:p>
             <a:fld id="{4509A250-FF31-4206-8172-F9D3106AACB1}" type="datetimeFigureOut">
               <a:rPr lang="en-US" smtClean="0"/>
-              <a:t>6/14/2016</a:t>
+              <a:t>6/15/2016</a:t>
             </a:fld>
             <a:endParaRPr lang="en-US" dirty="0"/>
           </a:p>
@@ -10034,7 +10145,7 @@
           <a:p>
             <a:fld id="{4509A250-FF31-4206-8172-F9D3106AACB1}" type="datetimeFigureOut">
               <a:rPr lang="en-US" smtClean="0"/>
-              <a:t>6/14/2016</a:t>
+              <a:t>6/15/2016</a:t>
             </a:fld>
             <a:endParaRPr lang="en-US" dirty="0"/>
           </a:p>
@@ -10248,7 +10359,7 @@
           <a:p>
             <a:fld id="{4AAD347D-5ACD-4C99-B74B-A9C85AD731AF}" type="datetimeFigureOut">
               <a:rPr lang="en-US" smtClean="0"/>
-              <a:t>6/14/2016</a:t>
+              <a:t>6/15/2016</a:t>
             </a:fld>
             <a:endParaRPr lang="en-US" dirty="0"/>
           </a:p>

--- a/2016-06_AkkaIntro/presentation/BaltoMSDN_Akka.pptx
+++ b/2016-06_AkkaIntro/presentation/BaltoMSDN_Akka.pptx
@@ -6764,7 +6764,7 @@
               <a:buChar char="•"/>
             </a:pPr>
             <a:r>
-              <a:rPr lang="en-US" sz="1400" b="0" i="0" kern="1200" baseline="0">
+              <a:rPr lang="en-US" sz="1400" b="0" i="0" kern="1200" baseline="0" dirty="0">
                 <a:solidFill>
                   <a:schemeClr val="tx1"/>
                 </a:solidFill>
@@ -10864,6 +10864,202 @@
           </a:prstGeom>
         </p:spPr>
       </p:pic>
+      <p:sp>
+        <p:nvSpPr>
+          <p:cNvPr id="6" name="Subtitle 2"/>
+          <p:cNvSpPr txBox="1">
+            <a:spLocks/>
+          </p:cNvSpPr>
+          <p:nvPr/>
+        </p:nvSpPr>
+        <p:spPr>
+          <a:xfrm>
+            <a:off x="2517231" y="1633079"/>
+            <a:ext cx="7157536" cy="1655762"/>
+          </a:xfrm>
+          <a:prstGeom prst="rect">
+            <a:avLst/>
+          </a:prstGeom>
+        </p:spPr>
+        <p:txBody>
+          <a:bodyPr vert="horz" lIns="91440" tIns="45720" rIns="91440" bIns="45720" rtlCol="0">
+            <a:normAutofit/>
+          </a:bodyPr>
+          <a:lstStyle>
+            <a:lvl1pPr marL="0" indent="0" algn="ctr" defTabSz="914400" rtl="0" eaLnBrk="1" latinLnBrk="0" hangingPunct="1">
+              <a:lnSpc>
+                <a:spcPct val="90000"/>
+              </a:lnSpc>
+              <a:spcBef>
+                <a:spcPts val="1000"/>
+              </a:spcBef>
+              <a:buFont typeface="Arial" panose="020B0604020202020204" pitchFamily="34" charset="0"/>
+              <a:buNone/>
+              <a:defRPr sz="2400" kern="1200">
+                <a:solidFill>
+                  <a:schemeClr val="tx1"/>
+                </a:solidFill>
+                <a:latin typeface="+mn-lt"/>
+                <a:ea typeface="+mn-ea"/>
+                <a:cs typeface="+mn-cs"/>
+              </a:defRPr>
+            </a:lvl1pPr>
+            <a:lvl2pPr marL="457200" indent="0" algn="ctr" defTabSz="914400" rtl="0" eaLnBrk="1" latinLnBrk="0" hangingPunct="1">
+              <a:lnSpc>
+                <a:spcPct val="90000"/>
+              </a:lnSpc>
+              <a:spcBef>
+                <a:spcPts val="500"/>
+              </a:spcBef>
+              <a:buFont typeface="Arial" panose="020B0604020202020204" pitchFamily="34" charset="0"/>
+              <a:buNone/>
+              <a:defRPr sz="2000" kern="1200">
+                <a:solidFill>
+                  <a:schemeClr val="tx1"/>
+                </a:solidFill>
+                <a:latin typeface="+mn-lt"/>
+                <a:ea typeface="+mn-ea"/>
+                <a:cs typeface="+mn-cs"/>
+              </a:defRPr>
+            </a:lvl2pPr>
+            <a:lvl3pPr marL="914400" indent="0" algn="ctr" defTabSz="914400" rtl="0" eaLnBrk="1" latinLnBrk="0" hangingPunct="1">
+              <a:lnSpc>
+                <a:spcPct val="90000"/>
+              </a:lnSpc>
+              <a:spcBef>
+                <a:spcPts val="500"/>
+              </a:spcBef>
+              <a:buFont typeface="Arial" panose="020B0604020202020204" pitchFamily="34" charset="0"/>
+              <a:buNone/>
+              <a:defRPr sz="1800" kern="1200">
+                <a:solidFill>
+                  <a:schemeClr val="tx1"/>
+                </a:solidFill>
+                <a:latin typeface="+mn-lt"/>
+                <a:ea typeface="+mn-ea"/>
+                <a:cs typeface="+mn-cs"/>
+              </a:defRPr>
+            </a:lvl3pPr>
+            <a:lvl4pPr marL="1371600" indent="0" algn="ctr" defTabSz="914400" rtl="0" eaLnBrk="1" latinLnBrk="0" hangingPunct="1">
+              <a:lnSpc>
+                <a:spcPct val="90000"/>
+              </a:lnSpc>
+              <a:spcBef>
+                <a:spcPts val="500"/>
+              </a:spcBef>
+              <a:buFont typeface="Arial" panose="020B0604020202020204" pitchFamily="34" charset="0"/>
+              <a:buNone/>
+              <a:defRPr sz="1600" kern="1200">
+                <a:solidFill>
+                  <a:schemeClr val="tx1"/>
+                </a:solidFill>
+                <a:latin typeface="+mn-lt"/>
+                <a:ea typeface="+mn-ea"/>
+                <a:cs typeface="+mn-cs"/>
+              </a:defRPr>
+            </a:lvl4pPr>
+            <a:lvl5pPr marL="1828800" indent="0" algn="ctr" defTabSz="914400" rtl="0" eaLnBrk="1" latinLnBrk="0" hangingPunct="1">
+              <a:lnSpc>
+                <a:spcPct val="90000"/>
+              </a:lnSpc>
+              <a:spcBef>
+                <a:spcPts val="500"/>
+              </a:spcBef>
+              <a:buFont typeface="Arial" panose="020B0604020202020204" pitchFamily="34" charset="0"/>
+              <a:buNone/>
+              <a:defRPr sz="1600" kern="1200">
+                <a:solidFill>
+                  <a:schemeClr val="tx1"/>
+                </a:solidFill>
+                <a:latin typeface="+mn-lt"/>
+                <a:ea typeface="+mn-ea"/>
+                <a:cs typeface="+mn-cs"/>
+              </a:defRPr>
+            </a:lvl5pPr>
+            <a:lvl6pPr marL="2286000" indent="0" algn="ctr" defTabSz="914400" rtl="0" eaLnBrk="1" latinLnBrk="0" hangingPunct="1">
+              <a:lnSpc>
+                <a:spcPct val="90000"/>
+              </a:lnSpc>
+              <a:spcBef>
+                <a:spcPts val="500"/>
+              </a:spcBef>
+              <a:buFont typeface="Arial" panose="020B0604020202020204" pitchFamily="34" charset="0"/>
+              <a:buNone/>
+              <a:defRPr sz="1600" kern="1200">
+                <a:solidFill>
+                  <a:schemeClr val="tx1"/>
+                </a:solidFill>
+                <a:latin typeface="+mn-lt"/>
+                <a:ea typeface="+mn-ea"/>
+                <a:cs typeface="+mn-cs"/>
+              </a:defRPr>
+            </a:lvl6pPr>
+            <a:lvl7pPr marL="2743200" indent="0" algn="ctr" defTabSz="914400" rtl="0" eaLnBrk="1" latinLnBrk="0" hangingPunct="1">
+              <a:lnSpc>
+                <a:spcPct val="90000"/>
+              </a:lnSpc>
+              <a:spcBef>
+                <a:spcPts val="500"/>
+              </a:spcBef>
+              <a:buFont typeface="Arial" panose="020B0604020202020204" pitchFamily="34" charset="0"/>
+              <a:buNone/>
+              <a:defRPr sz="1600" kern="1200">
+                <a:solidFill>
+                  <a:schemeClr val="tx1"/>
+                </a:solidFill>
+                <a:latin typeface="+mn-lt"/>
+                <a:ea typeface="+mn-ea"/>
+                <a:cs typeface="+mn-cs"/>
+              </a:defRPr>
+            </a:lvl7pPr>
+            <a:lvl8pPr marL="3200400" indent="0" algn="ctr" defTabSz="914400" rtl="0" eaLnBrk="1" latinLnBrk="0" hangingPunct="1">
+              <a:lnSpc>
+                <a:spcPct val="90000"/>
+              </a:lnSpc>
+              <a:spcBef>
+                <a:spcPts val="500"/>
+              </a:spcBef>
+              <a:buFont typeface="Arial" panose="020B0604020202020204" pitchFamily="34" charset="0"/>
+              <a:buNone/>
+              <a:defRPr sz="1600" kern="1200">
+                <a:solidFill>
+                  <a:schemeClr val="tx1"/>
+                </a:solidFill>
+                <a:latin typeface="+mn-lt"/>
+                <a:ea typeface="+mn-ea"/>
+                <a:cs typeface="+mn-cs"/>
+              </a:defRPr>
+            </a:lvl8pPr>
+            <a:lvl9pPr marL="3657600" indent="0" algn="ctr" defTabSz="914400" rtl="0" eaLnBrk="1" latinLnBrk="0" hangingPunct="1">
+              <a:lnSpc>
+                <a:spcPct val="90000"/>
+              </a:lnSpc>
+              <a:spcBef>
+                <a:spcPts val="500"/>
+              </a:spcBef>
+              <a:buFont typeface="Arial" panose="020B0604020202020204" pitchFamily="34" charset="0"/>
+              <a:buNone/>
+              <a:defRPr sz="1600" kern="1200">
+                <a:solidFill>
+                  <a:schemeClr val="tx1"/>
+                </a:solidFill>
+                <a:latin typeface="+mn-lt"/>
+                <a:ea typeface="+mn-ea"/>
+                <a:cs typeface="+mn-cs"/>
+              </a:defRPr>
+            </a:lvl9pPr>
+          </a:lstStyle>
+          <a:p>
+            <a:r>
+              <a:rPr lang="en-US" sz="4000" dirty="0">
+                <a:hlinkClick r:id="rId4"/>
+              </a:rPr>
+              <a:t>http://bit.do/SK_Akka_June2016</a:t>
+            </a:r>
+            <a:endParaRPr lang="en-US" sz="4000" dirty="0"/>
+          </a:p>
+        </p:txBody>
+      </p:sp>
     </p:spTree>
     <p:extLst>
       <p:ext uri="{BB962C8B-B14F-4D97-AF65-F5344CB8AC3E}">

--- a/2016-06_AkkaIntro/presentation/BaltoMSDN_Akka.pptx
+++ b/2016-06_AkkaIntro/presentation/BaltoMSDN_Akka.pptx
@@ -5,7 +5,7 @@
     <p:sldMasterId id="2147483672" r:id="rId1"/>
   </p:sldMasterIdLst>
   <p:notesMasterIdLst>
-    <p:notesMasterId r:id="rId40"/>
+    <p:notesMasterId r:id="rId41"/>
   </p:notesMasterIdLst>
   <p:sldIdLst>
     <p:sldId id="256" r:id="rId2"/>
@@ -13,39 +13,40 @@
     <p:sldId id="261" r:id="rId4"/>
     <p:sldId id="317" r:id="rId5"/>
     <p:sldId id="318" r:id="rId6"/>
-    <p:sldId id="258" r:id="rId7"/>
-    <p:sldId id="259" r:id="rId8"/>
-    <p:sldId id="260" r:id="rId9"/>
-    <p:sldId id="262" r:id="rId10"/>
-    <p:sldId id="284" r:id="rId11"/>
-    <p:sldId id="285" r:id="rId12"/>
-    <p:sldId id="286" r:id="rId13"/>
-    <p:sldId id="287" r:id="rId14"/>
-    <p:sldId id="288" r:id="rId15"/>
-    <p:sldId id="265" r:id="rId16"/>
-    <p:sldId id="312" r:id="rId17"/>
-    <p:sldId id="315" r:id="rId18"/>
-    <p:sldId id="316" r:id="rId19"/>
-    <p:sldId id="269" r:id="rId20"/>
-    <p:sldId id="272" r:id="rId21"/>
-    <p:sldId id="274" r:id="rId22"/>
-    <p:sldId id="273" r:id="rId23"/>
-    <p:sldId id="299" r:id="rId24"/>
-    <p:sldId id="300" r:id="rId25"/>
-    <p:sldId id="301" r:id="rId26"/>
-    <p:sldId id="302" r:id="rId27"/>
-    <p:sldId id="303" r:id="rId28"/>
-    <p:sldId id="304" r:id="rId29"/>
-    <p:sldId id="306" r:id="rId30"/>
-    <p:sldId id="307" r:id="rId31"/>
-    <p:sldId id="308" r:id="rId32"/>
-    <p:sldId id="309" r:id="rId33"/>
-    <p:sldId id="310" r:id="rId34"/>
-    <p:sldId id="311" r:id="rId35"/>
-    <p:sldId id="281" r:id="rId36"/>
-    <p:sldId id="313" r:id="rId37"/>
-    <p:sldId id="282" r:id="rId38"/>
-    <p:sldId id="283" r:id="rId39"/>
+    <p:sldId id="319" r:id="rId7"/>
+    <p:sldId id="258" r:id="rId8"/>
+    <p:sldId id="259" r:id="rId9"/>
+    <p:sldId id="260" r:id="rId10"/>
+    <p:sldId id="262" r:id="rId11"/>
+    <p:sldId id="284" r:id="rId12"/>
+    <p:sldId id="285" r:id="rId13"/>
+    <p:sldId id="286" r:id="rId14"/>
+    <p:sldId id="287" r:id="rId15"/>
+    <p:sldId id="288" r:id="rId16"/>
+    <p:sldId id="265" r:id="rId17"/>
+    <p:sldId id="312" r:id="rId18"/>
+    <p:sldId id="315" r:id="rId19"/>
+    <p:sldId id="316" r:id="rId20"/>
+    <p:sldId id="269" r:id="rId21"/>
+    <p:sldId id="272" r:id="rId22"/>
+    <p:sldId id="274" r:id="rId23"/>
+    <p:sldId id="273" r:id="rId24"/>
+    <p:sldId id="299" r:id="rId25"/>
+    <p:sldId id="300" r:id="rId26"/>
+    <p:sldId id="301" r:id="rId27"/>
+    <p:sldId id="302" r:id="rId28"/>
+    <p:sldId id="303" r:id="rId29"/>
+    <p:sldId id="304" r:id="rId30"/>
+    <p:sldId id="306" r:id="rId31"/>
+    <p:sldId id="307" r:id="rId32"/>
+    <p:sldId id="308" r:id="rId33"/>
+    <p:sldId id="309" r:id="rId34"/>
+    <p:sldId id="310" r:id="rId35"/>
+    <p:sldId id="311" r:id="rId36"/>
+    <p:sldId id="281" r:id="rId37"/>
+    <p:sldId id="313" r:id="rId38"/>
+    <p:sldId id="282" r:id="rId39"/>
+    <p:sldId id="283" r:id="rId40"/>
   </p:sldIdLst>
   <p:sldSz cx="12192000" cy="6858000"/>
   <p:notesSz cx="6858000" cy="9144000"/>
@@ -652,7 +653,10 @@
           <a:bodyPr/>
           <a:lstStyle/>
           <a:p>
-            <a:pPr rtl="0"/>
+            <a:pPr marL="171450" lvl="0" indent="-171450" rtl="0" fontAlgn="ctr">
+              <a:buFont typeface="Arial" panose="020B0604020202020204" pitchFamily="34" charset="0"/>
+              <a:buChar char="•"/>
+            </a:pPr>
             <a:r>
               <a:rPr lang="en-US" sz="1200" b="0" i="0" kern="1200" dirty="0">
                 <a:solidFill>
@@ -663,10 +667,10 @@
                 <a:ea typeface="+mn-ea"/>
                 <a:cs typeface="+mn-cs"/>
               </a:rPr>
-              <a:t>An actor is a container for </a:t>
-            </a:r>
-            <a:r>
-              <a:rPr lang="en-US" sz="1100" b="0" i="0" kern="1200" dirty="0">
+              <a:t>Port of Java </a:t>
+            </a:r>
+            <a:r>
+              <a:rPr lang="en-US" sz="1200" b="0" i="0" kern="1200" dirty="0" err="1">
                 <a:solidFill>
                   <a:schemeClr val="tx1"/>
                 </a:solidFill>
@@ -674,10 +678,24 @@
                 <a:latin typeface="+mn-lt"/>
                 <a:ea typeface="+mn-ea"/>
                 <a:cs typeface="+mn-cs"/>
-                <a:hlinkClick r:id="rId3"/>
               </a:rPr>
-              <a:t>State</a:t>
-            </a:r>
+              <a:t>Akka</a:t>
+            </a:r>
+            <a:endParaRPr lang="en-US" sz="1400" b="0" i="0" kern="1200" dirty="0">
+              <a:solidFill>
+                <a:schemeClr val="tx1"/>
+              </a:solidFill>
+              <a:effectLst/>
+              <a:latin typeface="+mn-lt"/>
+              <a:ea typeface="+mn-ea"/>
+              <a:cs typeface="+mn-cs"/>
+            </a:endParaRPr>
+          </a:p>
+          <a:p>
+            <a:pPr marL="171450" lvl="0" indent="-171450" rtl="0" fontAlgn="ctr">
+              <a:buFont typeface="Arial" panose="020B0604020202020204" pitchFamily="34" charset="0"/>
+              <a:buChar char="•"/>
+            </a:pPr>
             <a:r>
               <a:rPr lang="en-US" sz="1200" b="0" i="0" kern="1200" dirty="0">
                 <a:solidFill>
@@ -688,10 +706,25 @@
                 <a:ea typeface="+mn-ea"/>
                 <a:cs typeface="+mn-cs"/>
               </a:rPr>
-              <a:t>, </a:t>
-            </a:r>
-            <a:r>
-              <a:rPr lang="en-US" sz="1100" b="0" i="0" kern="1200" dirty="0">
+              <a:t>Other .NET actor model frameworks</a:t>
+            </a:r>
+            <a:endParaRPr lang="en-US" sz="1400" b="0" i="0" kern="1200" dirty="0">
+              <a:solidFill>
+                <a:schemeClr val="tx1"/>
+              </a:solidFill>
+              <a:effectLst/>
+              <a:latin typeface="+mn-lt"/>
+              <a:ea typeface="+mn-ea"/>
+              <a:cs typeface="+mn-cs"/>
+            </a:endParaRPr>
+          </a:p>
+          <a:p>
+            <a:pPr marL="628650" lvl="1" indent="-171450" rtl="0" fontAlgn="ctr">
+              <a:buFont typeface="Arial" panose="020B0604020202020204" pitchFamily="34" charset="0"/>
+              <a:buChar char="•"/>
+            </a:pPr>
+            <a:r>
+              <a:rPr lang="en-US" sz="1200" b="0" i="0" kern="1200" dirty="0" err="1">
                 <a:solidFill>
                   <a:schemeClr val="tx1"/>
                 </a:solidFill>
@@ -699,9 +732,8 @@
                 <a:latin typeface="+mn-lt"/>
                 <a:ea typeface="+mn-ea"/>
                 <a:cs typeface="+mn-cs"/>
-                <a:hlinkClick r:id="rId4"/>
               </a:rPr>
-              <a:t>Behavior</a:t>
+              <a:t>Nact</a:t>
             </a:r>
             <a:r>
               <a:rPr lang="en-US" sz="1200" b="0" i="0" kern="1200" dirty="0">
@@ -713,21 +745,23 @@
                 <a:ea typeface="+mn-ea"/>
                 <a:cs typeface="+mn-cs"/>
               </a:rPr>
-              <a:t>, a </a:t>
-            </a:r>
-            <a:r>
-              <a:rPr lang="en-US" sz="1100" b="0" i="0" kern="1200" dirty="0">
-                <a:solidFill>
-                  <a:schemeClr val="tx1"/>
-                </a:solidFill>
-                <a:effectLst/>
-                <a:latin typeface="+mn-lt"/>
-                <a:ea typeface="+mn-ea"/>
-                <a:cs typeface="+mn-cs"/>
-                <a:hlinkClick r:id="rId5"/>
-              </a:rPr>
-              <a:t>Mailbox</a:t>
-            </a:r>
+              <a:t> (2/28/12)</a:t>
+            </a:r>
+            <a:endParaRPr lang="en-US" sz="1400" b="0" i="0" kern="1200" dirty="0">
+              <a:solidFill>
+                <a:schemeClr val="tx1"/>
+              </a:solidFill>
+              <a:effectLst/>
+              <a:latin typeface="+mn-lt"/>
+              <a:ea typeface="+mn-ea"/>
+              <a:cs typeface="+mn-cs"/>
+            </a:endParaRPr>
+          </a:p>
+          <a:p>
+            <a:pPr marL="628650" lvl="1" indent="-171450" rtl="0" fontAlgn="ctr">
+              <a:buFont typeface="Arial" panose="020B0604020202020204" pitchFamily="34" charset="0"/>
+              <a:buChar char="•"/>
+            </a:pPr>
             <a:r>
               <a:rPr lang="en-US" sz="1200" b="0" i="0" kern="1200" dirty="0">
                 <a:solidFill>
@@ -738,81 +772,7 @@
                 <a:ea typeface="+mn-ea"/>
                 <a:cs typeface="+mn-cs"/>
               </a:rPr>
-              <a:t>, </a:t>
-            </a:r>
-            <a:r>
-              <a:rPr lang="en-US" sz="1100" b="0" i="0" kern="1200" dirty="0">
-                <a:solidFill>
-                  <a:schemeClr val="tx1"/>
-                </a:solidFill>
-                <a:effectLst/>
-                <a:latin typeface="+mn-lt"/>
-                <a:ea typeface="+mn-ea"/>
-                <a:cs typeface="+mn-cs"/>
-                <a:hlinkClick r:id="rId6"/>
-              </a:rPr>
-              <a:t>Children</a:t>
-            </a:r>
-            <a:r>
-              <a:rPr lang="en-US" sz="1200" b="0" i="0" kern="1200" dirty="0">
-                <a:solidFill>
-                  <a:schemeClr val="tx1"/>
-                </a:solidFill>
-                <a:effectLst/>
-                <a:latin typeface="+mn-lt"/>
-                <a:ea typeface="+mn-ea"/>
-                <a:cs typeface="+mn-cs"/>
-              </a:rPr>
-              <a:t> and a </a:t>
-            </a:r>
-            <a:r>
-              <a:rPr lang="en-US" sz="1100" b="0" i="0" kern="1200" dirty="0">
-                <a:solidFill>
-                  <a:schemeClr val="tx1"/>
-                </a:solidFill>
-                <a:effectLst/>
-                <a:latin typeface="+mn-lt"/>
-                <a:ea typeface="+mn-ea"/>
-                <a:cs typeface="+mn-cs"/>
-                <a:hlinkClick r:id="rId7"/>
-              </a:rPr>
-              <a:t>Supervisor Strategy</a:t>
-            </a:r>
-            <a:r>
-              <a:rPr lang="en-US" sz="1200" b="0" i="0" kern="1200" dirty="0">
-                <a:solidFill>
-                  <a:schemeClr val="tx1"/>
-                </a:solidFill>
-                <a:effectLst/>
-                <a:latin typeface="+mn-lt"/>
-                <a:ea typeface="+mn-ea"/>
-                <a:cs typeface="+mn-cs"/>
-              </a:rPr>
-              <a:t>. All of this is encapsulated behind an Actor Reference(</a:t>
-            </a:r>
-            <a:r>
-              <a:rPr lang="en-US" sz="1050" b="0" i="0" kern="1200" dirty="0" err="1">
-                <a:solidFill>
-                  <a:schemeClr val="tx1"/>
-                </a:solidFill>
-                <a:effectLst/>
-                <a:latin typeface="+mn-lt"/>
-                <a:ea typeface="+mn-ea"/>
-                <a:cs typeface="+mn-cs"/>
-              </a:rPr>
-              <a:t>ActorRef</a:t>
-            </a:r>
-            <a:r>
-              <a:rPr lang="en-US" sz="1200" b="0" i="0" kern="1200" dirty="0">
-                <a:solidFill>
-                  <a:schemeClr val="tx1"/>
-                </a:solidFill>
-                <a:effectLst/>
-                <a:latin typeface="+mn-lt"/>
-                <a:ea typeface="+mn-ea"/>
-                <a:cs typeface="+mn-cs"/>
-              </a:rPr>
-              <a:t>).</a:t>
+              <a:t>Actor Framework (very inventive name)</a:t>
             </a:r>
             <a:endParaRPr lang="en-US" sz="1400" b="0" i="0" kern="1200" dirty="0">
               <a:solidFill>
@@ -825,9 +785,12 @@
             </a:endParaRPr>
           </a:p>
           <a:p>
-            <a:pPr rtl="0"/>
-            <a:r>
-              <a:rPr lang="en-US" sz="1200" b="0" i="0" kern="1200" dirty="0">
+            <a:pPr marL="628650" lvl="1" indent="-171450" rtl="0" fontAlgn="ctr">
+              <a:buFont typeface="Arial" panose="020B0604020202020204" pitchFamily="34" charset="0"/>
+              <a:buChar char="•"/>
+            </a:pPr>
+            <a:r>
+              <a:rPr lang="en-US" sz="1200" b="0" i="0" kern="1200" dirty="0" err="1">
                 <a:solidFill>
                   <a:schemeClr val="tx1"/>
                 </a:solidFill>
@@ -836,13 +799,25 @@
                 <a:ea typeface="+mn-ea"/>
                 <a:cs typeface="+mn-cs"/>
               </a:rPr>
-              <a:t> </a:t>
-            </a:r>
-          </a:p>
-          <a:p>
-            <a:pPr rtl="0"/>
-            <a:r>
-              <a:rPr lang="en-US" sz="1200" b="0" i="0" kern="1200" dirty="0">
+              <a:t>Remact.Net</a:t>
+            </a:r>
+            <a:endParaRPr lang="en-US" sz="1200" b="0" i="0" kern="1200" dirty="0">
+              <a:solidFill>
+                <a:schemeClr val="tx1"/>
+              </a:solidFill>
+              <a:effectLst/>
+              <a:latin typeface="+mn-lt"/>
+              <a:ea typeface="+mn-ea"/>
+              <a:cs typeface="+mn-cs"/>
+            </a:endParaRPr>
+          </a:p>
+          <a:p>
+            <a:pPr marL="171450" lvl="0" indent="-171450" rtl="0" fontAlgn="ctr">
+              <a:buFont typeface="Arial" panose="020B0604020202020204" pitchFamily="34" charset="0"/>
+              <a:buChar char="•"/>
+            </a:pPr>
+            <a:r>
+              <a:rPr lang="en-US" sz="1400" b="0" i="0" kern="1200" dirty="0">
                 <a:solidFill>
                   <a:schemeClr val="tx1"/>
                 </a:solidFill>
@@ -851,23 +826,10 @@
                 <a:ea typeface="+mn-ea"/>
                 <a:cs typeface="+mn-cs"/>
               </a:rPr>
-              <a:t>From &lt;</a:t>
-            </a:r>
-            <a:r>
-              <a:rPr lang="en-US" sz="1200" b="0" i="0" kern="1200" dirty="0">
-                <a:solidFill>
-                  <a:schemeClr val="tx1"/>
-                </a:solidFill>
-                <a:effectLst/>
-                <a:latin typeface="+mn-lt"/>
-                <a:ea typeface="+mn-ea"/>
-                <a:cs typeface="+mn-cs"/>
-                <a:hlinkClick r:id="rId8"/>
-              </a:rPr>
-              <a:t>http://getakka.net/docs/concepts/actors</a:t>
-            </a:r>
-            <a:r>
-              <a:rPr lang="en-US" sz="1200" b="0" i="0" kern="1200" dirty="0">
+              <a:t>Akka.NET</a:t>
+            </a:r>
+            <a:r>
+              <a:rPr lang="en-US" sz="1400" b="0" i="0" kern="1200" baseline="0" dirty="0">
                 <a:solidFill>
                   <a:schemeClr val="tx1"/>
                 </a:solidFill>
@@ -876,13 +838,16 @@
                 <a:ea typeface="+mn-ea"/>
                 <a:cs typeface="+mn-cs"/>
               </a:rPr>
-              <a:t>&gt;</a:t>
-            </a:r>
-          </a:p>
-          <a:p>
-            <a:pPr rtl="0"/>
-            <a:r>
-              <a:rPr lang="en-US" sz="1200" b="0" i="0" kern="1200" dirty="0">
+              <a:t> Aims to adhere to the reactive manifesto</a:t>
+            </a:r>
+          </a:p>
+          <a:p>
+            <a:pPr marL="628650" lvl="1" indent="-171450" rtl="0" fontAlgn="ctr">
+              <a:buFont typeface="Arial" panose="020B0604020202020204" pitchFamily="34" charset="0"/>
+              <a:buChar char="•"/>
+            </a:pPr>
+            <a:r>
+              <a:rPr lang="en-US" sz="1400" b="0" i="0" kern="1200" baseline="0" dirty="0">
                 <a:solidFill>
                   <a:schemeClr val="tx1"/>
                 </a:solidFill>
@@ -891,13 +856,16 @@
                 <a:ea typeface="+mn-ea"/>
                 <a:cs typeface="+mn-cs"/>
               </a:rPr>
-              <a:t> </a:t>
-            </a:r>
-          </a:p>
-          <a:p>
-            <a:pPr lvl="1" rtl="0" fontAlgn="ctr"/>
-            <a:r>
-              <a:rPr lang="en-US" sz="1200" b="0" i="0" kern="1200" dirty="0">
+              <a:t>Responsive</a:t>
+            </a:r>
+          </a:p>
+          <a:p>
+            <a:pPr marL="628650" lvl="1" indent="-171450" rtl="0" fontAlgn="ctr">
+              <a:buFont typeface="Arial" panose="020B0604020202020204" pitchFamily="34" charset="0"/>
+              <a:buChar char="•"/>
+            </a:pPr>
+            <a:r>
+              <a:rPr lang="en-US" sz="1400" b="0" i="0" kern="1200" baseline="0" dirty="0">
                 <a:solidFill>
                   <a:schemeClr val="tx1"/>
                 </a:solidFill>
@@ -906,7 +874,43 @@
                 <a:ea typeface="+mn-ea"/>
                 <a:cs typeface="+mn-cs"/>
               </a:rPr>
-              <a:t>State</a:t>
+              <a:t>Resilient (e.g. self-healing)</a:t>
+            </a:r>
+          </a:p>
+          <a:p>
+            <a:pPr marL="628650" lvl="1" indent="-171450" rtl="0" fontAlgn="ctr">
+              <a:buFont typeface="Arial" panose="020B0604020202020204" pitchFamily="34" charset="0"/>
+              <a:buChar char="•"/>
+            </a:pPr>
+            <a:r>
+              <a:rPr lang="en-US" sz="1400" b="0" i="0" kern="1200" baseline="0" dirty="0">
+                <a:solidFill>
+                  <a:schemeClr val="tx1"/>
+                </a:solidFill>
+                <a:effectLst/>
+                <a:latin typeface="+mn-lt"/>
+                <a:ea typeface="+mn-ea"/>
+                <a:cs typeface="+mn-cs"/>
+              </a:rPr>
+              <a:t>Elastic</a:t>
+            </a:r>
+          </a:p>
+          <a:p>
+            <a:pPr marL="628650" lvl="1" indent="-171450" rtl="0" fontAlgn="ctr">
+              <a:buFont typeface="Arial" panose="020B0604020202020204" pitchFamily="34" charset="0"/>
+              <a:buChar char="•"/>
+            </a:pPr>
+            <a:r>
+              <a:rPr lang="en-US" sz="1400" b="0" i="0" kern="1200" baseline="0" dirty="0">
+                <a:solidFill>
+                  <a:schemeClr val="tx1"/>
+                </a:solidFill>
+                <a:effectLst/>
+                <a:latin typeface="+mn-lt"/>
+                <a:ea typeface="+mn-ea"/>
+                <a:cs typeface="+mn-cs"/>
+              </a:rPr>
+              <a:t>Message driven</a:t>
             </a:r>
             <a:endParaRPr lang="en-US" sz="1400" b="0" i="0" kern="1200" dirty="0">
               <a:solidFill>
@@ -919,20 +923,11 @@
             </a:endParaRPr>
           </a:p>
           <a:p>
-            <a:pPr lvl="2" rtl="0" fontAlgn="ctr"/>
-            <a:r>
-              <a:rPr lang="en-US" sz="1200" b="0" i="0" kern="1200" dirty="0">
-                <a:solidFill>
-                  <a:schemeClr val="tx1"/>
-                </a:solidFill>
-                <a:effectLst/>
-                <a:latin typeface="+mn-lt"/>
-                <a:ea typeface="+mn-ea"/>
-                <a:cs typeface="+mn-cs"/>
-              </a:rPr>
-              <a:t>Conceptually single threaded (no concurrency worries)</a:t>
-            </a:r>
-            <a:endParaRPr lang="en-US" sz="1400" b="0" i="0" kern="1200" dirty="0">
+            <a:pPr marL="457200" lvl="1" indent="0" rtl="0" fontAlgn="ctr">
+              <a:buFont typeface="Arial" panose="020B0604020202020204" pitchFamily="34" charset="0"/>
+              <a:buNone/>
+            </a:pPr>
+            <a:endParaRPr lang="en-US" sz="1200" b="0" i="0" kern="1200" dirty="0">
               <a:solidFill>
                 <a:schemeClr val="tx1"/>
               </a:solidFill>
@@ -940,354 +935,6 @@
               <a:latin typeface="+mn-lt"/>
               <a:ea typeface="+mn-ea"/>
               <a:cs typeface="+mn-cs"/>
-            </a:endParaRPr>
-          </a:p>
-          <a:p>
-            <a:pPr lvl="2" rtl="0" fontAlgn="ctr"/>
-            <a:r>
-              <a:rPr lang="en-US" sz="1200" b="0" i="0" kern="1200" dirty="0">
-                <a:solidFill>
-                  <a:schemeClr val="tx1"/>
-                </a:solidFill>
-                <a:effectLst/>
-                <a:latin typeface="+mn-lt"/>
-                <a:ea typeface="+mn-ea"/>
-                <a:cs typeface="+mn-cs"/>
-              </a:rPr>
-              <a:t>Starting/restarting actors results in known good state</a:t>
-            </a:r>
-            <a:endParaRPr lang="en-US" sz="1400" b="0" i="0" kern="1200" dirty="0">
-              <a:solidFill>
-                <a:schemeClr val="tx1"/>
-              </a:solidFill>
-              <a:effectLst/>
-              <a:latin typeface="+mn-lt"/>
-              <a:ea typeface="+mn-ea"/>
-              <a:cs typeface="+mn-cs"/>
-            </a:endParaRPr>
-          </a:p>
-          <a:p>
-            <a:pPr lvl="1" rtl="0" fontAlgn="ctr"/>
-            <a:r>
-              <a:rPr lang="en-US" sz="1200" b="0" i="0" kern="1200" dirty="0">
-                <a:solidFill>
-                  <a:schemeClr val="tx1"/>
-                </a:solidFill>
-                <a:effectLst/>
-                <a:latin typeface="+mn-lt"/>
-                <a:ea typeface="+mn-ea"/>
-                <a:cs typeface="+mn-cs"/>
-              </a:rPr>
-              <a:t>Behavior</a:t>
-            </a:r>
-            <a:endParaRPr lang="en-US" sz="1400" b="0" i="0" kern="1200" dirty="0">
-              <a:solidFill>
-                <a:schemeClr val="tx1"/>
-              </a:solidFill>
-              <a:effectLst/>
-              <a:latin typeface="+mn-lt"/>
-              <a:ea typeface="+mn-ea"/>
-              <a:cs typeface="+mn-cs"/>
-            </a:endParaRPr>
-          </a:p>
-          <a:p>
-            <a:pPr lvl="2" rtl="0" fontAlgn="ctr"/>
-            <a:r>
-              <a:rPr lang="en-US" sz="1200" b="0" i="0" kern="1200" dirty="0">
-                <a:solidFill>
-                  <a:schemeClr val="tx1"/>
-                </a:solidFill>
-                <a:effectLst/>
-                <a:latin typeface="+mn-lt"/>
-                <a:ea typeface="+mn-ea"/>
-                <a:cs typeface="+mn-cs"/>
-              </a:rPr>
-              <a:t>Defines actions taken when message is received</a:t>
-            </a:r>
-            <a:endParaRPr lang="en-US" sz="1400" b="0" i="0" kern="1200" dirty="0">
-              <a:solidFill>
-                <a:schemeClr val="tx1"/>
-              </a:solidFill>
-              <a:effectLst/>
-              <a:latin typeface="+mn-lt"/>
-              <a:ea typeface="+mn-ea"/>
-              <a:cs typeface="+mn-cs"/>
-            </a:endParaRPr>
-          </a:p>
-          <a:p>
-            <a:pPr lvl="2" rtl="0" fontAlgn="ctr"/>
-            <a:r>
-              <a:rPr lang="en-US" sz="1200" b="0" i="0" kern="1200" dirty="0">
-                <a:solidFill>
-                  <a:schemeClr val="tx1"/>
-                </a:solidFill>
-                <a:effectLst/>
-                <a:latin typeface="+mn-lt"/>
-                <a:ea typeface="+mn-ea"/>
-                <a:cs typeface="+mn-cs"/>
-              </a:rPr>
-              <a:t>May change over time</a:t>
-            </a:r>
-            <a:endParaRPr lang="en-US" sz="1400" b="0" i="0" kern="1200" dirty="0">
-              <a:solidFill>
-                <a:schemeClr val="tx1"/>
-              </a:solidFill>
-              <a:effectLst/>
-              <a:latin typeface="+mn-lt"/>
-              <a:ea typeface="+mn-ea"/>
-              <a:cs typeface="+mn-cs"/>
-            </a:endParaRPr>
-          </a:p>
-          <a:p>
-            <a:pPr lvl="1" rtl="0" fontAlgn="ctr"/>
-            <a:r>
-              <a:rPr lang="en-US" sz="1200" b="0" i="0" kern="1200" dirty="0">
-                <a:solidFill>
-                  <a:schemeClr val="tx1"/>
-                </a:solidFill>
-                <a:effectLst/>
-                <a:latin typeface="+mn-lt"/>
-                <a:ea typeface="+mn-ea"/>
-                <a:cs typeface="+mn-cs"/>
-              </a:rPr>
-              <a:t>Mailbox</a:t>
-            </a:r>
-            <a:endParaRPr lang="en-US" sz="1400" b="0" i="0" kern="1200" dirty="0">
-              <a:solidFill>
-                <a:schemeClr val="tx1"/>
-              </a:solidFill>
-              <a:effectLst/>
-              <a:latin typeface="+mn-lt"/>
-              <a:ea typeface="+mn-ea"/>
-              <a:cs typeface="+mn-cs"/>
-            </a:endParaRPr>
-          </a:p>
-          <a:p>
-            <a:pPr lvl="2" rtl="0" fontAlgn="ctr"/>
-            <a:r>
-              <a:rPr lang="en-US" sz="1200" b="0" i="0" kern="1200" dirty="0">
-                <a:solidFill>
-                  <a:schemeClr val="tx1"/>
-                </a:solidFill>
-                <a:effectLst/>
-                <a:latin typeface="+mn-lt"/>
-                <a:ea typeface="+mn-ea"/>
-                <a:cs typeface="+mn-cs"/>
-              </a:rPr>
-              <a:t>Exactly one per actor</a:t>
-            </a:r>
-            <a:endParaRPr lang="en-US" sz="1400" b="0" i="0" kern="1200" dirty="0">
-              <a:solidFill>
-                <a:schemeClr val="tx1"/>
-              </a:solidFill>
-              <a:effectLst/>
-              <a:latin typeface="+mn-lt"/>
-              <a:ea typeface="+mn-ea"/>
-              <a:cs typeface="+mn-cs"/>
-            </a:endParaRPr>
-          </a:p>
-          <a:p>
-            <a:pPr lvl="2" rtl="0" fontAlgn="ctr"/>
-            <a:r>
-              <a:rPr lang="en-US" sz="1200" b="0" i="0" kern="1200" dirty="0">
-                <a:solidFill>
-                  <a:schemeClr val="tx1"/>
-                </a:solidFill>
-                <a:effectLst/>
-                <a:latin typeface="+mn-lt"/>
-                <a:ea typeface="+mn-ea"/>
-                <a:cs typeface="+mn-cs"/>
-              </a:rPr>
-              <a:t>From same source will be in order, different sources order is not guaranteed</a:t>
-            </a:r>
-            <a:endParaRPr lang="en-US" sz="1400" b="0" i="0" kern="1200" dirty="0">
-              <a:solidFill>
-                <a:schemeClr val="tx1"/>
-              </a:solidFill>
-              <a:effectLst/>
-              <a:latin typeface="+mn-lt"/>
-              <a:ea typeface="+mn-ea"/>
-              <a:cs typeface="+mn-cs"/>
-            </a:endParaRPr>
-          </a:p>
-          <a:p>
-            <a:pPr lvl="2" rtl="0" fontAlgn="ctr"/>
-            <a:r>
-              <a:rPr lang="en-US" sz="1200" b="0" i="0" kern="1200" dirty="0">
-                <a:solidFill>
-                  <a:schemeClr val="tx1"/>
-                </a:solidFill>
-                <a:effectLst/>
-                <a:latin typeface="+mn-lt"/>
-                <a:ea typeface="+mn-ea"/>
-                <a:cs typeface="+mn-cs"/>
-              </a:rPr>
-              <a:t>FIFO (default), priority</a:t>
-            </a:r>
-            <a:endParaRPr lang="en-US" sz="1400" b="0" i="0" kern="1200" dirty="0">
-              <a:solidFill>
-                <a:schemeClr val="tx1"/>
-              </a:solidFill>
-              <a:effectLst/>
-              <a:latin typeface="+mn-lt"/>
-              <a:ea typeface="+mn-ea"/>
-              <a:cs typeface="+mn-cs"/>
-            </a:endParaRPr>
-          </a:p>
-          <a:p>
-            <a:pPr lvl="1" rtl="0" fontAlgn="ctr"/>
-            <a:r>
-              <a:rPr lang="en-US" sz="1200" b="0" i="0" kern="1200" dirty="0">
-                <a:solidFill>
-                  <a:schemeClr val="tx1"/>
-                </a:solidFill>
-                <a:effectLst/>
-                <a:latin typeface="+mn-lt"/>
-                <a:ea typeface="+mn-ea"/>
-                <a:cs typeface="+mn-cs"/>
-              </a:rPr>
-              <a:t>Children</a:t>
-            </a:r>
-            <a:endParaRPr lang="en-US" sz="1400" b="0" i="0" kern="1200" dirty="0">
-              <a:solidFill>
-                <a:schemeClr val="tx1"/>
-              </a:solidFill>
-              <a:effectLst/>
-              <a:latin typeface="+mn-lt"/>
-              <a:ea typeface="+mn-ea"/>
-              <a:cs typeface="+mn-cs"/>
-            </a:endParaRPr>
-          </a:p>
-          <a:p>
-            <a:pPr lvl="2" rtl="0" fontAlgn="ctr"/>
-            <a:r>
-              <a:rPr lang="en-US" sz="1200" b="0" i="0" kern="1200" dirty="0">
-                <a:solidFill>
-                  <a:schemeClr val="tx1"/>
-                </a:solidFill>
-                <a:effectLst/>
-                <a:latin typeface="+mn-lt"/>
-                <a:ea typeface="+mn-ea"/>
-                <a:cs typeface="+mn-cs"/>
-              </a:rPr>
-              <a:t>Every actor </a:t>
-            </a:r>
-            <a:r>
-              <a:rPr lang="en-US" sz="1200" b="1" i="1" kern="1200" dirty="0">
-                <a:solidFill>
-                  <a:schemeClr val="tx1"/>
-                </a:solidFill>
-                <a:effectLst/>
-                <a:latin typeface="+mn-lt"/>
-                <a:ea typeface="+mn-ea"/>
-                <a:cs typeface="+mn-cs"/>
-              </a:rPr>
-              <a:t>can</a:t>
-            </a:r>
-            <a:r>
-              <a:rPr lang="en-US" sz="1200" b="0" i="0" kern="1200" dirty="0">
-                <a:solidFill>
-                  <a:schemeClr val="tx1"/>
-                </a:solidFill>
-                <a:effectLst/>
-                <a:latin typeface="+mn-lt"/>
-                <a:ea typeface="+mn-ea"/>
-                <a:cs typeface="+mn-cs"/>
-              </a:rPr>
-              <a:t> have children</a:t>
-            </a:r>
-            <a:endParaRPr lang="en-US" sz="1400" b="0" i="0" kern="1200" dirty="0">
-              <a:solidFill>
-                <a:schemeClr val="tx1"/>
-              </a:solidFill>
-              <a:effectLst/>
-              <a:latin typeface="+mn-lt"/>
-              <a:ea typeface="+mn-ea"/>
-              <a:cs typeface="+mn-cs"/>
-            </a:endParaRPr>
-          </a:p>
-          <a:p>
-            <a:pPr lvl="2" rtl="0" fontAlgn="ctr"/>
-            <a:r>
-              <a:rPr lang="en-US" sz="1200" b="0" i="0" kern="1200" dirty="0">
-                <a:solidFill>
-                  <a:schemeClr val="tx1"/>
-                </a:solidFill>
-                <a:effectLst/>
-                <a:latin typeface="+mn-lt"/>
-                <a:ea typeface="+mn-ea"/>
-                <a:cs typeface="+mn-cs"/>
-              </a:rPr>
-              <a:t>Creating/stopping children are asynchronous operations</a:t>
-            </a:r>
-            <a:endParaRPr lang="en-US" sz="1400" b="0" i="0" kern="1200" dirty="0">
-              <a:solidFill>
-                <a:schemeClr val="tx1"/>
-              </a:solidFill>
-              <a:effectLst/>
-              <a:latin typeface="+mn-lt"/>
-              <a:ea typeface="+mn-ea"/>
-              <a:cs typeface="+mn-cs"/>
-            </a:endParaRPr>
-          </a:p>
-          <a:p>
-            <a:pPr lvl="1" rtl="0" fontAlgn="ctr"/>
-            <a:r>
-              <a:rPr lang="en-US" sz="1200" b="0" i="0" kern="1200" dirty="0">
-                <a:solidFill>
-                  <a:schemeClr val="tx1"/>
-                </a:solidFill>
-                <a:effectLst/>
-                <a:latin typeface="+mn-lt"/>
-                <a:ea typeface="+mn-ea"/>
-                <a:cs typeface="+mn-cs"/>
-              </a:rPr>
-              <a:t>Supervisor Strategy</a:t>
-            </a:r>
-            <a:endParaRPr lang="en-US" sz="1400" b="0" i="0" kern="1200" dirty="0">
-              <a:solidFill>
-                <a:schemeClr val="tx1"/>
-              </a:solidFill>
-              <a:effectLst/>
-              <a:latin typeface="+mn-lt"/>
-              <a:ea typeface="+mn-ea"/>
-              <a:cs typeface="+mn-cs"/>
-            </a:endParaRPr>
-          </a:p>
-          <a:p>
-            <a:pPr lvl="2" rtl="0" fontAlgn="ctr"/>
-            <a:r>
-              <a:rPr lang="en-US" sz="1200" b="0" i="0" kern="1200" dirty="0">
-                <a:solidFill>
-                  <a:schemeClr val="tx1"/>
-                </a:solidFill>
-                <a:effectLst/>
-                <a:latin typeface="+mn-lt"/>
-                <a:ea typeface="+mn-ea"/>
-                <a:cs typeface="+mn-cs"/>
-              </a:rPr>
-              <a:t>Discuss in depth &amp; demo later in the presentation</a:t>
-            </a:r>
-            <a:endParaRPr lang="en-US" sz="1400" b="0" i="0" kern="1200" dirty="0">
-              <a:solidFill>
-                <a:schemeClr val="tx1"/>
-              </a:solidFill>
-              <a:effectLst/>
-              <a:latin typeface="+mn-lt"/>
-              <a:ea typeface="+mn-ea"/>
-              <a:cs typeface="+mn-cs"/>
-            </a:endParaRPr>
-          </a:p>
-          <a:p>
-            <a:endParaRPr lang="en-US" dirty="0"/>
-          </a:p>
-          <a:p>
-            <a:pPr marL="0" indent="0">
-              <a:buFont typeface="Wingdings" panose="05000000000000000000" pitchFamily="2" charset="2"/>
-              <a:buNone/>
-            </a:pPr>
-            <a:endParaRPr lang="en-US" baseline="0" dirty="0">
-              <a:sym typeface="Wingdings" panose="05000000000000000000" pitchFamily="2" charset="2"/>
             </a:endParaRPr>
           </a:p>
         </p:txBody>
@@ -1318,7 +965,7 @@
     </p:spTree>
     <p:extLst>
       <p:ext uri="{BB962C8B-B14F-4D97-AF65-F5344CB8AC3E}">
-        <p14:creationId xmlns:p14="http://schemas.microsoft.com/office/powerpoint/2010/main" val="4083444622"/>
+        <p14:creationId xmlns:p14="http://schemas.microsoft.com/office/powerpoint/2010/main" val="2853018034"/>
       </p:ext>
     </p:extLst>
   </p:cSld>
@@ -1372,25 +1019,146 @@
           <a:bodyPr/>
           <a:lstStyle/>
           <a:p>
-            <a:pPr marL="171450" marR="0" indent="-171450" algn="l" defTabSz="914400" rtl="0" eaLnBrk="1" fontAlgn="auto" latinLnBrk="0" hangingPunct="1">
-              <a:lnSpc>
-                <a:spcPct val="100000"/>
-              </a:lnSpc>
-              <a:spcBef>
-                <a:spcPts val="0"/>
-              </a:spcBef>
-              <a:spcAft>
-                <a:spcPts val="0"/>
-              </a:spcAft>
-              <a:buClrTx/>
-              <a:buSzTx/>
-              <a:buFont typeface="Arial" panose="020B0604020202020204" pitchFamily="34" charset="0"/>
-              <a:buChar char="•"/>
-              <a:tabLst/>
-              <a:defRPr/>
-            </a:pPr>
-            <a:r>
-              <a:rPr lang="en-US" sz="1200" b="0" i="0" kern="1200" dirty="0" err="1">
+            <a:pPr rtl="0"/>
+            <a:r>
+              <a:rPr lang="en-US" sz="1200" b="0" i="0" kern="1200" dirty="0">
+                <a:solidFill>
+                  <a:schemeClr val="tx1"/>
+                </a:solidFill>
+                <a:effectLst/>
+                <a:latin typeface="+mn-lt"/>
+                <a:ea typeface="+mn-ea"/>
+                <a:cs typeface="+mn-cs"/>
+              </a:rPr>
+              <a:t>An actor is a container for </a:t>
+            </a:r>
+            <a:r>
+              <a:rPr lang="en-US" sz="1100" b="0" i="0" kern="1200" dirty="0">
+                <a:solidFill>
+                  <a:schemeClr val="tx1"/>
+                </a:solidFill>
+                <a:effectLst/>
+                <a:latin typeface="+mn-lt"/>
+                <a:ea typeface="+mn-ea"/>
+                <a:cs typeface="+mn-cs"/>
+                <a:hlinkClick r:id="rId3"/>
+              </a:rPr>
+              <a:t>State</a:t>
+            </a:r>
+            <a:r>
+              <a:rPr lang="en-US" sz="1200" b="0" i="0" kern="1200" dirty="0">
+                <a:solidFill>
+                  <a:schemeClr val="tx1"/>
+                </a:solidFill>
+                <a:effectLst/>
+                <a:latin typeface="+mn-lt"/>
+                <a:ea typeface="+mn-ea"/>
+                <a:cs typeface="+mn-cs"/>
+              </a:rPr>
+              <a:t>, </a:t>
+            </a:r>
+            <a:r>
+              <a:rPr lang="en-US" sz="1100" b="0" i="0" kern="1200" dirty="0">
+                <a:solidFill>
+                  <a:schemeClr val="tx1"/>
+                </a:solidFill>
+                <a:effectLst/>
+                <a:latin typeface="+mn-lt"/>
+                <a:ea typeface="+mn-ea"/>
+                <a:cs typeface="+mn-cs"/>
+                <a:hlinkClick r:id="rId4"/>
+              </a:rPr>
+              <a:t>Behavior</a:t>
+            </a:r>
+            <a:r>
+              <a:rPr lang="en-US" sz="1200" b="0" i="0" kern="1200" dirty="0">
+                <a:solidFill>
+                  <a:schemeClr val="tx1"/>
+                </a:solidFill>
+                <a:effectLst/>
+                <a:latin typeface="+mn-lt"/>
+                <a:ea typeface="+mn-ea"/>
+                <a:cs typeface="+mn-cs"/>
+              </a:rPr>
+              <a:t>, a </a:t>
+            </a:r>
+            <a:r>
+              <a:rPr lang="en-US" sz="1100" b="0" i="0" kern="1200" dirty="0">
+                <a:solidFill>
+                  <a:schemeClr val="tx1"/>
+                </a:solidFill>
+                <a:effectLst/>
+                <a:latin typeface="+mn-lt"/>
+                <a:ea typeface="+mn-ea"/>
+                <a:cs typeface="+mn-cs"/>
+                <a:hlinkClick r:id="rId5"/>
+              </a:rPr>
+              <a:t>Mailbox</a:t>
+            </a:r>
+            <a:r>
+              <a:rPr lang="en-US" sz="1200" b="0" i="0" kern="1200" dirty="0">
+                <a:solidFill>
+                  <a:schemeClr val="tx1"/>
+                </a:solidFill>
+                <a:effectLst/>
+                <a:latin typeface="+mn-lt"/>
+                <a:ea typeface="+mn-ea"/>
+                <a:cs typeface="+mn-cs"/>
+              </a:rPr>
+              <a:t>, </a:t>
+            </a:r>
+            <a:r>
+              <a:rPr lang="en-US" sz="1100" b="0" i="0" kern="1200" dirty="0">
+                <a:solidFill>
+                  <a:schemeClr val="tx1"/>
+                </a:solidFill>
+                <a:effectLst/>
+                <a:latin typeface="+mn-lt"/>
+                <a:ea typeface="+mn-ea"/>
+                <a:cs typeface="+mn-cs"/>
+                <a:hlinkClick r:id="rId6"/>
+              </a:rPr>
+              <a:t>Children</a:t>
+            </a:r>
+            <a:r>
+              <a:rPr lang="en-US" sz="1200" b="0" i="0" kern="1200" dirty="0">
+                <a:solidFill>
+                  <a:schemeClr val="tx1"/>
+                </a:solidFill>
+                <a:effectLst/>
+                <a:latin typeface="+mn-lt"/>
+                <a:ea typeface="+mn-ea"/>
+                <a:cs typeface="+mn-cs"/>
+              </a:rPr>
+              <a:t> and a </a:t>
+            </a:r>
+            <a:r>
+              <a:rPr lang="en-US" sz="1100" b="0" i="0" kern="1200" dirty="0">
+                <a:solidFill>
+                  <a:schemeClr val="tx1"/>
+                </a:solidFill>
+                <a:effectLst/>
+                <a:latin typeface="+mn-lt"/>
+                <a:ea typeface="+mn-ea"/>
+                <a:cs typeface="+mn-cs"/>
+                <a:hlinkClick r:id="rId7"/>
+              </a:rPr>
+              <a:t>Supervisor Strategy</a:t>
+            </a:r>
+            <a:r>
+              <a:rPr lang="en-US" sz="1200" b="0" i="0" kern="1200" dirty="0">
+                <a:solidFill>
+                  <a:schemeClr val="tx1"/>
+                </a:solidFill>
+                <a:effectLst/>
+                <a:latin typeface="+mn-lt"/>
+                <a:ea typeface="+mn-ea"/>
+                <a:cs typeface="+mn-cs"/>
+              </a:rPr>
+              <a:t>. All of this is encapsulated behind an Actor Reference(</a:t>
+            </a:r>
+            <a:r>
+              <a:rPr lang="en-US" sz="1050" b="0" i="0" kern="1200" dirty="0" err="1">
                 <a:solidFill>
                   <a:schemeClr val="tx1"/>
                 </a:solidFill>
@@ -1411,8 +1179,483 @@
                 <a:ea typeface="+mn-ea"/>
                 <a:cs typeface="+mn-cs"/>
               </a:rPr>
-              <a:t> encapsulates behavior</a:t>
-            </a:r>
+              <a:t>).</a:t>
+            </a:r>
+            <a:endParaRPr lang="en-US" sz="1400" b="0" i="0" kern="1200" dirty="0">
+              <a:solidFill>
+                <a:schemeClr val="tx1"/>
+              </a:solidFill>
+              <a:effectLst/>
+              <a:latin typeface="+mn-lt"/>
+              <a:ea typeface="+mn-ea"/>
+              <a:cs typeface="+mn-cs"/>
+            </a:endParaRPr>
+          </a:p>
+          <a:p>
+            <a:pPr rtl="0"/>
+            <a:r>
+              <a:rPr lang="en-US" sz="1200" b="0" i="0" kern="1200" dirty="0">
+                <a:solidFill>
+                  <a:schemeClr val="tx1"/>
+                </a:solidFill>
+                <a:effectLst/>
+                <a:latin typeface="+mn-lt"/>
+                <a:ea typeface="+mn-ea"/>
+                <a:cs typeface="+mn-cs"/>
+              </a:rPr>
+              <a:t> </a:t>
+            </a:r>
+          </a:p>
+          <a:p>
+            <a:pPr rtl="0"/>
+            <a:r>
+              <a:rPr lang="en-US" sz="1200" b="0" i="0" kern="1200" dirty="0">
+                <a:solidFill>
+                  <a:schemeClr val="tx1"/>
+                </a:solidFill>
+                <a:effectLst/>
+                <a:latin typeface="+mn-lt"/>
+                <a:ea typeface="+mn-ea"/>
+                <a:cs typeface="+mn-cs"/>
+              </a:rPr>
+              <a:t>From &lt;</a:t>
+            </a:r>
+            <a:r>
+              <a:rPr lang="en-US" sz="1200" b="0" i="0" kern="1200" dirty="0">
+                <a:solidFill>
+                  <a:schemeClr val="tx1"/>
+                </a:solidFill>
+                <a:effectLst/>
+                <a:latin typeface="+mn-lt"/>
+                <a:ea typeface="+mn-ea"/>
+                <a:cs typeface="+mn-cs"/>
+                <a:hlinkClick r:id="rId8"/>
+              </a:rPr>
+              <a:t>http://getakka.net/docs/concepts/actors</a:t>
+            </a:r>
+            <a:r>
+              <a:rPr lang="en-US" sz="1200" b="0" i="0" kern="1200" dirty="0">
+                <a:solidFill>
+                  <a:schemeClr val="tx1"/>
+                </a:solidFill>
+                <a:effectLst/>
+                <a:latin typeface="+mn-lt"/>
+                <a:ea typeface="+mn-ea"/>
+                <a:cs typeface="+mn-cs"/>
+              </a:rPr>
+              <a:t>&gt;</a:t>
+            </a:r>
+          </a:p>
+          <a:p>
+            <a:pPr rtl="0"/>
+            <a:r>
+              <a:rPr lang="en-US" sz="1200" b="0" i="0" kern="1200" dirty="0">
+                <a:solidFill>
+                  <a:schemeClr val="tx1"/>
+                </a:solidFill>
+                <a:effectLst/>
+                <a:latin typeface="+mn-lt"/>
+                <a:ea typeface="+mn-ea"/>
+                <a:cs typeface="+mn-cs"/>
+              </a:rPr>
+              <a:t> </a:t>
+            </a:r>
+          </a:p>
+          <a:p>
+            <a:pPr lvl="1" rtl="0" fontAlgn="ctr"/>
+            <a:r>
+              <a:rPr lang="en-US" sz="1200" b="0" i="0" kern="1200" dirty="0">
+                <a:solidFill>
+                  <a:schemeClr val="tx1"/>
+                </a:solidFill>
+                <a:effectLst/>
+                <a:latin typeface="+mn-lt"/>
+                <a:ea typeface="+mn-ea"/>
+                <a:cs typeface="+mn-cs"/>
+              </a:rPr>
+              <a:t>State</a:t>
+            </a:r>
+            <a:endParaRPr lang="en-US" sz="1400" b="0" i="0" kern="1200" dirty="0">
+              <a:solidFill>
+                <a:schemeClr val="tx1"/>
+              </a:solidFill>
+              <a:effectLst/>
+              <a:latin typeface="+mn-lt"/>
+              <a:ea typeface="+mn-ea"/>
+              <a:cs typeface="+mn-cs"/>
+            </a:endParaRPr>
+          </a:p>
+          <a:p>
+            <a:pPr lvl="2" rtl="0" fontAlgn="ctr"/>
+            <a:r>
+              <a:rPr lang="en-US" sz="1200" b="0" i="0" kern="1200" dirty="0">
+                <a:solidFill>
+                  <a:schemeClr val="tx1"/>
+                </a:solidFill>
+                <a:effectLst/>
+                <a:latin typeface="+mn-lt"/>
+                <a:ea typeface="+mn-ea"/>
+                <a:cs typeface="+mn-cs"/>
+              </a:rPr>
+              <a:t>Conceptually single threaded (no concurrency worries)</a:t>
+            </a:r>
+            <a:endParaRPr lang="en-US" sz="1400" b="0" i="0" kern="1200" dirty="0">
+              <a:solidFill>
+                <a:schemeClr val="tx1"/>
+              </a:solidFill>
+              <a:effectLst/>
+              <a:latin typeface="+mn-lt"/>
+              <a:ea typeface="+mn-ea"/>
+              <a:cs typeface="+mn-cs"/>
+            </a:endParaRPr>
+          </a:p>
+          <a:p>
+            <a:pPr lvl="2" rtl="0" fontAlgn="ctr"/>
+            <a:r>
+              <a:rPr lang="en-US" sz="1200" b="0" i="0" kern="1200" dirty="0">
+                <a:solidFill>
+                  <a:schemeClr val="tx1"/>
+                </a:solidFill>
+                <a:effectLst/>
+                <a:latin typeface="+mn-lt"/>
+                <a:ea typeface="+mn-ea"/>
+                <a:cs typeface="+mn-cs"/>
+              </a:rPr>
+              <a:t>Starting/restarting actors results in known good state</a:t>
+            </a:r>
+            <a:endParaRPr lang="en-US" sz="1400" b="0" i="0" kern="1200" dirty="0">
+              <a:solidFill>
+                <a:schemeClr val="tx1"/>
+              </a:solidFill>
+              <a:effectLst/>
+              <a:latin typeface="+mn-lt"/>
+              <a:ea typeface="+mn-ea"/>
+              <a:cs typeface="+mn-cs"/>
+            </a:endParaRPr>
+          </a:p>
+          <a:p>
+            <a:pPr lvl="1" rtl="0" fontAlgn="ctr"/>
+            <a:r>
+              <a:rPr lang="en-US" sz="1200" b="0" i="0" kern="1200" dirty="0">
+                <a:solidFill>
+                  <a:schemeClr val="tx1"/>
+                </a:solidFill>
+                <a:effectLst/>
+                <a:latin typeface="+mn-lt"/>
+                <a:ea typeface="+mn-ea"/>
+                <a:cs typeface="+mn-cs"/>
+              </a:rPr>
+              <a:t>Behavior</a:t>
+            </a:r>
+            <a:endParaRPr lang="en-US" sz="1400" b="0" i="0" kern="1200" dirty="0">
+              <a:solidFill>
+                <a:schemeClr val="tx1"/>
+              </a:solidFill>
+              <a:effectLst/>
+              <a:latin typeface="+mn-lt"/>
+              <a:ea typeface="+mn-ea"/>
+              <a:cs typeface="+mn-cs"/>
+            </a:endParaRPr>
+          </a:p>
+          <a:p>
+            <a:pPr lvl="2" rtl="0" fontAlgn="ctr"/>
+            <a:r>
+              <a:rPr lang="en-US" sz="1200" b="0" i="0" kern="1200" dirty="0">
+                <a:solidFill>
+                  <a:schemeClr val="tx1"/>
+                </a:solidFill>
+                <a:effectLst/>
+                <a:latin typeface="+mn-lt"/>
+                <a:ea typeface="+mn-ea"/>
+                <a:cs typeface="+mn-cs"/>
+              </a:rPr>
+              <a:t>Defines actions taken when message is received</a:t>
+            </a:r>
+            <a:endParaRPr lang="en-US" sz="1400" b="0" i="0" kern="1200" dirty="0">
+              <a:solidFill>
+                <a:schemeClr val="tx1"/>
+              </a:solidFill>
+              <a:effectLst/>
+              <a:latin typeface="+mn-lt"/>
+              <a:ea typeface="+mn-ea"/>
+              <a:cs typeface="+mn-cs"/>
+            </a:endParaRPr>
+          </a:p>
+          <a:p>
+            <a:pPr lvl="2" rtl="0" fontAlgn="ctr"/>
+            <a:r>
+              <a:rPr lang="en-US" sz="1200" b="0" i="0" kern="1200" dirty="0">
+                <a:solidFill>
+                  <a:schemeClr val="tx1"/>
+                </a:solidFill>
+                <a:effectLst/>
+                <a:latin typeface="+mn-lt"/>
+                <a:ea typeface="+mn-ea"/>
+                <a:cs typeface="+mn-cs"/>
+              </a:rPr>
+              <a:t>May change over time</a:t>
+            </a:r>
+            <a:endParaRPr lang="en-US" sz="1400" b="0" i="0" kern="1200" dirty="0">
+              <a:solidFill>
+                <a:schemeClr val="tx1"/>
+              </a:solidFill>
+              <a:effectLst/>
+              <a:latin typeface="+mn-lt"/>
+              <a:ea typeface="+mn-ea"/>
+              <a:cs typeface="+mn-cs"/>
+            </a:endParaRPr>
+          </a:p>
+          <a:p>
+            <a:pPr lvl="1" rtl="0" fontAlgn="ctr"/>
+            <a:r>
+              <a:rPr lang="en-US" sz="1200" b="0" i="0" kern="1200" dirty="0">
+                <a:solidFill>
+                  <a:schemeClr val="tx1"/>
+                </a:solidFill>
+                <a:effectLst/>
+                <a:latin typeface="+mn-lt"/>
+                <a:ea typeface="+mn-ea"/>
+                <a:cs typeface="+mn-cs"/>
+              </a:rPr>
+              <a:t>Mailbox</a:t>
+            </a:r>
+            <a:endParaRPr lang="en-US" sz="1400" b="0" i="0" kern="1200" dirty="0">
+              <a:solidFill>
+                <a:schemeClr val="tx1"/>
+              </a:solidFill>
+              <a:effectLst/>
+              <a:latin typeface="+mn-lt"/>
+              <a:ea typeface="+mn-ea"/>
+              <a:cs typeface="+mn-cs"/>
+            </a:endParaRPr>
+          </a:p>
+          <a:p>
+            <a:pPr lvl="2" rtl="0" fontAlgn="ctr"/>
+            <a:r>
+              <a:rPr lang="en-US" sz="1200" b="0" i="0" kern="1200" dirty="0">
+                <a:solidFill>
+                  <a:schemeClr val="tx1"/>
+                </a:solidFill>
+                <a:effectLst/>
+                <a:latin typeface="+mn-lt"/>
+                <a:ea typeface="+mn-ea"/>
+                <a:cs typeface="+mn-cs"/>
+              </a:rPr>
+              <a:t>Exactly one per actor</a:t>
+            </a:r>
+            <a:endParaRPr lang="en-US" sz="1400" b="0" i="0" kern="1200" dirty="0">
+              <a:solidFill>
+                <a:schemeClr val="tx1"/>
+              </a:solidFill>
+              <a:effectLst/>
+              <a:latin typeface="+mn-lt"/>
+              <a:ea typeface="+mn-ea"/>
+              <a:cs typeface="+mn-cs"/>
+            </a:endParaRPr>
+          </a:p>
+          <a:p>
+            <a:pPr lvl="2" rtl="0" fontAlgn="ctr"/>
+            <a:r>
+              <a:rPr lang="en-US" sz="1200" b="0" i="0" kern="1200" dirty="0">
+                <a:solidFill>
+                  <a:schemeClr val="tx1"/>
+                </a:solidFill>
+                <a:effectLst/>
+                <a:latin typeface="+mn-lt"/>
+                <a:ea typeface="+mn-ea"/>
+                <a:cs typeface="+mn-cs"/>
+              </a:rPr>
+              <a:t>From same source will be in order, different sources order is not guaranteed</a:t>
+            </a:r>
+            <a:endParaRPr lang="en-US" sz="1400" b="0" i="0" kern="1200" dirty="0">
+              <a:solidFill>
+                <a:schemeClr val="tx1"/>
+              </a:solidFill>
+              <a:effectLst/>
+              <a:latin typeface="+mn-lt"/>
+              <a:ea typeface="+mn-ea"/>
+              <a:cs typeface="+mn-cs"/>
+            </a:endParaRPr>
+          </a:p>
+          <a:p>
+            <a:pPr lvl="2" rtl="0" fontAlgn="ctr"/>
+            <a:r>
+              <a:rPr lang="en-US" sz="1200" b="0" i="0" kern="1200" dirty="0">
+                <a:solidFill>
+                  <a:schemeClr val="tx1"/>
+                </a:solidFill>
+                <a:effectLst/>
+                <a:latin typeface="+mn-lt"/>
+                <a:ea typeface="+mn-ea"/>
+                <a:cs typeface="+mn-cs"/>
+              </a:rPr>
+              <a:t>FIFO (default), priority</a:t>
+            </a:r>
+            <a:endParaRPr lang="en-US" sz="1400" b="0" i="0" kern="1200" dirty="0">
+              <a:solidFill>
+                <a:schemeClr val="tx1"/>
+              </a:solidFill>
+              <a:effectLst/>
+              <a:latin typeface="+mn-lt"/>
+              <a:ea typeface="+mn-ea"/>
+              <a:cs typeface="+mn-cs"/>
+            </a:endParaRPr>
+          </a:p>
+          <a:p>
+            <a:pPr lvl="1" rtl="0" fontAlgn="ctr"/>
+            <a:r>
+              <a:rPr lang="en-US" sz="1200" b="0" i="0" kern="1200" dirty="0">
+                <a:solidFill>
+                  <a:schemeClr val="tx1"/>
+                </a:solidFill>
+                <a:effectLst/>
+                <a:latin typeface="+mn-lt"/>
+                <a:ea typeface="+mn-ea"/>
+                <a:cs typeface="+mn-cs"/>
+              </a:rPr>
+              <a:t>Children</a:t>
+            </a:r>
+            <a:endParaRPr lang="en-US" sz="1400" b="0" i="0" kern="1200" dirty="0">
+              <a:solidFill>
+                <a:schemeClr val="tx1"/>
+              </a:solidFill>
+              <a:effectLst/>
+              <a:latin typeface="+mn-lt"/>
+              <a:ea typeface="+mn-ea"/>
+              <a:cs typeface="+mn-cs"/>
+            </a:endParaRPr>
+          </a:p>
+          <a:p>
+            <a:pPr lvl="2" rtl="0" fontAlgn="ctr"/>
+            <a:r>
+              <a:rPr lang="en-US" sz="1200" b="0" i="0" kern="1200" dirty="0">
+                <a:solidFill>
+                  <a:schemeClr val="tx1"/>
+                </a:solidFill>
+                <a:effectLst/>
+                <a:latin typeface="+mn-lt"/>
+                <a:ea typeface="+mn-ea"/>
+                <a:cs typeface="+mn-cs"/>
+              </a:rPr>
+              <a:t>Every actor </a:t>
+            </a:r>
+            <a:r>
+              <a:rPr lang="en-US" sz="1200" b="1" i="1" kern="1200" dirty="0">
+                <a:solidFill>
+                  <a:schemeClr val="tx1"/>
+                </a:solidFill>
+                <a:effectLst/>
+                <a:latin typeface="+mn-lt"/>
+                <a:ea typeface="+mn-ea"/>
+                <a:cs typeface="+mn-cs"/>
+              </a:rPr>
+              <a:t>can</a:t>
+            </a:r>
+            <a:r>
+              <a:rPr lang="en-US" sz="1200" b="0" i="0" kern="1200" dirty="0">
+                <a:solidFill>
+                  <a:schemeClr val="tx1"/>
+                </a:solidFill>
+                <a:effectLst/>
+                <a:latin typeface="+mn-lt"/>
+                <a:ea typeface="+mn-ea"/>
+                <a:cs typeface="+mn-cs"/>
+              </a:rPr>
+              <a:t> have children</a:t>
+            </a:r>
+            <a:endParaRPr lang="en-US" sz="1400" b="0" i="0" kern="1200" dirty="0">
+              <a:solidFill>
+                <a:schemeClr val="tx1"/>
+              </a:solidFill>
+              <a:effectLst/>
+              <a:latin typeface="+mn-lt"/>
+              <a:ea typeface="+mn-ea"/>
+              <a:cs typeface="+mn-cs"/>
+            </a:endParaRPr>
+          </a:p>
+          <a:p>
+            <a:pPr lvl="2" rtl="0" fontAlgn="ctr"/>
+            <a:r>
+              <a:rPr lang="en-US" sz="1200" b="0" i="0" kern="1200" dirty="0">
+                <a:solidFill>
+                  <a:schemeClr val="tx1"/>
+                </a:solidFill>
+                <a:effectLst/>
+                <a:latin typeface="+mn-lt"/>
+                <a:ea typeface="+mn-ea"/>
+                <a:cs typeface="+mn-cs"/>
+              </a:rPr>
+              <a:t>Creating/stopping children are asynchronous operations</a:t>
+            </a:r>
+            <a:endParaRPr lang="en-US" sz="1400" b="0" i="0" kern="1200" dirty="0">
+              <a:solidFill>
+                <a:schemeClr val="tx1"/>
+              </a:solidFill>
+              <a:effectLst/>
+              <a:latin typeface="+mn-lt"/>
+              <a:ea typeface="+mn-ea"/>
+              <a:cs typeface="+mn-cs"/>
+            </a:endParaRPr>
+          </a:p>
+          <a:p>
+            <a:pPr lvl="1" rtl="0" fontAlgn="ctr"/>
+            <a:r>
+              <a:rPr lang="en-US" sz="1200" b="0" i="0" kern="1200" dirty="0">
+                <a:solidFill>
+                  <a:schemeClr val="tx1"/>
+                </a:solidFill>
+                <a:effectLst/>
+                <a:latin typeface="+mn-lt"/>
+                <a:ea typeface="+mn-ea"/>
+                <a:cs typeface="+mn-cs"/>
+              </a:rPr>
+              <a:t>Supervisor Strategy</a:t>
+            </a:r>
+            <a:endParaRPr lang="en-US" sz="1400" b="0" i="0" kern="1200" dirty="0">
+              <a:solidFill>
+                <a:schemeClr val="tx1"/>
+              </a:solidFill>
+              <a:effectLst/>
+              <a:latin typeface="+mn-lt"/>
+              <a:ea typeface="+mn-ea"/>
+              <a:cs typeface="+mn-cs"/>
+            </a:endParaRPr>
+          </a:p>
+          <a:p>
+            <a:pPr lvl="2" rtl="0" fontAlgn="ctr"/>
+            <a:r>
+              <a:rPr lang="en-US" sz="1200" b="0" i="0" kern="1200" dirty="0">
+                <a:solidFill>
+                  <a:schemeClr val="tx1"/>
+                </a:solidFill>
+                <a:effectLst/>
+                <a:latin typeface="+mn-lt"/>
+                <a:ea typeface="+mn-ea"/>
+                <a:cs typeface="+mn-cs"/>
+              </a:rPr>
+              <a:t>Discuss in depth &amp; demo later in the presentation</a:t>
+            </a:r>
+            <a:endParaRPr lang="en-US" sz="1400" b="0" i="0" kern="1200" dirty="0">
+              <a:solidFill>
+                <a:schemeClr val="tx1"/>
+              </a:solidFill>
+              <a:effectLst/>
+              <a:latin typeface="+mn-lt"/>
+              <a:ea typeface="+mn-ea"/>
+              <a:cs typeface="+mn-cs"/>
+            </a:endParaRPr>
+          </a:p>
+          <a:p>
+            <a:endParaRPr lang="en-US" dirty="0"/>
+          </a:p>
+          <a:p>
+            <a:pPr marL="0" indent="0">
+              <a:buFont typeface="Wingdings" panose="05000000000000000000" pitchFamily="2" charset="2"/>
+              <a:buNone/>
+            </a:pPr>
+            <a:endParaRPr lang="en-US" baseline="0" dirty="0">
+              <a:sym typeface="Wingdings" panose="05000000000000000000" pitchFamily="2" charset="2"/>
+            </a:endParaRPr>
           </a:p>
         </p:txBody>
       </p:sp>
@@ -1442,7 +1685,7 @@
     </p:spTree>
     <p:extLst>
       <p:ext uri="{BB962C8B-B14F-4D97-AF65-F5344CB8AC3E}">
-        <p14:creationId xmlns:p14="http://schemas.microsoft.com/office/powerpoint/2010/main" val="299078623"/>
+        <p14:creationId xmlns:p14="http://schemas.microsoft.com/office/powerpoint/2010/main" val="4083444622"/>
       </p:ext>
     </p:extLst>
   </p:cSld>
@@ -1496,7 +1739,47 @@
           <a:bodyPr/>
           <a:lstStyle/>
           <a:p>
-            <a:endParaRPr lang="en-US" dirty="0"/>
+            <a:pPr marL="171450" marR="0" indent="-171450" algn="l" defTabSz="914400" rtl="0" eaLnBrk="1" fontAlgn="auto" latinLnBrk="0" hangingPunct="1">
+              <a:lnSpc>
+                <a:spcPct val="100000"/>
+              </a:lnSpc>
+              <a:spcBef>
+                <a:spcPts val="0"/>
+              </a:spcBef>
+              <a:spcAft>
+                <a:spcPts val="0"/>
+              </a:spcAft>
+              <a:buClrTx/>
+              <a:buSzTx/>
+              <a:buFont typeface="Arial" panose="020B0604020202020204" pitchFamily="34" charset="0"/>
+              <a:buChar char="•"/>
+              <a:tabLst/>
+              <a:defRPr/>
+            </a:pPr>
+            <a:r>
+              <a:rPr lang="en-US" sz="1200" b="0" i="0" kern="1200" dirty="0" err="1">
+                <a:solidFill>
+                  <a:schemeClr val="tx1"/>
+                </a:solidFill>
+                <a:effectLst/>
+                <a:latin typeface="+mn-lt"/>
+                <a:ea typeface="+mn-ea"/>
+                <a:cs typeface="+mn-cs"/>
+              </a:rPr>
+              <a:t>ActorRef</a:t>
+            </a:r>
+            <a:r>
+              <a:rPr lang="en-US" sz="1200" b="0" i="0" kern="1200" dirty="0">
+                <a:solidFill>
+                  <a:schemeClr val="tx1"/>
+                </a:solidFill>
+                <a:effectLst/>
+                <a:latin typeface="+mn-lt"/>
+                <a:ea typeface="+mn-ea"/>
+                <a:cs typeface="+mn-cs"/>
+              </a:rPr>
+              <a:t> encapsulates behavior</a:t>
+            </a:r>
           </a:p>
         </p:txBody>
       </p:sp>
@@ -1526,7 +1809,7 @@
     </p:spTree>
     <p:extLst>
       <p:ext uri="{BB962C8B-B14F-4D97-AF65-F5344CB8AC3E}">
-        <p14:creationId xmlns:p14="http://schemas.microsoft.com/office/powerpoint/2010/main" val="1867263446"/>
+        <p14:creationId xmlns:p14="http://schemas.microsoft.com/office/powerpoint/2010/main" val="299078623"/>
       </p:ext>
     </p:extLst>
   </p:cSld>
@@ -1610,7 +1893,7 @@
     </p:spTree>
     <p:extLst>
       <p:ext uri="{BB962C8B-B14F-4D97-AF65-F5344CB8AC3E}">
-        <p14:creationId xmlns:p14="http://schemas.microsoft.com/office/powerpoint/2010/main" val="3373930984"/>
+        <p14:creationId xmlns:p14="http://schemas.microsoft.com/office/powerpoint/2010/main" val="1867263446"/>
       </p:ext>
     </p:extLst>
   </p:cSld>
@@ -1664,21 +1947,7 @@
           <a:bodyPr/>
           <a:lstStyle/>
           <a:p>
-            <a:pPr marL="0" indent="0">
-              <a:buFont typeface="Arial" panose="020B0604020202020204" pitchFamily="34" charset="0"/>
-              <a:buNone/>
-            </a:pPr>
             <a:endParaRPr lang="en-US" dirty="0"/>
-          </a:p>
-          <a:p>
-            <a:pPr marL="171450" indent="-171450">
-              <a:buFont typeface="Arial" panose="020B0604020202020204" pitchFamily="34" charset="0"/>
-              <a:buChar char="•"/>
-            </a:pPr>
-            <a:r>
-              <a:rPr lang="en-US" dirty="0"/>
-              <a:t>Recipes</a:t>
-            </a:r>
           </a:p>
         </p:txBody>
       </p:sp>
@@ -1708,7 +1977,7 @@
     </p:spTree>
     <p:extLst>
       <p:ext uri="{BB962C8B-B14F-4D97-AF65-F5344CB8AC3E}">
-        <p14:creationId xmlns:p14="http://schemas.microsoft.com/office/powerpoint/2010/main" val="3245707485"/>
+        <p14:creationId xmlns:p14="http://schemas.microsoft.com/office/powerpoint/2010/main" val="3373930984"/>
       </p:ext>
     </p:extLst>
   </p:cSld>
@@ -1762,15 +2031,6 @@
           <a:bodyPr/>
           <a:lstStyle/>
           <a:p>
-            <a:r>
-              <a:rPr lang="en-US" dirty="0"/>
-              <a:t>[Sean]</a:t>
-            </a:r>
-          </a:p>
-          <a:p>
-            <a:endParaRPr lang="en-US" dirty="0"/>
-          </a:p>
-          <a:p>
             <a:pPr marL="0" indent="0">
               <a:buFont typeface="Arial" panose="020B0604020202020204" pitchFamily="34" charset="0"/>
               <a:buNone/>
@@ -1782,20 +2042,10 @@
               <a:buFont typeface="Arial" panose="020B0604020202020204" pitchFamily="34" charset="0"/>
               <a:buChar char="•"/>
             </a:pPr>
-            <a:endParaRPr lang="en-US" dirty="0"/>
-          </a:p>
-          <a:p>
-            <a:pPr marL="0" indent="0">
-              <a:buFont typeface="Arial" panose="020B0604020202020204" pitchFamily="34" charset="0"/>
-              <a:buNone/>
-            </a:pPr>
-            <a:r>
-              <a:rPr lang="en-US" dirty="0">
-                <a:sym typeface="Wingdings" panose="05000000000000000000" pitchFamily="2" charset="2"/>
-              </a:rPr>
-              <a:t> Sean (address)</a:t>
-            </a:r>
-            <a:endParaRPr lang="en-US" dirty="0"/>
+            <a:r>
+              <a:rPr lang="en-US" dirty="0"/>
+              <a:t>Recipes</a:t>
+            </a:r>
           </a:p>
         </p:txBody>
       </p:sp>
@@ -1825,7 +2075,7 @@
     </p:spTree>
     <p:extLst>
       <p:ext uri="{BB962C8B-B14F-4D97-AF65-F5344CB8AC3E}">
-        <p14:creationId xmlns:p14="http://schemas.microsoft.com/office/powerpoint/2010/main" val="2570320108"/>
+        <p14:creationId xmlns:p14="http://schemas.microsoft.com/office/powerpoint/2010/main" val="3245707485"/>
       </p:ext>
     </p:extLst>
   </p:cSld>
@@ -1888,31 +2138,11 @@
             <a:endParaRPr lang="en-US" dirty="0"/>
           </a:p>
           <a:p>
-            <a:r>
-              <a:rPr lang="en-US" dirty="0"/>
-              <a:t>TODO:</a:t>
-            </a:r>
-          </a:p>
-          <a:p>
+            <a:pPr marL="0" indent="0">
+              <a:buFont typeface="Arial" panose="020B0604020202020204" pitchFamily="34" charset="0"/>
+              <a:buNone/>
+            </a:pPr>
             <a:endParaRPr lang="en-US" dirty="0"/>
-          </a:p>
-          <a:p>
-            <a:pPr marL="171450" indent="-171450">
-              <a:buFont typeface="Arial" panose="020B0604020202020204" pitchFamily="34" charset="0"/>
-              <a:buChar char="•"/>
-            </a:pPr>
-            <a:r>
-              <a:rPr lang="en-US" dirty="0"/>
-              <a:t>Recreate diagram from </a:t>
-            </a:r>
-            <a:r>
-              <a:rPr lang="en-US" dirty="0" err="1"/>
-              <a:t>Akka</a:t>
-            </a:r>
-            <a:r>
-              <a:rPr lang="en-US" baseline="0" dirty="0"/>
-              <a:t> site (with annotation)</a:t>
-            </a:r>
           </a:p>
           <a:p>
             <a:pPr marL="171450" indent="-171450">
@@ -1930,7 +2160,7 @@
               <a:rPr lang="en-US" dirty="0">
                 <a:sym typeface="Wingdings" panose="05000000000000000000" pitchFamily="2" charset="2"/>
               </a:rPr>
-              <a:t> Sean (lifecycle)</a:t>
+              <a:t> Sean (address)</a:t>
             </a:r>
             <a:endParaRPr lang="en-US" dirty="0"/>
           </a:p>
@@ -1962,7 +2192,7 @@
     </p:spTree>
     <p:extLst>
       <p:ext uri="{BB962C8B-B14F-4D97-AF65-F5344CB8AC3E}">
-        <p14:creationId xmlns:p14="http://schemas.microsoft.com/office/powerpoint/2010/main" val="401479864"/>
+        <p14:creationId xmlns:p14="http://schemas.microsoft.com/office/powerpoint/2010/main" val="2570320108"/>
       </p:ext>
     </p:extLst>
   </p:cSld>
@@ -2016,22 +2246,60 @@
           <a:bodyPr/>
           <a:lstStyle/>
           <a:p>
+            <a:r>
+              <a:rPr lang="en-US" dirty="0"/>
+              <a:t>[Sean]</a:t>
+            </a:r>
+          </a:p>
+          <a:p>
+            <a:endParaRPr lang="en-US" dirty="0"/>
+          </a:p>
+          <a:p>
+            <a:r>
+              <a:rPr lang="en-US" dirty="0"/>
+              <a:t>TODO:</a:t>
+            </a:r>
+          </a:p>
+          <a:p>
+            <a:endParaRPr lang="en-US" dirty="0"/>
+          </a:p>
+          <a:p>
             <a:pPr marL="171450" indent="-171450">
               <a:buFont typeface="Arial" panose="020B0604020202020204" pitchFamily="34" charset="0"/>
               <a:buChar char="•"/>
             </a:pPr>
             <a:r>
+              <a:rPr lang="en-US" dirty="0"/>
+              <a:t>Recreate diagram from </a:t>
+            </a:r>
+            <a:r>
+              <a:rPr lang="en-US" dirty="0" err="1"/>
+              <a:t>Akka</a:t>
+            </a:r>
+            <a:r>
               <a:rPr lang="en-US" baseline="0" dirty="0"/>
-              <a:t>Lift the lifecycle diagram from the </a:t>
-            </a:r>
-            <a:r>
-              <a:rPr lang="en-US" baseline="0" dirty="0" err="1"/>
-              <a:t>Akka</a:t>
-            </a:r>
-            <a:r>
-              <a:rPr lang="en-US" baseline="0" dirty="0"/>
-              <a:t> site.</a:t>
-            </a:r>
+              <a:t> site (with annotation)</a:t>
+            </a:r>
+          </a:p>
+          <a:p>
+            <a:pPr marL="171450" indent="-171450">
+              <a:buFont typeface="Arial" panose="020B0604020202020204" pitchFamily="34" charset="0"/>
+              <a:buChar char="•"/>
+            </a:pPr>
+            <a:endParaRPr lang="en-US" dirty="0"/>
+          </a:p>
+          <a:p>
+            <a:pPr marL="0" indent="0">
+              <a:buFont typeface="Arial" panose="020B0604020202020204" pitchFamily="34" charset="0"/>
+              <a:buNone/>
+            </a:pPr>
+            <a:r>
+              <a:rPr lang="en-US" dirty="0">
+                <a:sym typeface="Wingdings" panose="05000000000000000000" pitchFamily="2" charset="2"/>
+              </a:rPr>
+              <a:t> Sean (lifecycle)</a:t>
+            </a:r>
+            <a:endParaRPr lang="en-US" dirty="0"/>
           </a:p>
         </p:txBody>
       </p:sp>
@@ -2061,7 +2329,7 @@
     </p:spTree>
     <p:extLst>
       <p:ext uri="{BB962C8B-B14F-4D97-AF65-F5344CB8AC3E}">
-        <p14:creationId xmlns:p14="http://schemas.microsoft.com/office/powerpoint/2010/main" val="2868178753"/>
+        <p14:creationId xmlns:p14="http://schemas.microsoft.com/office/powerpoint/2010/main" val="401479864"/>
       </p:ext>
     </p:extLst>
   </p:cSld>
@@ -2115,83 +2383,22 @@
           <a:bodyPr/>
           <a:lstStyle/>
           <a:p>
-            <a:r>
-              <a:rPr lang="en-US" dirty="0"/>
-              <a:t>[Sean]</a:t>
-            </a:r>
-          </a:p>
-          <a:p>
-            <a:endParaRPr lang="en-US" dirty="0"/>
-          </a:p>
-          <a:p>
-            <a:r>
-              <a:rPr lang="en-US" dirty="0"/>
-              <a:t>TODO:</a:t>
-            </a:r>
-            <a:br>
-              <a:rPr lang="en-US" dirty="0"/>
-            </a:br>
-            <a:endParaRPr lang="en-US" dirty="0"/>
-          </a:p>
-          <a:p>
             <a:pPr marL="171450" indent="-171450">
               <a:buFont typeface="Arial" panose="020B0604020202020204" pitchFamily="34" charset="0"/>
               <a:buChar char="•"/>
             </a:pPr>
             <a:r>
+              <a:rPr lang="en-US" baseline="0" dirty="0"/>
+              <a:t>Lift the lifecycle diagram from the </a:t>
+            </a:r>
+            <a:r>
               <a:rPr lang="en-US" baseline="0" dirty="0" err="1"/>
-              <a:t>Context.ActorOf</a:t>
+              <a:t>Akka</a:t>
             </a:r>
             <a:r>
               <a:rPr lang="en-US" baseline="0" dirty="0"/>
-              <a:t> is used to create children</a:t>
-            </a:r>
-          </a:p>
-          <a:p>
-            <a:pPr marL="171450" indent="-171450">
-              <a:buFont typeface="Arial" panose="020B0604020202020204" pitchFamily="34" charset="0"/>
-              <a:buChar char="•"/>
-            </a:pPr>
-            <a:r>
-              <a:rPr lang="en-US" baseline="0" dirty="0"/>
-              <a:t>Pretty subtle in that it’s not always available</a:t>
-            </a:r>
-          </a:p>
-          <a:p>
-            <a:pPr marL="171450" indent="-171450">
-              <a:buFont typeface="Arial" panose="020B0604020202020204" pitchFamily="34" charset="0"/>
-              <a:buChar char="•"/>
-            </a:pPr>
-            <a:r>
-              <a:rPr lang="en-US" baseline="0" dirty="0"/>
-              <a:t>However, should know that every actor has one</a:t>
-            </a:r>
-          </a:p>
-          <a:p>
-            <a:pPr marL="171450" indent="-171450">
-              <a:buFont typeface="Arial" panose="020B0604020202020204" pitchFamily="34" charset="0"/>
-              <a:buChar char="•"/>
-            </a:pPr>
-            <a:endParaRPr lang="en-US" dirty="0"/>
-          </a:p>
-          <a:p>
-            <a:pPr marL="0" indent="0">
-              <a:buFont typeface="Arial" panose="020B0604020202020204" pitchFamily="34" charset="0"/>
-              <a:buNone/>
-            </a:pPr>
-            <a:r>
-              <a:rPr lang="en-US" dirty="0">
-                <a:sym typeface="Wingdings" panose="05000000000000000000" pitchFamily="2" charset="2"/>
-              </a:rPr>
-              <a:t> Matt (Actor</a:t>
-            </a:r>
-            <a:r>
-              <a:rPr lang="en-US" baseline="0" dirty="0">
-                <a:sym typeface="Wingdings" panose="05000000000000000000" pitchFamily="2" charset="2"/>
-              </a:rPr>
-              <a:t> animation)</a:t>
-            </a:r>
-            <a:endParaRPr lang="en-US" dirty="0"/>
+              <a:t> site.</a:t>
+            </a:r>
           </a:p>
         </p:txBody>
       </p:sp>
@@ -2221,7 +2428,7 @@
     </p:spTree>
     <p:extLst>
       <p:ext uri="{BB962C8B-B14F-4D97-AF65-F5344CB8AC3E}">
-        <p14:creationId xmlns:p14="http://schemas.microsoft.com/office/powerpoint/2010/main" val="3441445403"/>
+        <p14:creationId xmlns:p14="http://schemas.microsoft.com/office/powerpoint/2010/main" val="2868178753"/>
       </p:ext>
     </p:extLst>
   </p:cSld>
@@ -2275,22 +2482,22 @@
           <a:bodyPr/>
           <a:lstStyle/>
           <a:p>
+            <a:r>
+              <a:rPr lang="en-US" dirty="0"/>
+              <a:t>[Sean]</a:t>
+            </a:r>
+          </a:p>
+          <a:p>
             <a:endParaRPr lang="en-US" dirty="0"/>
           </a:p>
           <a:p>
             <a:r>
               <a:rPr lang="en-US" dirty="0"/>
-              <a:t>This is a demo of what</a:t>
-            </a:r>
-            <a:r>
-              <a:rPr lang="en-US" baseline="0" dirty="0"/>
-              <a:t> actors have and how they’re used in real life</a:t>
-            </a:r>
-          </a:p>
-          <a:p>
-            <a:endParaRPr lang="en-US" baseline="0" dirty="0"/>
-          </a:p>
-          <a:p>
+              <a:t>TODO:</a:t>
+            </a:r>
+            <a:br>
+              <a:rPr lang="en-US" dirty="0"/>
+            </a:br>
             <a:endParaRPr lang="en-US" dirty="0"/>
           </a:p>
           <a:p>
@@ -2299,12 +2506,12 @@
               <a:buChar char="•"/>
             </a:pPr>
             <a:r>
-              <a:rPr lang="en-US" dirty="0"/>
-              <a:t>Event-driven thread means</a:t>
+              <a:rPr lang="en-US" baseline="0" dirty="0" err="1"/>
+              <a:t>Context.ActorOf</a:t>
             </a:r>
             <a:r>
               <a:rPr lang="en-US" baseline="0" dirty="0"/>
-              <a:t> the other actors don’t have to poll – it’s all pushed to them</a:t>
+              <a:t> is used to create children</a:t>
             </a:r>
           </a:p>
           <a:p>
@@ -2312,107 +2519,46 @@
               <a:buFont typeface="Arial" panose="020B0604020202020204" pitchFamily="34" charset="0"/>
               <a:buChar char="•"/>
             </a:pPr>
-            <a:endParaRPr lang="en-US" baseline="0" dirty="0"/>
-          </a:p>
-          <a:p>
-            <a:pPr marL="171450" indent="-171450" rtl="0" fontAlgn="ctr">
+            <a:r>
+              <a:rPr lang="en-US" baseline="0" dirty="0"/>
+              <a:t>Pretty subtle in that it’s not always available</a:t>
+            </a:r>
+          </a:p>
+          <a:p>
+            <a:pPr marL="171450" indent="-171450">
               <a:buFont typeface="Arial" panose="020B0604020202020204" pitchFamily="34" charset="0"/>
               <a:buChar char="•"/>
             </a:pPr>
             <a:r>
-              <a:rPr lang="en-US" sz="1200" b="0" i="0" kern="1200" dirty="0">
-                <a:solidFill>
-                  <a:schemeClr val="tx1"/>
-                </a:solidFill>
-                <a:effectLst/>
-                <a:latin typeface="+mn-lt"/>
-                <a:ea typeface="+mn-ea"/>
-                <a:cs typeface="+mn-cs"/>
-              </a:rPr>
-              <a:t>This shows the concepts we were just discussing (Behavior, State, Supervision, Children, Mailbox)</a:t>
-            </a:r>
-            <a:endParaRPr lang="en-US" sz="1400" b="0" i="0" kern="1200" dirty="0">
-              <a:solidFill>
-                <a:schemeClr val="tx1"/>
-              </a:solidFill>
-              <a:effectLst/>
-              <a:latin typeface="+mn-lt"/>
-              <a:ea typeface="+mn-ea"/>
-              <a:cs typeface="+mn-cs"/>
-            </a:endParaRPr>
-          </a:p>
-          <a:p>
-            <a:pPr marL="171450" indent="-171450" rtl="0" fontAlgn="ctr">
+              <a:rPr lang="en-US" baseline="0" dirty="0"/>
+              <a:t>However, should know that every actor has one</a:t>
+            </a:r>
+          </a:p>
+          <a:p>
+            <a:pPr marL="171450" indent="-171450">
               <a:buFont typeface="Arial" panose="020B0604020202020204" pitchFamily="34" charset="0"/>
               <a:buChar char="•"/>
             </a:pPr>
-            <a:r>
-              <a:rPr lang="en-US" sz="1200" b="0" i="0" kern="1200" dirty="0">
-                <a:solidFill>
-                  <a:schemeClr val="tx1"/>
-                </a:solidFill>
-                <a:effectLst/>
-                <a:latin typeface="+mn-lt"/>
-                <a:ea typeface="+mn-ea"/>
-                <a:cs typeface="+mn-cs"/>
+            <a:endParaRPr lang="en-US" dirty="0"/>
+          </a:p>
+          <a:p>
+            <a:pPr marL="0" indent="0">
+              <a:buFont typeface="Arial" panose="020B0604020202020204" pitchFamily="34" charset="0"/>
+              <a:buNone/>
+            </a:pPr>
+            <a:r>
+              <a:rPr lang="en-US" dirty="0">
+                <a:sym typeface="Wingdings" panose="05000000000000000000" pitchFamily="2" charset="2"/>
               </a:rPr>
-              <a:t>This is the conceptual single thread that runs for any given actor</a:t>
-            </a:r>
-            <a:endParaRPr lang="en-US" sz="1400" b="0" i="0" kern="1200" dirty="0">
-              <a:solidFill>
-                <a:schemeClr val="tx1"/>
-              </a:solidFill>
-              <a:effectLst/>
-              <a:latin typeface="+mn-lt"/>
-              <a:ea typeface="+mn-ea"/>
-              <a:cs typeface="+mn-cs"/>
-            </a:endParaRPr>
-          </a:p>
-          <a:p>
-            <a:pPr marL="628650" lvl="1" indent="-171450" rtl="0" fontAlgn="ctr">
-              <a:buFont typeface="Arial" panose="020B0604020202020204" pitchFamily="34" charset="0"/>
-              <a:buChar char="•"/>
-            </a:pPr>
-            <a:r>
-              <a:rPr lang="en-US" sz="1200" b="0" i="0" kern="1200" dirty="0">
-                <a:solidFill>
-                  <a:schemeClr val="tx1"/>
-                </a:solidFill>
-                <a:effectLst/>
-                <a:latin typeface="+mn-lt"/>
-                <a:ea typeface="+mn-ea"/>
-                <a:cs typeface="+mn-cs"/>
+              <a:t> Matt (Actor</a:t>
+            </a:r>
+            <a:r>
+              <a:rPr lang="en-US" baseline="0" dirty="0">
+                <a:sym typeface="Wingdings" panose="05000000000000000000" pitchFamily="2" charset="2"/>
               </a:rPr>
-              <a:t>Processing one message at a time from the mailbox</a:t>
-            </a:r>
-            <a:endParaRPr lang="en-US" sz="1400" b="0" i="0" kern="1200" dirty="0">
-              <a:solidFill>
-                <a:schemeClr val="tx1"/>
-              </a:solidFill>
-              <a:effectLst/>
-              <a:latin typeface="+mn-lt"/>
-              <a:ea typeface="+mn-ea"/>
-              <a:cs typeface="+mn-cs"/>
-            </a:endParaRPr>
-          </a:p>
-          <a:p>
-            <a:pPr marL="171450" indent="-171450" rtl="0" fontAlgn="ctr">
-              <a:buFont typeface="Arial" panose="020B0604020202020204" pitchFamily="34" charset="0"/>
-              <a:buChar char="•"/>
-            </a:pPr>
-            <a:r>
-              <a:rPr lang="en-US" sz="1400" b="0" i="0" kern="1200" baseline="0" dirty="0">
-                <a:solidFill>
-                  <a:schemeClr val="tx1"/>
-                </a:solidFill>
-                <a:effectLst/>
-                <a:latin typeface="+mn-lt"/>
-                <a:ea typeface="+mn-ea"/>
-                <a:cs typeface="+mn-cs"/>
-              </a:rPr>
-              <a:t>Actors are lazy (they get such a bad rap!) But seriously, actors are dormant unless they’re actually doing work. Keep a low profile.</a:t>
-            </a:r>
-            <a:endParaRPr lang="en-US" baseline="0" dirty="0"/>
+              <a:t> animation)</a:t>
+            </a:r>
+            <a:endParaRPr lang="en-US" dirty="0"/>
           </a:p>
         </p:txBody>
       </p:sp>
@@ -2442,7 +2588,7 @@
     </p:spTree>
     <p:extLst>
       <p:ext uri="{BB962C8B-B14F-4D97-AF65-F5344CB8AC3E}">
-        <p14:creationId xmlns:p14="http://schemas.microsoft.com/office/powerpoint/2010/main" val="3142140027"/>
+        <p14:creationId xmlns:p14="http://schemas.microsoft.com/office/powerpoint/2010/main" val="3441445403"/>
       </p:ext>
     </p:extLst>
   </p:cSld>
@@ -2580,6 +2726,46 @@
           <a:bodyPr/>
           <a:lstStyle/>
           <a:p>
+            <a:endParaRPr lang="en-US" dirty="0"/>
+          </a:p>
+          <a:p>
+            <a:r>
+              <a:rPr lang="en-US" dirty="0"/>
+              <a:t>This is a demo of what</a:t>
+            </a:r>
+            <a:r>
+              <a:rPr lang="en-US" baseline="0" dirty="0"/>
+              <a:t> actors have and how they’re used in real life</a:t>
+            </a:r>
+          </a:p>
+          <a:p>
+            <a:endParaRPr lang="en-US" baseline="0" dirty="0"/>
+          </a:p>
+          <a:p>
+            <a:endParaRPr lang="en-US" dirty="0"/>
+          </a:p>
+          <a:p>
+            <a:pPr marL="171450" indent="-171450">
+              <a:buFont typeface="Arial" panose="020B0604020202020204" pitchFamily="34" charset="0"/>
+              <a:buChar char="•"/>
+            </a:pPr>
+            <a:r>
+              <a:rPr lang="en-US" dirty="0"/>
+              <a:t>Event-driven thread means</a:t>
+            </a:r>
+            <a:r>
+              <a:rPr lang="en-US" baseline="0" dirty="0"/>
+              <a:t> the other actors don’t have to poll – it’s all pushed to them</a:t>
+            </a:r>
+          </a:p>
+          <a:p>
+            <a:pPr marL="171450" indent="-171450">
+              <a:buFont typeface="Arial" panose="020B0604020202020204" pitchFamily="34" charset="0"/>
+              <a:buChar char="•"/>
+            </a:pPr>
+            <a:endParaRPr lang="en-US" baseline="0" dirty="0"/>
+          </a:p>
+          <a:p>
             <a:pPr marL="171450" indent="-171450" rtl="0" fontAlgn="ctr">
               <a:buFont typeface="Arial" panose="020B0604020202020204" pitchFamily="34" charset="0"/>
               <a:buChar char="•"/>
@@ -2594,7 +2780,7 @@
                 <a:ea typeface="+mn-ea"/>
                 <a:cs typeface="+mn-cs"/>
               </a:rPr>
-              <a:t>This is a classic O-O system</a:t>
+              <a:t>This shows the concepts we were just discussing (Behavior, State, Supervision, Children, Mailbox)</a:t>
             </a:r>
             <a:endParaRPr lang="en-US" sz="1400" b="0" i="0" kern="1200" dirty="0">
               <a:solidFill>
@@ -2607,7 +2793,7 @@
             </a:endParaRPr>
           </a:p>
           <a:p>
-            <a:pPr marL="628650" lvl="1" indent="-171450" rtl="0" fontAlgn="ctr">
+            <a:pPr marL="171450" indent="-171450" rtl="0" fontAlgn="ctr">
               <a:buFont typeface="Arial" panose="020B0604020202020204" pitchFamily="34" charset="0"/>
               <a:buChar char="•"/>
             </a:pPr>
@@ -2621,7 +2807,7 @@
                 <a:ea typeface="+mn-ea"/>
                 <a:cs typeface="+mn-cs"/>
               </a:rPr>
-              <a:t>Maybe designed well (SOLID), maybe not</a:t>
+              <a:t>This is the conceptual single thread that runs for any given actor</a:t>
             </a:r>
             <a:endParaRPr lang="en-US" sz="1400" b="0" i="0" kern="1200" dirty="0">
               <a:solidFill>
@@ -2648,7 +2834,7 @@
                 <a:ea typeface="+mn-ea"/>
                 <a:cs typeface="+mn-cs"/>
               </a:rPr>
-              <a:t>Exceptions might bubble up (but they might not)</a:t>
+              <a:t>Processing one message at a time from the mailbox</a:t>
             </a:r>
             <a:endParaRPr lang="en-US" sz="1400" b="0" i="0" kern="1200" dirty="0">
               <a:solidFill>
@@ -2661,12 +2847,12 @@
             </a:endParaRPr>
           </a:p>
           <a:p>
-            <a:pPr marL="628650" lvl="1" indent="-171450" rtl="0" fontAlgn="ctr">
+            <a:pPr marL="171450" indent="-171450" rtl="0" fontAlgn="ctr">
               <a:buFont typeface="Arial" panose="020B0604020202020204" pitchFamily="34" charset="0"/>
               <a:buChar char="•"/>
             </a:pPr>
             <a:r>
-              <a:rPr lang="en-US" sz="1200" b="0" i="0" kern="1200" dirty="0">
+              <a:rPr lang="en-US" sz="1400" b="0" i="0" kern="1200" baseline="0" dirty="0">
                 <a:solidFill>
                   <a:schemeClr val="tx1"/>
                 </a:solidFill>
@@ -2675,44 +2861,9 @@
                 <a:ea typeface="+mn-ea"/>
                 <a:cs typeface="+mn-cs"/>
               </a:rPr>
-              <a:t>Unclear who is responsible for remediating errors and how that remediation works</a:t>
-            </a:r>
-            <a:endParaRPr lang="en-US" sz="1400" b="0" i="0" kern="1200" dirty="0">
-              <a:solidFill>
-                <a:schemeClr val="tx1"/>
-              </a:solidFill>
-              <a:effectLst/>
-              <a:latin typeface="+mn-lt"/>
-              <a:ea typeface="+mn-ea"/>
-              <a:cs typeface="+mn-cs"/>
-            </a:endParaRPr>
-          </a:p>
-          <a:p>
-            <a:pPr marL="1085850" lvl="2" indent="-171450" rtl="0" fontAlgn="ctr">
-              <a:buFont typeface="Arial" panose="020B0604020202020204" pitchFamily="34" charset="0"/>
-              <a:buChar char="•"/>
-            </a:pPr>
-            <a:r>
-              <a:rPr lang="en-US" sz="1200" b="0" i="0" kern="1200" dirty="0">
-                <a:solidFill>
-                  <a:schemeClr val="tx1"/>
-                </a:solidFill>
-                <a:effectLst/>
-                <a:latin typeface="+mn-lt"/>
-                <a:ea typeface="+mn-ea"/>
-                <a:cs typeface="+mn-cs"/>
-              </a:rPr>
-              <a:t>Ex: what should the BLL do if an EF error comes up through that DAO?</a:t>
-            </a:r>
-            <a:endParaRPr lang="en-US" sz="1400" b="0" i="0" kern="1200" dirty="0">
-              <a:solidFill>
-                <a:schemeClr val="tx1"/>
-              </a:solidFill>
-              <a:effectLst/>
-              <a:latin typeface="+mn-lt"/>
-              <a:ea typeface="+mn-ea"/>
-              <a:cs typeface="+mn-cs"/>
-            </a:endParaRPr>
+              <a:t>Actors are lazy (they get such a bad rap!) But seriously, actors are dormant unless they’re actually doing work. Keep a low profile.</a:t>
+            </a:r>
+            <a:endParaRPr lang="en-US" baseline="0" dirty="0"/>
           </a:p>
         </p:txBody>
       </p:sp>
@@ -2742,7 +2893,7 @@
     </p:spTree>
     <p:extLst>
       <p:ext uri="{BB962C8B-B14F-4D97-AF65-F5344CB8AC3E}">
-        <p14:creationId xmlns:p14="http://schemas.microsoft.com/office/powerpoint/2010/main" val="2175849083"/>
+        <p14:creationId xmlns:p14="http://schemas.microsoft.com/office/powerpoint/2010/main" val="3142140027"/>
       </p:ext>
     </p:extLst>
   </p:cSld>
@@ -2796,9 +2947,6 @@
           <a:bodyPr/>
           <a:lstStyle/>
           <a:p>
-            <a:endParaRPr lang="en-US" dirty="0"/>
-          </a:p>
-          <a:p>
             <a:pPr marL="171450" indent="-171450" rtl="0" fontAlgn="ctr">
               <a:buFont typeface="Arial" panose="020B0604020202020204" pitchFamily="34" charset="0"/>
               <a:buChar char="•"/>
@@ -2813,7 +2961,7 @@
                 <a:ea typeface="+mn-ea"/>
                 <a:cs typeface="+mn-cs"/>
               </a:rPr>
-              <a:t>System actor hierarchy</a:t>
+              <a:t>This is a classic O-O system</a:t>
             </a:r>
             <a:endParaRPr lang="en-US" sz="1400" b="0" i="0" kern="1200" dirty="0">
               <a:solidFill>
@@ -2840,7 +2988,7 @@
                 <a:ea typeface="+mn-ea"/>
                 <a:cs typeface="+mn-cs"/>
               </a:rPr>
-              <a:t>Logging</a:t>
+              <a:t>Maybe designed well (SOLID), maybe not</a:t>
             </a:r>
             <a:endParaRPr lang="en-US" sz="1400" b="0" i="0" kern="1200" dirty="0">
               <a:solidFill>
@@ -2853,7 +3001,7 @@
             </a:endParaRPr>
           </a:p>
           <a:p>
-            <a:pPr marL="171450" indent="-171450" rtl="0" fontAlgn="ctr">
+            <a:pPr marL="628650" lvl="1" indent="-171450" rtl="0" fontAlgn="ctr">
               <a:buFont typeface="Arial" panose="020B0604020202020204" pitchFamily="34" charset="0"/>
               <a:buChar char="•"/>
             </a:pPr>
@@ -2867,7 +3015,7 @@
                 <a:ea typeface="+mn-ea"/>
                 <a:cs typeface="+mn-cs"/>
               </a:rPr>
-              <a:t>User actor hierarchy</a:t>
+              <a:t>Exceptions might bubble up (but they might not)</a:t>
             </a:r>
             <a:endParaRPr lang="en-US" sz="1400" b="0" i="0" kern="1200" dirty="0">
               <a:solidFill>
@@ -2894,7 +3042,7 @@
                 <a:ea typeface="+mn-ea"/>
                 <a:cs typeface="+mn-cs"/>
               </a:rPr>
-              <a:t>Supervision</a:t>
+              <a:t>Unclear who is responsible for remediating errors and how that remediation works</a:t>
             </a:r>
             <a:endParaRPr lang="en-US" sz="1400" b="0" i="0" kern="1200" dirty="0">
               <a:solidFill>
@@ -2921,7 +3069,7 @@
                 <a:ea typeface="+mn-ea"/>
                 <a:cs typeface="+mn-cs"/>
               </a:rPr>
-              <a:t>Parent is responsible for remediating failures in children</a:t>
+              <a:t>Ex: what should the BLL do if an EF error comes up through that DAO?</a:t>
             </a:r>
             <a:endParaRPr lang="en-US" sz="1400" b="0" i="0" kern="1200" dirty="0">
               <a:solidFill>
@@ -2932,306 +3080,6 @@
               <a:ea typeface="+mn-ea"/>
               <a:cs typeface="+mn-cs"/>
             </a:endParaRPr>
-          </a:p>
-          <a:p>
-            <a:pPr marL="1543050" lvl="3" indent="-171450" rtl="0" fontAlgn="ctr">
-              <a:buFont typeface="Arial" panose="020B0604020202020204" pitchFamily="34" charset="0"/>
-              <a:buChar char="•"/>
-            </a:pPr>
-            <a:r>
-              <a:rPr lang="en-US" sz="1200" b="0" i="0" kern="1200" dirty="0">
-                <a:solidFill>
-                  <a:schemeClr val="tx1"/>
-                </a:solidFill>
-                <a:effectLst/>
-                <a:latin typeface="+mn-lt"/>
-                <a:ea typeface="+mn-ea"/>
-                <a:cs typeface="+mn-cs"/>
-              </a:rPr>
-              <a:t>Resume</a:t>
-            </a:r>
-            <a:endParaRPr lang="en-US" sz="1400" b="0" i="0" kern="1200" dirty="0">
-              <a:solidFill>
-                <a:schemeClr val="tx1"/>
-              </a:solidFill>
-              <a:effectLst/>
-              <a:latin typeface="+mn-lt"/>
-              <a:ea typeface="+mn-ea"/>
-              <a:cs typeface="+mn-cs"/>
-            </a:endParaRPr>
-          </a:p>
-          <a:p>
-            <a:pPr marL="1543050" lvl="3" indent="-171450" rtl="0" fontAlgn="ctr">
-              <a:buFont typeface="Arial" panose="020B0604020202020204" pitchFamily="34" charset="0"/>
-              <a:buChar char="•"/>
-            </a:pPr>
-            <a:r>
-              <a:rPr lang="en-US" sz="1200" b="0" i="0" kern="1200" dirty="0">
-                <a:solidFill>
-                  <a:schemeClr val="tx1"/>
-                </a:solidFill>
-                <a:effectLst/>
-                <a:latin typeface="+mn-lt"/>
-                <a:ea typeface="+mn-ea"/>
-                <a:cs typeface="+mn-cs"/>
-              </a:rPr>
-              <a:t>Restart</a:t>
-            </a:r>
-            <a:endParaRPr lang="en-US" sz="1400" b="0" i="0" kern="1200" dirty="0">
-              <a:solidFill>
-                <a:schemeClr val="tx1"/>
-              </a:solidFill>
-              <a:effectLst/>
-              <a:latin typeface="+mn-lt"/>
-              <a:ea typeface="+mn-ea"/>
-              <a:cs typeface="+mn-cs"/>
-            </a:endParaRPr>
-          </a:p>
-          <a:p>
-            <a:pPr marL="1543050" lvl="3" indent="-171450" rtl="0" fontAlgn="ctr">
-              <a:buFont typeface="Arial" panose="020B0604020202020204" pitchFamily="34" charset="0"/>
-              <a:buChar char="•"/>
-            </a:pPr>
-            <a:r>
-              <a:rPr lang="en-US" sz="1200" b="0" i="0" kern="1200" dirty="0">
-                <a:solidFill>
-                  <a:schemeClr val="tx1"/>
-                </a:solidFill>
-                <a:effectLst/>
-                <a:latin typeface="+mn-lt"/>
-                <a:ea typeface="+mn-ea"/>
-                <a:cs typeface="+mn-cs"/>
-              </a:rPr>
-              <a:t>Escalate</a:t>
-            </a:r>
-            <a:endParaRPr lang="en-US" sz="1400" b="0" i="0" kern="1200" dirty="0">
-              <a:solidFill>
-                <a:schemeClr val="tx1"/>
-              </a:solidFill>
-              <a:effectLst/>
-              <a:latin typeface="+mn-lt"/>
-              <a:ea typeface="+mn-ea"/>
-              <a:cs typeface="+mn-cs"/>
-            </a:endParaRPr>
-          </a:p>
-          <a:p>
-            <a:pPr marL="1543050" lvl="3" indent="-171450" rtl="0" fontAlgn="ctr">
-              <a:buFont typeface="Arial" panose="020B0604020202020204" pitchFamily="34" charset="0"/>
-              <a:buChar char="•"/>
-            </a:pPr>
-            <a:r>
-              <a:rPr lang="en-US" sz="1200" b="0" i="0" kern="1200" dirty="0">
-                <a:solidFill>
-                  <a:schemeClr val="tx1"/>
-                </a:solidFill>
-                <a:effectLst/>
-                <a:latin typeface="+mn-lt"/>
-                <a:ea typeface="+mn-ea"/>
-                <a:cs typeface="+mn-cs"/>
-              </a:rPr>
-              <a:t>Stop</a:t>
-            </a:r>
-            <a:endParaRPr lang="en-US" sz="1400" b="0" i="0" kern="1200" dirty="0">
-              <a:solidFill>
-                <a:schemeClr val="tx1"/>
-              </a:solidFill>
-              <a:effectLst/>
-              <a:latin typeface="+mn-lt"/>
-              <a:ea typeface="+mn-ea"/>
-              <a:cs typeface="+mn-cs"/>
-            </a:endParaRPr>
-          </a:p>
-          <a:p>
-            <a:pPr marL="1085850" lvl="2" indent="-171450" rtl="0" fontAlgn="ctr">
-              <a:buFont typeface="Arial" panose="020B0604020202020204" pitchFamily="34" charset="0"/>
-              <a:buChar char="•"/>
-            </a:pPr>
-            <a:r>
-              <a:rPr lang="en-US" sz="1200" b="0" i="0" kern="1200" dirty="0">
-                <a:solidFill>
-                  <a:schemeClr val="tx1"/>
-                </a:solidFill>
-                <a:effectLst/>
-                <a:latin typeface="+mn-lt"/>
-                <a:ea typeface="+mn-ea"/>
-                <a:cs typeface="+mn-cs"/>
-              </a:rPr>
-              <a:t>One for One (only the failing child is affected)</a:t>
-            </a:r>
-            <a:endParaRPr lang="en-US" sz="1400" b="0" i="0" kern="1200" dirty="0">
-              <a:solidFill>
-                <a:schemeClr val="tx1"/>
-              </a:solidFill>
-              <a:effectLst/>
-              <a:latin typeface="+mn-lt"/>
-              <a:ea typeface="+mn-ea"/>
-              <a:cs typeface="+mn-cs"/>
-            </a:endParaRPr>
-          </a:p>
-          <a:p>
-            <a:pPr marL="1543050" lvl="3" indent="-171450" rtl="0" fontAlgn="ctr">
-              <a:buFont typeface="Arial" panose="020B0604020202020204" pitchFamily="34" charset="0"/>
-              <a:buChar char="•"/>
-            </a:pPr>
-            <a:r>
-              <a:rPr lang="en-US" sz="1200" b="0" i="0" kern="1200" dirty="0">
-                <a:solidFill>
-                  <a:schemeClr val="tx1"/>
-                </a:solidFill>
-                <a:effectLst/>
-                <a:latin typeface="+mn-lt"/>
-                <a:ea typeface="+mn-ea"/>
-                <a:cs typeface="+mn-cs"/>
-              </a:rPr>
-              <a:t>Child /c1 fails</a:t>
-            </a:r>
-            <a:endParaRPr lang="en-US" sz="1400" b="0" i="0" kern="1200" dirty="0">
-              <a:solidFill>
-                <a:schemeClr val="tx1"/>
-              </a:solidFill>
-              <a:effectLst/>
-              <a:latin typeface="+mn-lt"/>
-              <a:ea typeface="+mn-ea"/>
-              <a:cs typeface="+mn-cs"/>
-            </a:endParaRPr>
-          </a:p>
-          <a:p>
-            <a:pPr marL="1543050" lvl="3" indent="-171450" rtl="0" fontAlgn="ctr">
-              <a:buFont typeface="Arial" panose="020B0604020202020204" pitchFamily="34" charset="0"/>
-              <a:buChar char="•"/>
-            </a:pPr>
-            <a:r>
-              <a:rPr lang="en-US" sz="1200" b="0" i="0" kern="1200" dirty="0">
-                <a:solidFill>
-                  <a:schemeClr val="tx1"/>
-                </a:solidFill>
-                <a:effectLst/>
-                <a:latin typeface="+mn-lt"/>
-                <a:ea typeface="+mn-ea"/>
-                <a:cs typeface="+mn-cs"/>
-              </a:rPr>
-              <a:t>That child gets restarted</a:t>
-            </a:r>
-            <a:endParaRPr lang="en-US" sz="1400" b="0" i="0" kern="1200" dirty="0">
-              <a:solidFill>
-                <a:schemeClr val="tx1"/>
-              </a:solidFill>
-              <a:effectLst/>
-              <a:latin typeface="+mn-lt"/>
-              <a:ea typeface="+mn-ea"/>
-              <a:cs typeface="+mn-cs"/>
-            </a:endParaRPr>
-          </a:p>
-          <a:p>
-            <a:pPr marL="1085850" lvl="2" indent="-171450" rtl="0" fontAlgn="ctr">
-              <a:buFont typeface="Arial" panose="020B0604020202020204" pitchFamily="34" charset="0"/>
-              <a:buChar char="•"/>
-            </a:pPr>
-            <a:r>
-              <a:rPr lang="en-US" sz="1200" b="0" i="0" kern="1200" dirty="0">
-                <a:solidFill>
-                  <a:schemeClr val="tx1"/>
-                </a:solidFill>
-                <a:effectLst/>
-                <a:latin typeface="+mn-lt"/>
-                <a:ea typeface="+mn-ea"/>
-                <a:cs typeface="+mn-cs"/>
-              </a:rPr>
-              <a:t>All for One (any failure and all children are affected)</a:t>
-            </a:r>
-            <a:endParaRPr lang="en-US" sz="1400" b="0" i="0" kern="1200" dirty="0">
-              <a:solidFill>
-                <a:schemeClr val="tx1"/>
-              </a:solidFill>
-              <a:effectLst/>
-              <a:latin typeface="+mn-lt"/>
-              <a:ea typeface="+mn-ea"/>
-              <a:cs typeface="+mn-cs"/>
-            </a:endParaRPr>
-          </a:p>
-          <a:p>
-            <a:pPr marL="1543050" lvl="3" indent="-171450" rtl="0" fontAlgn="ctr">
-              <a:buFont typeface="Arial" panose="020B0604020202020204" pitchFamily="34" charset="0"/>
-              <a:buChar char="•"/>
-            </a:pPr>
-            <a:r>
-              <a:rPr lang="en-US" sz="1200" b="0" i="0" kern="1200" dirty="0">
-                <a:solidFill>
-                  <a:schemeClr val="tx1"/>
-                </a:solidFill>
-                <a:effectLst/>
-                <a:latin typeface="+mn-lt"/>
-                <a:ea typeface="+mn-ea"/>
-                <a:cs typeface="+mn-cs"/>
-              </a:rPr>
-              <a:t>Child /c3 fails</a:t>
-            </a:r>
-            <a:endParaRPr lang="en-US" sz="1400" b="0" i="0" kern="1200" dirty="0">
-              <a:solidFill>
-                <a:schemeClr val="tx1"/>
-              </a:solidFill>
-              <a:effectLst/>
-              <a:latin typeface="+mn-lt"/>
-              <a:ea typeface="+mn-ea"/>
-              <a:cs typeface="+mn-cs"/>
-            </a:endParaRPr>
-          </a:p>
-          <a:p>
-            <a:pPr marL="1543050" lvl="3" indent="-171450" rtl="0" fontAlgn="ctr">
-              <a:buFont typeface="Arial" panose="020B0604020202020204" pitchFamily="34" charset="0"/>
-              <a:buChar char="•"/>
-            </a:pPr>
-            <a:r>
-              <a:rPr lang="en-US" sz="1200" b="0" i="0" kern="1200" dirty="0">
-                <a:solidFill>
-                  <a:schemeClr val="tx1"/>
-                </a:solidFill>
-                <a:effectLst/>
-                <a:latin typeface="+mn-lt"/>
-                <a:ea typeface="+mn-ea"/>
-                <a:cs typeface="+mn-cs"/>
-              </a:rPr>
-              <a:t>All children get restarted</a:t>
-            </a:r>
-            <a:endParaRPr lang="en-US" sz="1400" b="0" i="0" kern="1200" dirty="0">
-              <a:solidFill>
-                <a:schemeClr val="tx1"/>
-              </a:solidFill>
-              <a:effectLst/>
-              <a:latin typeface="+mn-lt"/>
-              <a:ea typeface="+mn-ea"/>
-              <a:cs typeface="+mn-cs"/>
-            </a:endParaRPr>
-          </a:p>
-          <a:p>
-            <a:pPr marL="171450" indent="-171450">
-              <a:buFont typeface="Arial" panose="020B0604020202020204" pitchFamily="34" charset="0"/>
-              <a:buChar char="•"/>
-            </a:pPr>
-            <a:endParaRPr lang="en-US" baseline="0" dirty="0"/>
-          </a:p>
-          <a:p>
-            <a:pPr marL="0" indent="0">
-              <a:buFont typeface="Arial" panose="020B0604020202020204" pitchFamily="34" charset="0"/>
-              <a:buNone/>
-            </a:pPr>
-            <a:endParaRPr lang="en-US" baseline="0" dirty="0"/>
-          </a:p>
-          <a:p>
-            <a:pPr marL="0" indent="0">
-              <a:buFont typeface="Arial" panose="020B0604020202020204" pitchFamily="34" charset="0"/>
-              <a:buNone/>
-            </a:pPr>
-            <a:r>
-              <a:rPr lang="en-US" dirty="0">
-                <a:sym typeface="Wingdings" panose="05000000000000000000" pitchFamily="2" charset="2"/>
-              </a:rPr>
-              <a:t> Matt (supervisor strategies)</a:t>
-            </a:r>
-            <a:endParaRPr lang="en-US" dirty="0"/>
-          </a:p>
-          <a:p>
-            <a:endParaRPr lang="en-US" dirty="0"/>
           </a:p>
         </p:txBody>
       </p:sp>
@@ -3261,7 +3109,7 @@
     </p:spTree>
     <p:extLst>
       <p:ext uri="{BB962C8B-B14F-4D97-AF65-F5344CB8AC3E}">
-        <p14:creationId xmlns:p14="http://schemas.microsoft.com/office/powerpoint/2010/main" val="2106592026"/>
+        <p14:creationId xmlns:p14="http://schemas.microsoft.com/office/powerpoint/2010/main" val="2175849083"/>
       </p:ext>
     </p:extLst>
   </p:cSld>
@@ -3318,38 +3166,409 @@
             <a:endParaRPr lang="en-US" dirty="0"/>
           </a:p>
           <a:p>
-            <a:pPr marL="171450" indent="-171450">
+            <a:pPr marL="171450" indent="-171450" rtl="0" fontAlgn="ctr">
               <a:buFont typeface="Arial" panose="020B0604020202020204" pitchFamily="34" charset="0"/>
               <a:buChar char="•"/>
             </a:pPr>
             <a:r>
-              <a:rPr lang="en-US" dirty="0"/>
-              <a:t>One for one</a:t>
-            </a:r>
-          </a:p>
-          <a:p>
-            <a:pPr marL="171450" indent="-171450">
+              <a:rPr lang="en-US" sz="1200" b="0" i="0" kern="1200" dirty="0">
+                <a:solidFill>
+                  <a:schemeClr val="tx1"/>
+                </a:solidFill>
+                <a:effectLst/>
+                <a:latin typeface="+mn-lt"/>
+                <a:ea typeface="+mn-ea"/>
+                <a:cs typeface="+mn-cs"/>
+              </a:rPr>
+              <a:t>System actor hierarchy</a:t>
+            </a:r>
+            <a:endParaRPr lang="en-US" sz="1400" b="0" i="0" kern="1200" dirty="0">
+              <a:solidFill>
+                <a:schemeClr val="tx1"/>
+              </a:solidFill>
+              <a:effectLst/>
+              <a:latin typeface="+mn-lt"/>
+              <a:ea typeface="+mn-ea"/>
+              <a:cs typeface="+mn-cs"/>
+            </a:endParaRPr>
+          </a:p>
+          <a:p>
+            <a:pPr marL="628650" lvl="1" indent="-171450" rtl="0" fontAlgn="ctr">
               <a:buFont typeface="Arial" panose="020B0604020202020204" pitchFamily="34" charset="0"/>
               <a:buChar char="•"/>
             </a:pPr>
             <a:r>
-              <a:rPr lang="en-US" dirty="0"/>
-              <a:t>All for one</a:t>
-            </a:r>
-          </a:p>
-          <a:p>
-            <a:pPr marL="171450" indent="-171450">
+              <a:rPr lang="en-US" sz="1200" b="0" i="0" kern="1200" dirty="0">
+                <a:solidFill>
+                  <a:schemeClr val="tx1"/>
+                </a:solidFill>
+                <a:effectLst/>
+                <a:latin typeface="+mn-lt"/>
+                <a:ea typeface="+mn-ea"/>
+                <a:cs typeface="+mn-cs"/>
+              </a:rPr>
+              <a:t>Logging</a:t>
+            </a:r>
+            <a:endParaRPr lang="en-US" sz="1400" b="0" i="0" kern="1200" dirty="0">
+              <a:solidFill>
+                <a:schemeClr val="tx1"/>
+              </a:solidFill>
+              <a:effectLst/>
+              <a:latin typeface="+mn-lt"/>
+              <a:ea typeface="+mn-ea"/>
+              <a:cs typeface="+mn-cs"/>
+            </a:endParaRPr>
+          </a:p>
+          <a:p>
+            <a:pPr marL="171450" indent="-171450" rtl="0" fontAlgn="ctr">
               <a:buFont typeface="Arial" panose="020B0604020202020204" pitchFamily="34" charset="0"/>
               <a:buChar char="•"/>
             </a:pPr>
             <a:r>
-              <a:rPr lang="en-US" dirty="0"/>
-              <a:t>Custom</a:t>
-            </a:r>
-            <a:r>
-              <a:rPr lang="en-US" baseline="0" dirty="0"/>
-              <a:t> supervisory structures</a:t>
-            </a:r>
+              <a:rPr lang="en-US" sz="1200" b="0" i="0" kern="1200" dirty="0">
+                <a:solidFill>
+                  <a:schemeClr val="tx1"/>
+                </a:solidFill>
+                <a:effectLst/>
+                <a:latin typeface="+mn-lt"/>
+                <a:ea typeface="+mn-ea"/>
+                <a:cs typeface="+mn-cs"/>
+              </a:rPr>
+              <a:t>User actor hierarchy</a:t>
+            </a:r>
+            <a:endParaRPr lang="en-US" sz="1400" b="0" i="0" kern="1200" dirty="0">
+              <a:solidFill>
+                <a:schemeClr val="tx1"/>
+              </a:solidFill>
+              <a:effectLst/>
+              <a:latin typeface="+mn-lt"/>
+              <a:ea typeface="+mn-ea"/>
+              <a:cs typeface="+mn-cs"/>
+            </a:endParaRPr>
+          </a:p>
+          <a:p>
+            <a:pPr marL="628650" lvl="1" indent="-171450" rtl="0" fontAlgn="ctr">
+              <a:buFont typeface="Arial" panose="020B0604020202020204" pitchFamily="34" charset="0"/>
+              <a:buChar char="•"/>
+            </a:pPr>
+            <a:r>
+              <a:rPr lang="en-US" sz="1200" b="0" i="0" kern="1200" dirty="0">
+                <a:solidFill>
+                  <a:schemeClr val="tx1"/>
+                </a:solidFill>
+                <a:effectLst/>
+                <a:latin typeface="+mn-lt"/>
+                <a:ea typeface="+mn-ea"/>
+                <a:cs typeface="+mn-cs"/>
+              </a:rPr>
+              <a:t>Supervision</a:t>
+            </a:r>
+            <a:endParaRPr lang="en-US" sz="1400" b="0" i="0" kern="1200" dirty="0">
+              <a:solidFill>
+                <a:schemeClr val="tx1"/>
+              </a:solidFill>
+              <a:effectLst/>
+              <a:latin typeface="+mn-lt"/>
+              <a:ea typeface="+mn-ea"/>
+              <a:cs typeface="+mn-cs"/>
+            </a:endParaRPr>
+          </a:p>
+          <a:p>
+            <a:pPr marL="1085850" lvl="2" indent="-171450" rtl="0" fontAlgn="ctr">
+              <a:buFont typeface="Arial" panose="020B0604020202020204" pitchFamily="34" charset="0"/>
+              <a:buChar char="•"/>
+            </a:pPr>
+            <a:r>
+              <a:rPr lang="en-US" sz="1200" b="0" i="0" kern="1200" dirty="0">
+                <a:solidFill>
+                  <a:schemeClr val="tx1"/>
+                </a:solidFill>
+                <a:effectLst/>
+                <a:latin typeface="+mn-lt"/>
+                <a:ea typeface="+mn-ea"/>
+                <a:cs typeface="+mn-cs"/>
+              </a:rPr>
+              <a:t>Parent is responsible for remediating failures in children</a:t>
+            </a:r>
+            <a:endParaRPr lang="en-US" sz="1400" b="0" i="0" kern="1200" dirty="0">
+              <a:solidFill>
+                <a:schemeClr val="tx1"/>
+              </a:solidFill>
+              <a:effectLst/>
+              <a:latin typeface="+mn-lt"/>
+              <a:ea typeface="+mn-ea"/>
+              <a:cs typeface="+mn-cs"/>
+            </a:endParaRPr>
+          </a:p>
+          <a:p>
+            <a:pPr marL="1543050" lvl="3" indent="-171450" rtl="0" fontAlgn="ctr">
+              <a:buFont typeface="Arial" panose="020B0604020202020204" pitchFamily="34" charset="0"/>
+              <a:buChar char="•"/>
+            </a:pPr>
+            <a:r>
+              <a:rPr lang="en-US" sz="1200" b="0" i="0" kern="1200" dirty="0">
+                <a:solidFill>
+                  <a:schemeClr val="tx1"/>
+                </a:solidFill>
+                <a:effectLst/>
+                <a:latin typeface="+mn-lt"/>
+                <a:ea typeface="+mn-ea"/>
+                <a:cs typeface="+mn-cs"/>
+              </a:rPr>
+              <a:t>Resume</a:t>
+            </a:r>
+            <a:endParaRPr lang="en-US" sz="1400" b="0" i="0" kern="1200" dirty="0">
+              <a:solidFill>
+                <a:schemeClr val="tx1"/>
+              </a:solidFill>
+              <a:effectLst/>
+              <a:latin typeface="+mn-lt"/>
+              <a:ea typeface="+mn-ea"/>
+              <a:cs typeface="+mn-cs"/>
+            </a:endParaRPr>
+          </a:p>
+          <a:p>
+            <a:pPr marL="1543050" lvl="3" indent="-171450" rtl="0" fontAlgn="ctr">
+              <a:buFont typeface="Arial" panose="020B0604020202020204" pitchFamily="34" charset="0"/>
+              <a:buChar char="•"/>
+            </a:pPr>
+            <a:r>
+              <a:rPr lang="en-US" sz="1200" b="0" i="0" kern="1200" dirty="0">
+                <a:solidFill>
+                  <a:schemeClr val="tx1"/>
+                </a:solidFill>
+                <a:effectLst/>
+                <a:latin typeface="+mn-lt"/>
+                <a:ea typeface="+mn-ea"/>
+                <a:cs typeface="+mn-cs"/>
+              </a:rPr>
+              <a:t>Restart</a:t>
+            </a:r>
+            <a:endParaRPr lang="en-US" sz="1400" b="0" i="0" kern="1200" dirty="0">
+              <a:solidFill>
+                <a:schemeClr val="tx1"/>
+              </a:solidFill>
+              <a:effectLst/>
+              <a:latin typeface="+mn-lt"/>
+              <a:ea typeface="+mn-ea"/>
+              <a:cs typeface="+mn-cs"/>
+            </a:endParaRPr>
+          </a:p>
+          <a:p>
+            <a:pPr marL="1543050" lvl="3" indent="-171450" rtl="0" fontAlgn="ctr">
+              <a:buFont typeface="Arial" panose="020B0604020202020204" pitchFamily="34" charset="0"/>
+              <a:buChar char="•"/>
+            </a:pPr>
+            <a:r>
+              <a:rPr lang="en-US" sz="1200" b="0" i="0" kern="1200" dirty="0">
+                <a:solidFill>
+                  <a:schemeClr val="tx1"/>
+                </a:solidFill>
+                <a:effectLst/>
+                <a:latin typeface="+mn-lt"/>
+                <a:ea typeface="+mn-ea"/>
+                <a:cs typeface="+mn-cs"/>
+              </a:rPr>
+              <a:t>Escalate</a:t>
+            </a:r>
+            <a:endParaRPr lang="en-US" sz="1400" b="0" i="0" kern="1200" dirty="0">
+              <a:solidFill>
+                <a:schemeClr val="tx1"/>
+              </a:solidFill>
+              <a:effectLst/>
+              <a:latin typeface="+mn-lt"/>
+              <a:ea typeface="+mn-ea"/>
+              <a:cs typeface="+mn-cs"/>
+            </a:endParaRPr>
+          </a:p>
+          <a:p>
+            <a:pPr marL="1543050" lvl="3" indent="-171450" rtl="0" fontAlgn="ctr">
+              <a:buFont typeface="Arial" panose="020B0604020202020204" pitchFamily="34" charset="0"/>
+              <a:buChar char="•"/>
+            </a:pPr>
+            <a:r>
+              <a:rPr lang="en-US" sz="1200" b="0" i="0" kern="1200" dirty="0">
+                <a:solidFill>
+                  <a:schemeClr val="tx1"/>
+                </a:solidFill>
+                <a:effectLst/>
+                <a:latin typeface="+mn-lt"/>
+                <a:ea typeface="+mn-ea"/>
+                <a:cs typeface="+mn-cs"/>
+              </a:rPr>
+              <a:t>Stop</a:t>
+            </a:r>
+            <a:endParaRPr lang="en-US" sz="1400" b="0" i="0" kern="1200" dirty="0">
+              <a:solidFill>
+                <a:schemeClr val="tx1"/>
+              </a:solidFill>
+              <a:effectLst/>
+              <a:latin typeface="+mn-lt"/>
+              <a:ea typeface="+mn-ea"/>
+              <a:cs typeface="+mn-cs"/>
+            </a:endParaRPr>
+          </a:p>
+          <a:p>
+            <a:pPr marL="1085850" lvl="2" indent="-171450" rtl="0" fontAlgn="ctr">
+              <a:buFont typeface="Arial" panose="020B0604020202020204" pitchFamily="34" charset="0"/>
+              <a:buChar char="•"/>
+            </a:pPr>
+            <a:r>
+              <a:rPr lang="en-US" sz="1200" b="0" i="0" kern="1200" dirty="0">
+                <a:solidFill>
+                  <a:schemeClr val="tx1"/>
+                </a:solidFill>
+                <a:effectLst/>
+                <a:latin typeface="+mn-lt"/>
+                <a:ea typeface="+mn-ea"/>
+                <a:cs typeface="+mn-cs"/>
+              </a:rPr>
+              <a:t>One for One (only the failing child is affected)</a:t>
+            </a:r>
+            <a:endParaRPr lang="en-US" sz="1400" b="0" i="0" kern="1200" dirty="0">
+              <a:solidFill>
+                <a:schemeClr val="tx1"/>
+              </a:solidFill>
+              <a:effectLst/>
+              <a:latin typeface="+mn-lt"/>
+              <a:ea typeface="+mn-ea"/>
+              <a:cs typeface="+mn-cs"/>
+            </a:endParaRPr>
+          </a:p>
+          <a:p>
+            <a:pPr marL="1543050" lvl="3" indent="-171450" rtl="0" fontAlgn="ctr">
+              <a:buFont typeface="Arial" panose="020B0604020202020204" pitchFamily="34" charset="0"/>
+              <a:buChar char="•"/>
+            </a:pPr>
+            <a:r>
+              <a:rPr lang="en-US" sz="1200" b="0" i="0" kern="1200" dirty="0">
+                <a:solidFill>
+                  <a:schemeClr val="tx1"/>
+                </a:solidFill>
+                <a:effectLst/>
+                <a:latin typeface="+mn-lt"/>
+                <a:ea typeface="+mn-ea"/>
+                <a:cs typeface="+mn-cs"/>
+              </a:rPr>
+              <a:t>Child /c1 fails</a:t>
+            </a:r>
+            <a:endParaRPr lang="en-US" sz="1400" b="0" i="0" kern="1200" dirty="0">
+              <a:solidFill>
+                <a:schemeClr val="tx1"/>
+              </a:solidFill>
+              <a:effectLst/>
+              <a:latin typeface="+mn-lt"/>
+              <a:ea typeface="+mn-ea"/>
+              <a:cs typeface="+mn-cs"/>
+            </a:endParaRPr>
+          </a:p>
+          <a:p>
+            <a:pPr marL="1543050" lvl="3" indent="-171450" rtl="0" fontAlgn="ctr">
+              <a:buFont typeface="Arial" panose="020B0604020202020204" pitchFamily="34" charset="0"/>
+              <a:buChar char="•"/>
+            </a:pPr>
+            <a:r>
+              <a:rPr lang="en-US" sz="1200" b="0" i="0" kern="1200" dirty="0">
+                <a:solidFill>
+                  <a:schemeClr val="tx1"/>
+                </a:solidFill>
+                <a:effectLst/>
+                <a:latin typeface="+mn-lt"/>
+                <a:ea typeface="+mn-ea"/>
+                <a:cs typeface="+mn-cs"/>
+              </a:rPr>
+              <a:t>That child gets restarted</a:t>
+            </a:r>
+            <a:endParaRPr lang="en-US" sz="1400" b="0" i="0" kern="1200" dirty="0">
+              <a:solidFill>
+                <a:schemeClr val="tx1"/>
+              </a:solidFill>
+              <a:effectLst/>
+              <a:latin typeface="+mn-lt"/>
+              <a:ea typeface="+mn-ea"/>
+              <a:cs typeface="+mn-cs"/>
+            </a:endParaRPr>
+          </a:p>
+          <a:p>
+            <a:pPr marL="1085850" lvl="2" indent="-171450" rtl="0" fontAlgn="ctr">
+              <a:buFont typeface="Arial" panose="020B0604020202020204" pitchFamily="34" charset="0"/>
+              <a:buChar char="•"/>
+            </a:pPr>
+            <a:r>
+              <a:rPr lang="en-US" sz="1200" b="0" i="0" kern="1200" dirty="0">
+                <a:solidFill>
+                  <a:schemeClr val="tx1"/>
+                </a:solidFill>
+                <a:effectLst/>
+                <a:latin typeface="+mn-lt"/>
+                <a:ea typeface="+mn-ea"/>
+                <a:cs typeface="+mn-cs"/>
+              </a:rPr>
+              <a:t>All for One (any failure and all children are affected)</a:t>
+            </a:r>
+            <a:endParaRPr lang="en-US" sz="1400" b="0" i="0" kern="1200" dirty="0">
+              <a:solidFill>
+                <a:schemeClr val="tx1"/>
+              </a:solidFill>
+              <a:effectLst/>
+              <a:latin typeface="+mn-lt"/>
+              <a:ea typeface="+mn-ea"/>
+              <a:cs typeface="+mn-cs"/>
+            </a:endParaRPr>
+          </a:p>
+          <a:p>
+            <a:pPr marL="1543050" lvl="3" indent="-171450" rtl="0" fontAlgn="ctr">
+              <a:buFont typeface="Arial" panose="020B0604020202020204" pitchFamily="34" charset="0"/>
+              <a:buChar char="•"/>
+            </a:pPr>
+            <a:r>
+              <a:rPr lang="en-US" sz="1200" b="0" i="0" kern="1200" dirty="0">
+                <a:solidFill>
+                  <a:schemeClr val="tx1"/>
+                </a:solidFill>
+                <a:effectLst/>
+                <a:latin typeface="+mn-lt"/>
+                <a:ea typeface="+mn-ea"/>
+                <a:cs typeface="+mn-cs"/>
+              </a:rPr>
+              <a:t>Child /c3 fails</a:t>
+            </a:r>
+            <a:endParaRPr lang="en-US" sz="1400" b="0" i="0" kern="1200" dirty="0">
+              <a:solidFill>
+                <a:schemeClr val="tx1"/>
+              </a:solidFill>
+              <a:effectLst/>
+              <a:latin typeface="+mn-lt"/>
+              <a:ea typeface="+mn-ea"/>
+              <a:cs typeface="+mn-cs"/>
+            </a:endParaRPr>
+          </a:p>
+          <a:p>
+            <a:pPr marL="1543050" lvl="3" indent="-171450" rtl="0" fontAlgn="ctr">
+              <a:buFont typeface="Arial" panose="020B0604020202020204" pitchFamily="34" charset="0"/>
+              <a:buChar char="•"/>
+            </a:pPr>
+            <a:r>
+              <a:rPr lang="en-US" sz="1200" b="0" i="0" kern="1200" dirty="0">
+                <a:solidFill>
+                  <a:schemeClr val="tx1"/>
+                </a:solidFill>
+                <a:effectLst/>
+                <a:latin typeface="+mn-lt"/>
+                <a:ea typeface="+mn-ea"/>
+                <a:cs typeface="+mn-cs"/>
+              </a:rPr>
+              <a:t>All children get restarted</a:t>
+            </a:r>
+            <a:endParaRPr lang="en-US" sz="1400" b="0" i="0" kern="1200" dirty="0">
+              <a:solidFill>
+                <a:schemeClr val="tx1"/>
+              </a:solidFill>
+              <a:effectLst/>
+              <a:latin typeface="+mn-lt"/>
+              <a:ea typeface="+mn-ea"/>
+              <a:cs typeface="+mn-cs"/>
+            </a:endParaRPr>
           </a:p>
           <a:p>
             <a:pPr marL="171450" indent="-171450">
@@ -3357,6 +3576,29 @@
               <a:buChar char="•"/>
             </a:pPr>
             <a:endParaRPr lang="en-US" baseline="0" dirty="0"/>
+          </a:p>
+          <a:p>
+            <a:pPr marL="0" indent="0">
+              <a:buFont typeface="Arial" panose="020B0604020202020204" pitchFamily="34" charset="0"/>
+              <a:buNone/>
+            </a:pPr>
+            <a:endParaRPr lang="en-US" baseline="0" dirty="0"/>
+          </a:p>
+          <a:p>
+            <a:pPr marL="0" indent="0">
+              <a:buFont typeface="Arial" panose="020B0604020202020204" pitchFamily="34" charset="0"/>
+              <a:buNone/>
+            </a:pPr>
+            <a:r>
+              <a:rPr lang="en-US" dirty="0">
+                <a:sym typeface="Wingdings" panose="05000000000000000000" pitchFamily="2" charset="2"/>
+              </a:rPr>
+              <a:t> Matt (supervisor strategies)</a:t>
+            </a:r>
+            <a:endParaRPr lang="en-US" dirty="0"/>
+          </a:p>
+          <a:p>
+            <a:endParaRPr lang="en-US" dirty="0"/>
           </a:p>
         </p:txBody>
       </p:sp>
@@ -3386,7 +3628,7 @@
     </p:spTree>
     <p:extLst>
       <p:ext uri="{BB962C8B-B14F-4D97-AF65-F5344CB8AC3E}">
-        <p14:creationId xmlns:p14="http://schemas.microsoft.com/office/powerpoint/2010/main" val="1651245788"/>
+        <p14:creationId xmlns:p14="http://schemas.microsoft.com/office/powerpoint/2010/main" val="2106592026"/>
       </p:ext>
     </p:extLst>
   </p:cSld>
@@ -3440,10 +3682,6 @@
           <a:bodyPr/>
           <a:lstStyle/>
           <a:p>
-            <a:pPr marL="0" indent="0">
-              <a:buFont typeface="Arial" panose="020B0604020202020204" pitchFamily="34" charset="0"/>
-              <a:buNone/>
-            </a:pPr>
             <a:endParaRPr lang="en-US" dirty="0"/>
           </a:p>
           <a:p>
@@ -3453,19 +3691,7 @@
             </a:pPr>
             <a:r>
               <a:rPr lang="en-US" dirty="0"/>
-              <a:t>Your </a:t>
-            </a:r>
-            <a:r>
-              <a:rPr lang="en-US" dirty="0" err="1"/>
-              <a:t>async</a:t>
-            </a:r>
-            <a:r>
-              <a:rPr lang="en-US" dirty="0"/>
-              <a:t> code</a:t>
-            </a:r>
-            <a:r>
-              <a:rPr lang="en-US" baseline="0" dirty="0"/>
-              <a:t> is probably terrible.</a:t>
+              <a:t>One for one</a:t>
             </a:r>
           </a:p>
           <a:p>
@@ -3474,16 +3700,8 @@
               <a:buChar char="•"/>
             </a:pPr>
             <a:r>
-              <a:rPr lang="en-US" baseline="0" dirty="0"/>
-              <a:t>This is </a:t>
-            </a:r>
-            <a:r>
-              <a:rPr lang="en-US" baseline="0" dirty="0" err="1"/>
-              <a:t>async</a:t>
-            </a:r>
-            <a:r>
-              <a:rPr lang="en-US" baseline="0" dirty="0"/>
-              <a:t> code without the cruft.</a:t>
+              <a:rPr lang="en-US" dirty="0"/>
+              <a:t>All for one</a:t>
             </a:r>
           </a:p>
           <a:p>
@@ -3492,13 +3710,20 @@
               <a:buChar char="•"/>
             </a:pPr>
             <a:r>
-              <a:rPr lang="en-US" baseline="0" dirty="0" err="1"/>
-              <a:t>Async</a:t>
+              <a:rPr lang="en-US" dirty="0"/>
+              <a:t>Custom</a:t>
             </a:r>
             <a:r>
               <a:rPr lang="en-US" baseline="0" dirty="0"/>
-              <a:t> is across threads, but this also works across machine boundaries</a:t>
-            </a:r>
+              <a:t> supervisory structures</a:t>
+            </a:r>
+          </a:p>
+          <a:p>
+            <a:pPr marL="171450" indent="-171450">
+              <a:buFont typeface="Arial" panose="020B0604020202020204" pitchFamily="34" charset="0"/>
+              <a:buChar char="•"/>
+            </a:pPr>
+            <a:endParaRPr lang="en-US" baseline="0" dirty="0"/>
           </a:p>
         </p:txBody>
       </p:sp>
@@ -3528,7 +3753,7 @@
     </p:spTree>
     <p:extLst>
       <p:ext uri="{BB962C8B-B14F-4D97-AF65-F5344CB8AC3E}">
-        <p14:creationId xmlns:p14="http://schemas.microsoft.com/office/powerpoint/2010/main" val="3607838435"/>
+        <p14:creationId xmlns:p14="http://schemas.microsoft.com/office/powerpoint/2010/main" val="1651245788"/>
       </p:ext>
     </p:extLst>
   </p:cSld>
@@ -3595,11 +3820,19 @@
             </a:pPr>
             <a:r>
               <a:rPr lang="en-US" dirty="0"/>
-              <a:t>Child</a:t>
+              <a:t>Your </a:t>
+            </a:r>
+            <a:r>
+              <a:rPr lang="en-US" dirty="0" err="1"/>
+              <a:t>async</a:t>
+            </a:r>
+            <a:r>
+              <a:rPr lang="en-US" dirty="0"/>
+              <a:t> code</a:t>
             </a:r>
             <a:r>
               <a:rPr lang="en-US" baseline="0" dirty="0"/>
-              <a:t> Actors / “Character” Actors</a:t>
+              <a:t> is probably terrible.</a:t>
             </a:r>
           </a:p>
           <a:p>
@@ -3609,7 +3842,15 @@
             </a:pPr>
             <a:r>
               <a:rPr lang="en-US" baseline="0" dirty="0"/>
-              <a:t>Scale out work across many actors</a:t>
+              <a:t>This is </a:t>
+            </a:r>
+            <a:r>
+              <a:rPr lang="en-US" baseline="0" dirty="0" err="1"/>
+              <a:t>async</a:t>
+            </a:r>
+            <a:r>
+              <a:rPr lang="en-US" baseline="0" dirty="0"/>
+              <a:t> code without the cruft.</a:t>
             </a:r>
           </a:p>
           <a:p>
@@ -3618,8 +3859,12 @@
               <a:buChar char="•"/>
             </a:pPr>
             <a:r>
+              <a:rPr lang="en-US" baseline="0" dirty="0" err="1"/>
+              <a:t>Async</a:t>
+            </a:r>
+            <a:r>
               <a:rPr lang="en-US" baseline="0" dirty="0"/>
-              <a:t>Push dangerous work down into child actors</a:t>
+              <a:t> is across threads, but this also works across machine boundaries</a:t>
             </a:r>
           </a:p>
         </p:txBody>
@@ -3650,7 +3895,7 @@
     </p:spTree>
     <p:extLst>
       <p:ext uri="{BB962C8B-B14F-4D97-AF65-F5344CB8AC3E}">
-        <p14:creationId xmlns:p14="http://schemas.microsoft.com/office/powerpoint/2010/main" val="1161727761"/>
+        <p14:creationId xmlns:p14="http://schemas.microsoft.com/office/powerpoint/2010/main" val="3607838435"/>
       </p:ext>
     </p:extLst>
   </p:cSld>
@@ -3717,11 +3962,11 @@
             </a:pPr>
             <a:r>
               <a:rPr lang="en-US" dirty="0"/>
-              <a:t>No</a:t>
+              <a:t>Child</a:t>
             </a:r>
             <a:r>
               <a:rPr lang="en-US" baseline="0" dirty="0"/>
-              <a:t> CPU usage unless a message is actually processing</a:t>
+              <a:t> Actors / “Character” Actors</a:t>
             </a:r>
           </a:p>
           <a:p>
@@ -3731,7 +3976,7 @@
             </a:pPr>
             <a:r>
               <a:rPr lang="en-US" baseline="0" dirty="0"/>
-              <a:t>Implementations vary but generally actors are memory efficient</a:t>
+              <a:t>Scale out work across many actors</a:t>
             </a:r>
           </a:p>
           <a:p>
@@ -3741,17 +3986,7 @@
             </a:pPr>
             <a:r>
               <a:rPr lang="en-US" baseline="0" dirty="0"/>
-              <a:t>JVM gets 2.5 million actors per GB of RAM</a:t>
-            </a:r>
-          </a:p>
-          <a:p>
-            <a:pPr marL="171450" indent="-171450">
-              <a:buFont typeface="Arial" panose="020B0604020202020204" pitchFamily="34" charset="0"/>
-              <a:buChar char="•"/>
-            </a:pPr>
-            <a:r>
-              <a:rPr lang="en-US" baseline="0" dirty="0"/>
-              <a:t>At last check, I think .NET is getting ~1 million per GB</a:t>
+              <a:t>Push dangerous work down into child actors</a:t>
             </a:r>
           </a:p>
         </p:txBody>
@@ -3782,7 +4017,7 @@
     </p:spTree>
     <p:extLst>
       <p:ext uri="{BB962C8B-B14F-4D97-AF65-F5344CB8AC3E}">
-        <p14:creationId xmlns:p14="http://schemas.microsoft.com/office/powerpoint/2010/main" val="1659423982"/>
+        <p14:creationId xmlns:p14="http://schemas.microsoft.com/office/powerpoint/2010/main" val="1161727761"/>
       </p:ext>
     </p:extLst>
   </p:cSld>
@@ -3836,7 +4071,55 @@
           <a:bodyPr/>
           <a:lstStyle/>
           <a:p>
+            <a:pPr marL="0" indent="0">
+              <a:buFont typeface="Arial" panose="020B0604020202020204" pitchFamily="34" charset="0"/>
+              <a:buNone/>
+            </a:pPr>
             <a:endParaRPr lang="en-US" dirty="0"/>
+          </a:p>
+          <a:p>
+            <a:pPr marL="171450" indent="-171450">
+              <a:buFont typeface="Arial" panose="020B0604020202020204" pitchFamily="34" charset="0"/>
+              <a:buChar char="•"/>
+            </a:pPr>
+            <a:r>
+              <a:rPr lang="en-US" dirty="0"/>
+              <a:t>No</a:t>
+            </a:r>
+            <a:r>
+              <a:rPr lang="en-US" baseline="0" dirty="0"/>
+              <a:t> CPU usage unless a message is actually processing</a:t>
+            </a:r>
+          </a:p>
+          <a:p>
+            <a:pPr marL="171450" indent="-171450">
+              <a:buFont typeface="Arial" panose="020B0604020202020204" pitchFamily="34" charset="0"/>
+              <a:buChar char="•"/>
+            </a:pPr>
+            <a:r>
+              <a:rPr lang="en-US" baseline="0" dirty="0"/>
+              <a:t>Implementations vary but generally actors are memory efficient</a:t>
+            </a:r>
+          </a:p>
+          <a:p>
+            <a:pPr marL="171450" indent="-171450">
+              <a:buFont typeface="Arial" panose="020B0604020202020204" pitchFamily="34" charset="0"/>
+              <a:buChar char="•"/>
+            </a:pPr>
+            <a:r>
+              <a:rPr lang="en-US" baseline="0" dirty="0"/>
+              <a:t>JVM gets 2.5 million actors per GB of RAM</a:t>
+            </a:r>
+          </a:p>
+          <a:p>
+            <a:pPr marL="171450" indent="-171450">
+              <a:buFont typeface="Arial" panose="020B0604020202020204" pitchFamily="34" charset="0"/>
+              <a:buChar char="•"/>
+            </a:pPr>
+            <a:r>
+              <a:rPr lang="en-US" baseline="0" dirty="0"/>
+              <a:t>At last check, I think .NET is getting ~1 million per GB</a:t>
+            </a:r>
           </a:p>
         </p:txBody>
       </p:sp>
@@ -3866,7 +4149,7 @@
     </p:spTree>
     <p:extLst>
       <p:ext uri="{BB962C8B-B14F-4D97-AF65-F5344CB8AC3E}">
-        <p14:creationId xmlns:p14="http://schemas.microsoft.com/office/powerpoint/2010/main" val="1890224610"/>
+        <p14:creationId xmlns:p14="http://schemas.microsoft.com/office/powerpoint/2010/main" val="1659423982"/>
       </p:ext>
     </p:extLst>
   </p:cSld>
@@ -3920,75 +4203,7 @@
           <a:bodyPr/>
           <a:lstStyle/>
           <a:p>
-            <a:pPr marL="0" indent="0">
-              <a:buFont typeface="Arial" panose="020B0604020202020204" pitchFamily="34" charset="0"/>
-              <a:buNone/>
-            </a:pPr>
             <a:endParaRPr lang="en-US" dirty="0"/>
-          </a:p>
-          <a:p>
-            <a:pPr marL="171450" indent="-171450">
-              <a:buFont typeface="Arial" panose="020B0604020202020204" pitchFamily="34" charset="0"/>
-              <a:buChar char="•"/>
-            </a:pPr>
-            <a:r>
-              <a:rPr lang="en-US" dirty="0"/>
-              <a:t>Become / </a:t>
-            </a:r>
-            <a:r>
-              <a:rPr lang="en-US" dirty="0" err="1"/>
-              <a:t>Unbecome</a:t>
-            </a:r>
-            <a:endParaRPr lang="en-US" dirty="0"/>
-          </a:p>
-          <a:p>
-            <a:pPr marL="171450" indent="-171450">
-              <a:buFont typeface="Arial" panose="020B0604020202020204" pitchFamily="34" charset="0"/>
-              <a:buChar char="•"/>
-            </a:pPr>
-            <a:r>
-              <a:rPr lang="en-US" dirty="0"/>
-              <a:t>Can change how it will process the</a:t>
-            </a:r>
-            <a:r>
-              <a:rPr lang="en-US" baseline="0" dirty="0"/>
-              <a:t> next incoming message.</a:t>
-            </a:r>
-          </a:p>
-          <a:p>
-            <a:pPr marL="171450" indent="-171450">
-              <a:buFont typeface="Arial" panose="020B0604020202020204" pitchFamily="34" charset="0"/>
-              <a:buChar char="•"/>
-            </a:pPr>
-            <a:endParaRPr lang="en-US" baseline="0" dirty="0"/>
-          </a:p>
-          <a:p>
-            <a:pPr marL="171450" indent="-171450" rtl="0" fontAlgn="ctr">
-              <a:buFont typeface="Arial" panose="020B0604020202020204" pitchFamily="34" charset="0"/>
-              <a:buChar char="•"/>
-            </a:pPr>
-            <a:r>
-              <a:rPr lang="en-US" sz="1200" b="0" i="0" kern="1200" dirty="0">
-                <a:solidFill>
-                  <a:schemeClr val="tx1"/>
-                </a:solidFill>
-                <a:effectLst/>
-                <a:latin typeface="+mn-lt"/>
-                <a:ea typeface="+mn-ea"/>
-                <a:cs typeface="+mn-cs"/>
-                <a:hlinkClick r:id="rId3"/>
-              </a:rPr>
-              <a:t>http://doc.akka.io/docs/akka/snapshot/scala/fsm.html</a:t>
-            </a:r>
-            <a:endParaRPr lang="en-US" sz="1200" b="0" i="0" kern="1200" dirty="0">
-              <a:solidFill>
-                <a:schemeClr val="tx1"/>
-              </a:solidFill>
-              <a:effectLst/>
-              <a:latin typeface="+mn-lt"/>
-              <a:ea typeface="+mn-ea"/>
-              <a:cs typeface="+mn-cs"/>
-            </a:endParaRPr>
           </a:p>
         </p:txBody>
       </p:sp>
@@ -4018,7 +4233,7 @@
     </p:spTree>
     <p:extLst>
       <p:ext uri="{BB962C8B-B14F-4D97-AF65-F5344CB8AC3E}">
-        <p14:creationId xmlns:p14="http://schemas.microsoft.com/office/powerpoint/2010/main" val="1722598827"/>
+        <p14:creationId xmlns:p14="http://schemas.microsoft.com/office/powerpoint/2010/main" val="1890224610"/>
       </p:ext>
     </p:extLst>
   </p:cSld>
@@ -4072,25 +4287,75 @@
           <a:bodyPr/>
           <a:lstStyle/>
           <a:p>
+            <a:pPr marL="0" indent="0">
+              <a:buFont typeface="Arial" panose="020B0604020202020204" pitchFamily="34" charset="0"/>
+              <a:buNone/>
+            </a:pPr>
             <a:endParaRPr lang="en-US" dirty="0"/>
           </a:p>
           <a:p>
+            <a:pPr marL="171450" indent="-171450">
+              <a:buFont typeface="Arial" panose="020B0604020202020204" pitchFamily="34" charset="0"/>
+              <a:buChar char="•"/>
+            </a:pPr>
             <a:r>
               <a:rPr lang="en-US" dirty="0"/>
-              <a:t>HOCON</a:t>
+              <a:t>Become / </a:t>
+            </a:r>
+            <a:r>
+              <a:rPr lang="en-US" dirty="0" err="1"/>
+              <a:t>Unbecome</a:t>
+            </a:r>
+            <a:endParaRPr lang="en-US" dirty="0"/>
+          </a:p>
+          <a:p>
+            <a:pPr marL="171450" indent="-171450">
+              <a:buFont typeface="Arial" panose="020B0604020202020204" pitchFamily="34" charset="0"/>
+              <a:buChar char="•"/>
+            </a:pPr>
+            <a:r>
+              <a:rPr lang="en-US" dirty="0"/>
+              <a:t>Can change how it will process the</a:t>
             </a:r>
             <a:r>
               <a:rPr lang="en-US" baseline="0" dirty="0"/>
-              <a:t> = Human-Optimized </a:t>
-            </a:r>
-            <a:r>
-              <a:rPr lang="en-US" baseline="0" dirty="0" err="1"/>
-              <a:t>Config</a:t>
-            </a:r>
-            <a:r>
-              <a:rPr lang="en-US" baseline="0" dirty="0"/>
-              <a:t> Object Notation </a:t>
-            </a:r>
+              <a:t> next incoming message.</a:t>
+            </a:r>
+          </a:p>
+          <a:p>
+            <a:pPr marL="171450" indent="-171450">
+              <a:buFont typeface="Arial" panose="020B0604020202020204" pitchFamily="34" charset="0"/>
+              <a:buChar char="•"/>
+            </a:pPr>
+            <a:endParaRPr lang="en-US" baseline="0" dirty="0"/>
+          </a:p>
+          <a:p>
+            <a:pPr marL="171450" indent="-171450" rtl="0" fontAlgn="ctr">
+              <a:buFont typeface="Arial" panose="020B0604020202020204" pitchFamily="34" charset="0"/>
+              <a:buChar char="•"/>
+            </a:pPr>
+            <a:r>
+              <a:rPr lang="en-US" sz="1200" b="0" i="0" kern="1200" dirty="0">
+                <a:solidFill>
+                  <a:schemeClr val="tx1"/>
+                </a:solidFill>
+                <a:effectLst/>
+                <a:latin typeface="+mn-lt"/>
+                <a:ea typeface="+mn-ea"/>
+                <a:cs typeface="+mn-cs"/>
+                <a:hlinkClick r:id="rId3"/>
+              </a:rPr>
+              <a:t>http://doc.akka.io/docs/akka/snapshot/scala/fsm.html</a:t>
+            </a:r>
+            <a:endParaRPr lang="en-US" sz="1200" b="0" i="0" kern="1200" dirty="0">
+              <a:solidFill>
+                <a:schemeClr val="tx1"/>
+              </a:solidFill>
+              <a:effectLst/>
+              <a:latin typeface="+mn-lt"/>
+              <a:ea typeface="+mn-ea"/>
+              <a:cs typeface="+mn-cs"/>
+            </a:endParaRPr>
           </a:p>
         </p:txBody>
       </p:sp>
@@ -4120,7 +4385,7 @@
     </p:spTree>
     <p:extLst>
       <p:ext uri="{BB962C8B-B14F-4D97-AF65-F5344CB8AC3E}">
-        <p14:creationId xmlns:p14="http://schemas.microsoft.com/office/powerpoint/2010/main" val="3722384639"/>
+        <p14:creationId xmlns:p14="http://schemas.microsoft.com/office/powerpoint/2010/main" val="1722598827"/>
       </p:ext>
     </p:extLst>
   </p:cSld>
@@ -4177,107 +4442,22 @@
             <a:endParaRPr lang="en-US" dirty="0"/>
           </a:p>
           <a:p>
-            <a:pPr marL="171450" indent="-171450" rtl="0" fontAlgn="ctr">
-              <a:buFont typeface="Arial" panose="020B0604020202020204" pitchFamily="34" charset="0"/>
-              <a:buChar char="•"/>
-            </a:pPr>
-            <a:r>
-              <a:rPr lang="en-US" sz="1200" b="0" i="0" kern="1200" dirty="0">
-                <a:solidFill>
-                  <a:schemeClr val="tx1"/>
-                </a:solidFill>
-                <a:effectLst/>
-                <a:latin typeface="+mn-lt"/>
-                <a:ea typeface="+mn-ea"/>
-                <a:cs typeface="+mn-cs"/>
-              </a:rPr>
-              <a:t>Single core (the 90's want their CPU back)</a:t>
-            </a:r>
-          </a:p>
-          <a:p>
-            <a:pPr marL="171450" indent="-171450" rtl="0" fontAlgn="ctr">
-              <a:buFont typeface="Arial" panose="020B0604020202020204" pitchFamily="34" charset="0"/>
-              <a:buChar char="•"/>
-            </a:pPr>
-            <a:r>
-              <a:rPr lang="en-US" sz="1200" b="0" i="0" kern="1200" dirty="0">
-                <a:solidFill>
-                  <a:schemeClr val="tx1"/>
-                </a:solidFill>
-                <a:effectLst/>
-                <a:latin typeface="+mn-lt"/>
-                <a:ea typeface="+mn-ea"/>
-                <a:cs typeface="+mn-cs"/>
-              </a:rPr>
-              <a:t>Multi core (2005 for the first dual core CPU; no help without OS support)</a:t>
-            </a:r>
-          </a:p>
-          <a:p>
-            <a:pPr marL="171450" indent="-171450" rtl="0" fontAlgn="ctr">
-              <a:buFont typeface="Arial" panose="020B0604020202020204" pitchFamily="34" charset="0"/>
-              <a:buChar char="•"/>
-            </a:pPr>
-            <a:r>
-              <a:rPr lang="en-US" sz="1200" b="0" i="0" kern="1200" dirty="0">
-                <a:solidFill>
-                  <a:schemeClr val="tx1"/>
-                </a:solidFill>
-                <a:effectLst/>
-                <a:latin typeface="+mn-lt"/>
-                <a:ea typeface="+mn-ea"/>
-                <a:cs typeface="+mn-cs"/>
-              </a:rPr>
-              <a:t>Scale up (TPL available in framework 4.0, </a:t>
-            </a:r>
-            <a:r>
-              <a:rPr lang="en-US" sz="1200" b="0" i="0" kern="1200" dirty="0" err="1">
-                <a:solidFill>
-                  <a:schemeClr val="tx1"/>
-                </a:solidFill>
-                <a:effectLst/>
-                <a:latin typeface="+mn-lt"/>
-                <a:ea typeface="+mn-ea"/>
-                <a:cs typeface="+mn-cs"/>
-              </a:rPr>
-              <a:t>async</a:t>
-            </a:r>
-            <a:r>
-              <a:rPr lang="en-US" sz="1200" b="0" i="0" kern="1200" dirty="0">
-                <a:solidFill>
-                  <a:schemeClr val="tx1"/>
-                </a:solidFill>
-                <a:effectLst/>
-                <a:latin typeface="+mn-lt"/>
-                <a:ea typeface="+mn-ea"/>
-                <a:cs typeface="+mn-cs"/>
-              </a:rPr>
-              <a:t>/await)</a:t>
-            </a:r>
-          </a:p>
-          <a:p>
-            <a:pPr marL="171450" indent="-171450" rtl="0" fontAlgn="ctr">
-              <a:buFont typeface="Arial" panose="020B0604020202020204" pitchFamily="34" charset="0"/>
-              <a:buChar char="•"/>
-            </a:pPr>
-            <a:r>
-              <a:rPr lang="en-US" sz="1200" b="0" i="0" kern="1200" dirty="0">
-                <a:solidFill>
-                  <a:schemeClr val="tx1"/>
-                </a:solidFill>
-                <a:effectLst/>
-                <a:latin typeface="+mn-lt"/>
-                <a:ea typeface="+mn-ea"/>
-                <a:cs typeface="+mn-cs"/>
-              </a:rPr>
-              <a:t>Scale out (SOA)</a:t>
-            </a:r>
-          </a:p>
-          <a:p>
-            <a:pPr marL="0" indent="0">
-              <a:buFont typeface="Wingdings" panose="05000000000000000000" pitchFamily="2" charset="2"/>
-              <a:buNone/>
-            </a:pPr>
-            <a:endParaRPr lang="en-US" dirty="0"/>
+            <a:r>
+              <a:rPr lang="en-US" dirty="0"/>
+              <a:t>HOCON</a:t>
+            </a:r>
+            <a:r>
+              <a:rPr lang="en-US" baseline="0" dirty="0"/>
+              <a:t> = Human-Optimized </a:t>
+            </a:r>
+            <a:r>
+              <a:rPr lang="en-US" baseline="0" dirty="0" err="1"/>
+              <a:t>Config</a:t>
+            </a:r>
+            <a:r>
+              <a:rPr lang="en-US" baseline="0" dirty="0"/>
+              <a:t> Object Notation </a:t>
+            </a:r>
           </a:p>
         </p:txBody>
       </p:sp>
@@ -4307,7 +4487,7 @@
     </p:spTree>
     <p:extLst>
       <p:ext uri="{BB962C8B-B14F-4D97-AF65-F5344CB8AC3E}">
-        <p14:creationId xmlns:p14="http://schemas.microsoft.com/office/powerpoint/2010/main" val="2310260775"/>
+        <p14:creationId xmlns:p14="http://schemas.microsoft.com/office/powerpoint/2010/main" val="3722384639"/>
       </p:ext>
     </p:extLst>
   </p:cSld>
@@ -4447,6 +4627,109 @@
           <a:p>
             <a:endParaRPr lang="en-US" dirty="0"/>
           </a:p>
+          <a:p>
+            <a:pPr marL="171450" indent="-171450" rtl="0" fontAlgn="ctr">
+              <a:buFont typeface="Arial" panose="020B0604020202020204" pitchFamily="34" charset="0"/>
+              <a:buChar char="•"/>
+            </a:pPr>
+            <a:r>
+              <a:rPr lang="en-US" sz="1200" b="0" i="0" kern="1200" dirty="0">
+                <a:solidFill>
+                  <a:schemeClr val="tx1"/>
+                </a:solidFill>
+                <a:effectLst/>
+                <a:latin typeface="+mn-lt"/>
+                <a:ea typeface="+mn-ea"/>
+                <a:cs typeface="+mn-cs"/>
+              </a:rPr>
+              <a:t>Single core (the 90's want their CPU back)</a:t>
+            </a:r>
+          </a:p>
+          <a:p>
+            <a:pPr marL="171450" indent="-171450" rtl="0" fontAlgn="ctr">
+              <a:buFont typeface="Arial" panose="020B0604020202020204" pitchFamily="34" charset="0"/>
+              <a:buChar char="•"/>
+            </a:pPr>
+            <a:r>
+              <a:rPr lang="en-US" sz="1200" b="0" i="0" kern="1200" dirty="0">
+                <a:solidFill>
+                  <a:schemeClr val="tx1"/>
+                </a:solidFill>
+                <a:effectLst/>
+                <a:latin typeface="+mn-lt"/>
+                <a:ea typeface="+mn-ea"/>
+                <a:cs typeface="+mn-cs"/>
+              </a:rPr>
+              <a:t>Multi core (2005 for the first dual core CPU; no help without OS support)</a:t>
+            </a:r>
+          </a:p>
+          <a:p>
+            <a:pPr marL="171450" indent="-171450" rtl="0" fontAlgn="ctr">
+              <a:buFont typeface="Arial" panose="020B0604020202020204" pitchFamily="34" charset="0"/>
+              <a:buChar char="•"/>
+            </a:pPr>
+            <a:r>
+              <a:rPr lang="en-US" sz="1200" b="0" i="0" kern="1200" dirty="0">
+                <a:solidFill>
+                  <a:schemeClr val="tx1"/>
+                </a:solidFill>
+                <a:effectLst/>
+                <a:latin typeface="+mn-lt"/>
+                <a:ea typeface="+mn-ea"/>
+                <a:cs typeface="+mn-cs"/>
+              </a:rPr>
+              <a:t>Scale up (TPL available in framework 4.0, </a:t>
+            </a:r>
+            <a:r>
+              <a:rPr lang="en-US" sz="1200" b="0" i="0" kern="1200" dirty="0" err="1">
+                <a:solidFill>
+                  <a:schemeClr val="tx1"/>
+                </a:solidFill>
+                <a:effectLst/>
+                <a:latin typeface="+mn-lt"/>
+                <a:ea typeface="+mn-ea"/>
+                <a:cs typeface="+mn-cs"/>
+              </a:rPr>
+              <a:t>async</a:t>
+            </a:r>
+            <a:r>
+              <a:rPr lang="en-US" sz="1200" b="0" i="0" kern="1200" dirty="0">
+                <a:solidFill>
+                  <a:schemeClr val="tx1"/>
+                </a:solidFill>
+                <a:effectLst/>
+                <a:latin typeface="+mn-lt"/>
+                <a:ea typeface="+mn-ea"/>
+                <a:cs typeface="+mn-cs"/>
+              </a:rPr>
+              <a:t>/await)</a:t>
+            </a:r>
+          </a:p>
+          <a:p>
+            <a:pPr marL="171450" indent="-171450" rtl="0" fontAlgn="ctr">
+              <a:buFont typeface="Arial" panose="020B0604020202020204" pitchFamily="34" charset="0"/>
+              <a:buChar char="•"/>
+            </a:pPr>
+            <a:r>
+              <a:rPr lang="en-US" sz="1200" b="0" i="0" kern="1200" dirty="0">
+                <a:solidFill>
+                  <a:schemeClr val="tx1"/>
+                </a:solidFill>
+                <a:effectLst/>
+                <a:latin typeface="+mn-lt"/>
+                <a:ea typeface="+mn-ea"/>
+                <a:cs typeface="+mn-cs"/>
+              </a:rPr>
+              <a:t>Scale out (SOA)</a:t>
+            </a:r>
+          </a:p>
+          <a:p>
+            <a:pPr marL="0" indent="0">
+              <a:buFont typeface="Wingdings" panose="05000000000000000000" pitchFamily="2" charset="2"/>
+              <a:buNone/>
+            </a:pPr>
+            <a:endParaRPr lang="en-US" dirty="0"/>
+          </a:p>
         </p:txBody>
       </p:sp>
       <p:sp>
@@ -4475,7 +4758,7 @@
     </p:spTree>
     <p:extLst>
       <p:ext uri="{BB962C8B-B14F-4D97-AF65-F5344CB8AC3E}">
-        <p14:creationId xmlns:p14="http://schemas.microsoft.com/office/powerpoint/2010/main" val="458712478"/>
+        <p14:creationId xmlns:p14="http://schemas.microsoft.com/office/powerpoint/2010/main" val="2310260775"/>
       </p:ext>
     </p:extLst>
   </p:cSld>
@@ -4559,7 +4842,7 @@
     </p:spTree>
     <p:extLst>
       <p:ext uri="{BB962C8B-B14F-4D97-AF65-F5344CB8AC3E}">
-        <p14:creationId xmlns:p14="http://schemas.microsoft.com/office/powerpoint/2010/main" val="3825109971"/>
+        <p14:creationId xmlns:p14="http://schemas.microsoft.com/office/powerpoint/2010/main" val="458712478"/>
       </p:ext>
     </p:extLst>
   </p:cSld>
@@ -4643,7 +4926,7 @@
     </p:spTree>
     <p:extLst>
       <p:ext uri="{BB962C8B-B14F-4D97-AF65-F5344CB8AC3E}">
-        <p14:creationId xmlns:p14="http://schemas.microsoft.com/office/powerpoint/2010/main" val="975776633"/>
+        <p14:creationId xmlns:p14="http://schemas.microsoft.com/office/powerpoint/2010/main" val="3825109971"/>
       </p:ext>
     </p:extLst>
   </p:cSld>
@@ -4697,7 +4980,7 @@
           <a:bodyPr/>
           <a:lstStyle/>
           <a:p>
-            <a:endParaRPr lang="sv-SE" dirty="0"/>
+            <a:endParaRPr lang="en-US" dirty="0"/>
           </a:p>
         </p:txBody>
       </p:sp>
@@ -4716,18 +4999,18 @@
           <a:bodyPr/>
           <a:lstStyle/>
           <a:p>
-            <a:fld id="{E3DB16A6-5F47-4FA9-BA4D-2BDC853A44B1}" type="slidenum">
-              <a:rPr lang="sv-SE" smtClean="0"/>
+            <a:fld id="{D4C47EB6-B919-4FB3-9341-FE04BD40B358}" type="slidenum">
+              <a:rPr lang="en-US" smtClean="0"/>
               <a:t>33</a:t>
             </a:fld>
-            <a:endParaRPr lang="sv-SE"/>
+            <a:endParaRPr lang="en-US"/>
           </a:p>
         </p:txBody>
       </p:sp>
     </p:spTree>
     <p:extLst>
       <p:ext uri="{BB962C8B-B14F-4D97-AF65-F5344CB8AC3E}">
-        <p14:creationId xmlns:p14="http://schemas.microsoft.com/office/powerpoint/2010/main" val="1587048603"/>
+        <p14:creationId xmlns:p14="http://schemas.microsoft.com/office/powerpoint/2010/main" val="975776633"/>
       </p:ext>
     </p:extLst>
   </p:cSld>
@@ -4781,48 +5064,7 @@
           <a:bodyPr/>
           <a:lstStyle/>
           <a:p>
-            <a:pPr marL="171450" indent="-171450">
-              <a:buFont typeface="Arial" panose="020B0604020202020204" pitchFamily="34" charset="0"/>
-              <a:buChar char="•"/>
-            </a:pPr>
-            <a:r>
-              <a:rPr lang="en-US" dirty="0"/>
-              <a:t>Important</a:t>
-            </a:r>
-            <a:r>
-              <a:rPr lang="en-US" baseline="0" dirty="0"/>
-              <a:t> point that Roger makes in his presentation</a:t>
-            </a:r>
-          </a:p>
-          <a:p>
-            <a:pPr marL="171450" indent="-171450">
-              <a:buFont typeface="Arial" panose="020B0604020202020204" pitchFamily="34" charset="0"/>
-              <a:buChar char="•"/>
-            </a:pPr>
-            <a:r>
-              <a:rPr lang="en-US" baseline="0" dirty="0"/>
-              <a:t>It’s really just code that you write</a:t>
-            </a:r>
-          </a:p>
-          <a:p>
-            <a:pPr marL="171450" indent="-171450">
-              <a:buFont typeface="Arial" panose="020B0604020202020204" pitchFamily="34" charset="0"/>
-              <a:buChar char="•"/>
-            </a:pPr>
-            <a:r>
-              <a:rPr lang="en-US" baseline="0" dirty="0"/>
-              <a:t>Whether you want to scale up to more cores or out to more machines, why should that code have to change?</a:t>
-            </a:r>
-          </a:p>
-          <a:p>
-            <a:pPr marL="171450" indent="-171450">
-              <a:buFont typeface="Arial" panose="020B0604020202020204" pitchFamily="34" charset="0"/>
-              <a:buChar char="•"/>
-            </a:pPr>
-            <a:r>
-              <a:rPr lang="en-US" baseline="0" dirty="0"/>
-              <a:t>Akka.NET is built to enable you to run any of your actors anywhere. Another core? No problem. Another machine? No problem.</a:t>
-            </a:r>
+            <a:endParaRPr lang="sv-SE" dirty="0"/>
           </a:p>
         </p:txBody>
       </p:sp>
@@ -4841,18 +5083,18 @@
           <a:bodyPr/>
           <a:lstStyle/>
           <a:p>
-            <a:fld id="{D4C47EB6-B919-4FB3-9341-FE04BD40B358}" type="slidenum">
-              <a:rPr lang="en-US" smtClean="0"/>
+            <a:fld id="{E3DB16A6-5F47-4FA9-BA4D-2BDC853A44B1}" type="slidenum">
+              <a:rPr lang="sv-SE" smtClean="0"/>
               <a:t>34</a:t>
             </a:fld>
-            <a:endParaRPr lang="en-US"/>
+            <a:endParaRPr lang="sv-SE"/>
           </a:p>
         </p:txBody>
       </p:sp>
     </p:spTree>
     <p:extLst>
       <p:ext uri="{BB962C8B-B14F-4D97-AF65-F5344CB8AC3E}">
-        <p14:creationId xmlns:p14="http://schemas.microsoft.com/office/powerpoint/2010/main" val="3416667075"/>
+        <p14:creationId xmlns:p14="http://schemas.microsoft.com/office/powerpoint/2010/main" val="1587048603"/>
       </p:ext>
     </p:extLst>
   </p:cSld>
@@ -4906,24 +5148,17 @@
           <a:bodyPr/>
           <a:lstStyle/>
           <a:p>
-            <a:pPr marL="0" indent="0">
-              <a:buFont typeface="Arial" panose="020B0604020202020204" pitchFamily="34" charset="0"/>
-              <a:buNone/>
-            </a:pPr>
-            <a:endParaRPr lang="en-US" dirty="0"/>
-          </a:p>
-          <a:p>
             <a:pPr marL="171450" indent="-171450">
               <a:buFont typeface="Arial" panose="020B0604020202020204" pitchFamily="34" charset="0"/>
               <a:buChar char="•"/>
             </a:pPr>
             <a:r>
               <a:rPr lang="en-US" dirty="0"/>
-              <a:t>Hello</a:t>
+              <a:t>Important</a:t>
             </a:r>
             <a:r>
               <a:rPr lang="en-US" baseline="0" dirty="0"/>
-              <a:t> world</a:t>
+              <a:t> point that Roger makes in his presentation</a:t>
             </a:r>
           </a:p>
           <a:p>
@@ -4933,7 +5168,7 @@
             </a:pPr>
             <a:r>
               <a:rPr lang="en-US" baseline="0" dirty="0"/>
-              <a:t>Supervision / Failure</a:t>
+              <a:t>It’s really just code that you write</a:t>
             </a:r>
           </a:p>
           <a:p>
@@ -4942,8 +5177,18 @@
               <a:buChar char="•"/>
             </a:pPr>
             <a:r>
-              <a:rPr lang="en-US" dirty="0"/>
-              <a:t>Routing &amp; Remoting</a:t>
+              <a:rPr lang="en-US" baseline="0" dirty="0"/>
+              <a:t>Whether you want to scale up to more cores or out to more machines, why should that code have to change?</a:t>
+            </a:r>
+          </a:p>
+          <a:p>
+            <a:pPr marL="171450" indent="-171450">
+              <a:buFont typeface="Arial" panose="020B0604020202020204" pitchFamily="34" charset="0"/>
+              <a:buChar char="•"/>
+            </a:pPr>
+            <a:r>
+              <a:rPr lang="en-US" baseline="0" dirty="0"/>
+              <a:t>Akka.NET is built to enable you to run any of your actors anywhere. Another core? No problem. Another machine? No problem.</a:t>
             </a:r>
           </a:p>
         </p:txBody>
@@ -4974,7 +5219,7 @@
     </p:spTree>
     <p:extLst>
       <p:ext uri="{BB962C8B-B14F-4D97-AF65-F5344CB8AC3E}">
-        <p14:creationId xmlns:p14="http://schemas.microsoft.com/office/powerpoint/2010/main" val="2971494511"/>
+        <p14:creationId xmlns:p14="http://schemas.microsoft.com/office/powerpoint/2010/main" val="3416667075"/>
       </p:ext>
     </p:extLst>
   </p:cSld>
@@ -5035,612 +5280,38 @@
             <a:endParaRPr lang="en-US" dirty="0"/>
           </a:p>
           <a:p>
-            <a:pPr marL="171450" indent="-171450" rtl="0" fontAlgn="ctr">
+            <a:pPr marL="171450" indent="-171450">
               <a:buFont typeface="Arial" panose="020B0604020202020204" pitchFamily="34" charset="0"/>
               <a:buChar char="•"/>
             </a:pPr>
             <a:r>
-              <a:rPr lang="en-US" sz="1200" b="0" i="0" kern="1200" dirty="0">
-                <a:solidFill>
-                  <a:schemeClr val="tx1"/>
-                </a:solidFill>
-                <a:effectLst/>
-                <a:latin typeface="+mn-lt"/>
-                <a:ea typeface="+mn-ea"/>
-                <a:cs typeface="+mn-cs"/>
-              </a:rPr>
-              <a:t>Persistence (</a:t>
-            </a:r>
-            <a:r>
-              <a:rPr lang="en-US" sz="1200" b="0" i="0" kern="1200" dirty="0">
-                <a:solidFill>
-                  <a:schemeClr val="tx1"/>
-                </a:solidFill>
-                <a:effectLst/>
-                <a:latin typeface="+mn-lt"/>
-                <a:ea typeface="+mn-ea"/>
-                <a:cs typeface="+mn-cs"/>
-                <a:hlinkClick r:id="rId3"/>
-              </a:rPr>
-              <a:t>http://getakka.net/docs/Persistence</a:t>
-            </a:r>
-            <a:r>
-              <a:rPr lang="en-US" sz="1200" b="0" i="0" kern="1200" dirty="0">
-                <a:solidFill>
-                  <a:schemeClr val="tx1"/>
-                </a:solidFill>
-                <a:effectLst/>
-                <a:latin typeface="+mn-lt"/>
-                <a:ea typeface="+mn-ea"/>
-                <a:cs typeface="+mn-cs"/>
-              </a:rPr>
-              <a:t>)</a:t>
-            </a:r>
-            <a:endParaRPr lang="en-US" sz="1400" b="0" i="0" kern="1200" dirty="0">
-              <a:solidFill>
-                <a:schemeClr val="tx1"/>
-              </a:solidFill>
-              <a:effectLst/>
-              <a:latin typeface="+mn-lt"/>
-              <a:ea typeface="+mn-ea"/>
-              <a:cs typeface="+mn-cs"/>
-            </a:endParaRPr>
-          </a:p>
-          <a:p>
-            <a:pPr marL="628650" lvl="1" indent="-171450" rtl="0" fontAlgn="ctr">
+              <a:rPr lang="en-US" dirty="0"/>
+              <a:t>Hello</a:t>
+            </a:r>
+            <a:r>
+              <a:rPr lang="en-US" baseline="0" dirty="0"/>
+              <a:t> world</a:t>
+            </a:r>
+          </a:p>
+          <a:p>
+            <a:pPr marL="171450" indent="-171450">
               <a:buFont typeface="Arial" panose="020B0604020202020204" pitchFamily="34" charset="0"/>
               <a:buChar char="•"/>
             </a:pPr>
             <a:r>
-              <a:rPr lang="en-US" sz="1200" b="0" i="0" kern="1200" dirty="0" err="1">
-                <a:solidFill>
-                  <a:schemeClr val="tx1"/>
-                </a:solidFill>
-                <a:effectLst/>
-                <a:latin typeface="+mn-lt"/>
-                <a:ea typeface="+mn-ea"/>
-                <a:cs typeface="+mn-cs"/>
-              </a:rPr>
-              <a:t>PersistentActor</a:t>
-            </a:r>
-            <a:r>
-              <a:rPr lang="en-US" sz="1200" b="0" i="0" kern="1200" dirty="0">
-                <a:solidFill>
-                  <a:schemeClr val="tx1"/>
-                </a:solidFill>
-                <a:effectLst/>
-                <a:latin typeface="+mn-lt"/>
-                <a:ea typeface="+mn-ea"/>
-                <a:cs typeface="+mn-cs"/>
-              </a:rPr>
-              <a:t> base class</a:t>
-            </a:r>
-            <a:endParaRPr lang="en-US" sz="1400" b="0" i="0" kern="1200" dirty="0">
-              <a:solidFill>
-                <a:schemeClr val="tx1"/>
-              </a:solidFill>
-              <a:effectLst/>
-              <a:latin typeface="+mn-lt"/>
-              <a:ea typeface="+mn-ea"/>
-              <a:cs typeface="+mn-cs"/>
-            </a:endParaRPr>
-          </a:p>
-          <a:p>
-            <a:pPr marL="628650" lvl="1" indent="-171450" rtl="0" fontAlgn="ctr">
+              <a:rPr lang="en-US" baseline="0" dirty="0"/>
+              <a:t>Supervision / Failure</a:t>
+            </a:r>
+          </a:p>
+          <a:p>
+            <a:pPr marL="171450" indent="-171450">
               <a:buFont typeface="Arial" panose="020B0604020202020204" pitchFamily="34" charset="0"/>
               <a:buChar char="•"/>
             </a:pPr>
             <a:r>
-              <a:rPr lang="en-US" sz="1200" b="0" i="0" kern="1200" dirty="0">
-                <a:solidFill>
-                  <a:schemeClr val="tx1"/>
-                </a:solidFill>
-                <a:effectLst/>
-                <a:latin typeface="+mn-lt"/>
-                <a:ea typeface="+mn-ea"/>
-                <a:cs typeface="+mn-cs"/>
-              </a:rPr>
-              <a:t>Journal of events</a:t>
-            </a:r>
-            <a:endParaRPr lang="en-US" sz="1400" b="0" i="0" kern="1200" dirty="0">
-              <a:solidFill>
-                <a:schemeClr val="tx1"/>
-              </a:solidFill>
-              <a:effectLst/>
-              <a:latin typeface="+mn-lt"/>
-              <a:ea typeface="+mn-ea"/>
-              <a:cs typeface="+mn-cs"/>
-            </a:endParaRPr>
-          </a:p>
-          <a:p>
-            <a:pPr marL="628650" lvl="1" indent="-171450" rtl="0" fontAlgn="ctr">
-              <a:buFont typeface="Arial" panose="020B0604020202020204" pitchFamily="34" charset="0"/>
-              <a:buChar char="•"/>
-            </a:pPr>
-            <a:r>
-              <a:rPr lang="en-US" sz="1200" b="0" i="0" kern="1200" dirty="0">
-                <a:solidFill>
-                  <a:schemeClr val="tx1"/>
-                </a:solidFill>
-                <a:effectLst/>
-                <a:latin typeface="+mn-lt"/>
-                <a:ea typeface="+mn-ea"/>
-                <a:cs typeface="+mn-cs"/>
-              </a:rPr>
-              <a:t>Snapshots of internal actor state</a:t>
-            </a:r>
-            <a:endParaRPr lang="en-US" sz="1400" b="0" i="0" kern="1200" dirty="0">
-              <a:solidFill>
-                <a:schemeClr val="tx1"/>
-              </a:solidFill>
-              <a:effectLst/>
-              <a:latin typeface="+mn-lt"/>
-              <a:ea typeface="+mn-ea"/>
-              <a:cs typeface="+mn-cs"/>
-            </a:endParaRPr>
-          </a:p>
-          <a:p>
-            <a:pPr marL="171450" indent="-171450" rtl="0" fontAlgn="ctr">
-              <a:buFont typeface="Arial" panose="020B0604020202020204" pitchFamily="34" charset="0"/>
-              <a:buChar char="•"/>
-            </a:pPr>
-            <a:r>
-              <a:rPr lang="en-US" sz="1200" b="0" i="0" kern="1200" dirty="0">
-                <a:solidFill>
-                  <a:schemeClr val="tx1"/>
-                </a:solidFill>
-                <a:effectLst/>
-                <a:latin typeface="+mn-lt"/>
-                <a:ea typeface="+mn-ea"/>
-                <a:cs typeface="+mn-cs"/>
-              </a:rPr>
-              <a:t>Clustering</a:t>
-            </a:r>
-            <a:endParaRPr lang="en-US" sz="1400" b="0" i="0" kern="1200" dirty="0">
-              <a:solidFill>
-                <a:schemeClr val="tx1"/>
-              </a:solidFill>
-              <a:effectLst/>
-              <a:latin typeface="+mn-lt"/>
-              <a:ea typeface="+mn-ea"/>
-              <a:cs typeface="+mn-cs"/>
-            </a:endParaRPr>
-          </a:p>
-          <a:p>
-            <a:pPr marL="628650" lvl="1" indent="-171450" rtl="0" fontAlgn="ctr">
-              <a:buFont typeface="Arial" panose="020B0604020202020204" pitchFamily="34" charset="0"/>
-              <a:buChar char="•"/>
-            </a:pPr>
-            <a:r>
-              <a:rPr lang="en-US" sz="1200" b="0" i="0" kern="1200" dirty="0">
-                <a:solidFill>
-                  <a:schemeClr val="tx1"/>
-                </a:solidFill>
-                <a:effectLst/>
-                <a:latin typeface="+mn-lt"/>
-                <a:ea typeface="+mn-ea"/>
-                <a:cs typeface="+mn-cs"/>
-              </a:rPr>
-              <a:t>Add or remove nodes without adjusting configuration or code</a:t>
-            </a:r>
-            <a:endParaRPr lang="en-US" sz="1400" b="0" i="0" kern="1200" dirty="0">
-              <a:solidFill>
-                <a:schemeClr val="tx1"/>
-              </a:solidFill>
-              <a:effectLst/>
-              <a:latin typeface="+mn-lt"/>
-              <a:ea typeface="+mn-ea"/>
-              <a:cs typeface="+mn-cs"/>
-            </a:endParaRPr>
-          </a:p>
-          <a:p>
-            <a:pPr marL="628650" lvl="1" indent="-171450" rtl="0" fontAlgn="ctr">
-              <a:buFont typeface="Arial" panose="020B0604020202020204" pitchFamily="34" charset="0"/>
-              <a:buChar char="•"/>
-            </a:pPr>
-            <a:r>
-              <a:rPr lang="en-US" sz="1200" b="0" i="0" kern="1200" dirty="0">
-                <a:solidFill>
-                  <a:schemeClr val="tx1"/>
-                </a:solidFill>
-                <a:effectLst/>
-                <a:latin typeface="+mn-lt"/>
-                <a:ea typeface="+mn-ea"/>
-                <a:cs typeface="+mn-cs"/>
-              </a:rPr>
-              <a:t>Scale out across multiple processes or machines</a:t>
-            </a:r>
-            <a:endParaRPr lang="en-US" sz="1400" b="0" i="0" kern="1200" dirty="0">
-              <a:solidFill>
-                <a:schemeClr val="tx1"/>
-              </a:solidFill>
-              <a:effectLst/>
-              <a:latin typeface="+mn-lt"/>
-              <a:ea typeface="+mn-ea"/>
-              <a:cs typeface="+mn-cs"/>
-            </a:endParaRPr>
-          </a:p>
-          <a:p>
-            <a:pPr marL="628650" lvl="1" indent="-171450" rtl="0" fontAlgn="ctr">
-              <a:buFont typeface="Arial" panose="020B0604020202020204" pitchFamily="34" charset="0"/>
-              <a:buChar char="•"/>
-            </a:pPr>
-            <a:r>
-              <a:rPr lang="en-US" sz="1200" b="0" i="0" kern="1200" dirty="0">
-                <a:solidFill>
-                  <a:schemeClr val="tx1"/>
-                </a:solidFill>
-                <a:effectLst/>
-                <a:latin typeface="+mn-lt"/>
-                <a:ea typeface="+mn-ea"/>
-                <a:cs typeface="+mn-cs"/>
-              </a:rPr>
-              <a:t>Peer to peer networking between servers</a:t>
-            </a:r>
-            <a:endParaRPr lang="en-US" sz="1400" b="0" i="0" kern="1200" dirty="0">
-              <a:solidFill>
-                <a:schemeClr val="tx1"/>
-              </a:solidFill>
-              <a:effectLst/>
-              <a:latin typeface="+mn-lt"/>
-              <a:ea typeface="+mn-ea"/>
-              <a:cs typeface="+mn-cs"/>
-            </a:endParaRPr>
-          </a:p>
-          <a:p>
-            <a:pPr marL="1085850" lvl="2" indent="-171450" rtl="0" fontAlgn="ctr">
-              <a:buFont typeface="Arial" panose="020B0604020202020204" pitchFamily="34" charset="0"/>
-              <a:buChar char="•"/>
-            </a:pPr>
-            <a:r>
-              <a:rPr lang="en-US" sz="1200" b="0" i="0" kern="1200" dirty="0">
-                <a:solidFill>
-                  <a:schemeClr val="tx1"/>
-                </a:solidFill>
-                <a:effectLst/>
-                <a:latin typeface="+mn-lt"/>
-                <a:ea typeface="+mn-ea"/>
-                <a:cs typeface="+mn-cs"/>
-              </a:rPr>
-              <a:t>Seed nodes</a:t>
-            </a:r>
-            <a:endParaRPr lang="en-US" sz="1400" b="0" i="0" kern="1200" dirty="0">
-              <a:solidFill>
-                <a:schemeClr val="tx1"/>
-              </a:solidFill>
-              <a:effectLst/>
-              <a:latin typeface="+mn-lt"/>
-              <a:ea typeface="+mn-ea"/>
-              <a:cs typeface="+mn-cs"/>
-            </a:endParaRPr>
-          </a:p>
-          <a:p>
-            <a:pPr marL="1085850" lvl="2" indent="-171450" rtl="0" fontAlgn="ctr">
-              <a:buFont typeface="Arial" panose="020B0604020202020204" pitchFamily="34" charset="0"/>
-              <a:buChar char="•"/>
-            </a:pPr>
-            <a:r>
-              <a:rPr lang="en-US" sz="1200" b="0" i="0" kern="1200" dirty="0">
-                <a:solidFill>
-                  <a:schemeClr val="tx1"/>
-                </a:solidFill>
-                <a:effectLst/>
-                <a:latin typeface="+mn-lt"/>
-                <a:ea typeface="+mn-ea"/>
-                <a:cs typeface="+mn-cs"/>
-              </a:rPr>
-              <a:t>Gossip protocol</a:t>
-            </a:r>
-            <a:endParaRPr lang="en-US" sz="1400" b="0" i="0" kern="1200" dirty="0">
-              <a:solidFill>
-                <a:schemeClr val="tx1"/>
-              </a:solidFill>
-              <a:effectLst/>
-              <a:latin typeface="+mn-lt"/>
-              <a:ea typeface="+mn-ea"/>
-              <a:cs typeface="+mn-cs"/>
-            </a:endParaRPr>
-          </a:p>
-          <a:p>
-            <a:pPr marL="628650" lvl="1" indent="-171450" rtl="0" fontAlgn="ctr">
-              <a:buFont typeface="Arial" panose="020B0604020202020204" pitchFamily="34" charset="0"/>
-              <a:buChar char="•"/>
-            </a:pPr>
-            <a:r>
-              <a:rPr lang="en-US" sz="1200" b="0" i="0" kern="1200" dirty="0">
-                <a:solidFill>
-                  <a:schemeClr val="tx1"/>
-                </a:solidFill>
-                <a:effectLst/>
-                <a:latin typeface="+mn-lt"/>
-                <a:ea typeface="+mn-ea"/>
-                <a:cs typeface="+mn-cs"/>
-              </a:rPr>
-              <a:t>Makes scaling out trivial</a:t>
-            </a:r>
-            <a:endParaRPr lang="en-US" sz="1400" b="0" i="0" kern="1200" dirty="0">
-              <a:solidFill>
-                <a:schemeClr val="tx1"/>
-              </a:solidFill>
-              <a:effectLst/>
-              <a:latin typeface="+mn-lt"/>
-              <a:ea typeface="+mn-ea"/>
-              <a:cs typeface="+mn-cs"/>
-            </a:endParaRPr>
-          </a:p>
-          <a:p>
-            <a:pPr marL="171450" indent="-171450" rtl="0" fontAlgn="ctr">
-              <a:buFont typeface="Arial" panose="020B0604020202020204" pitchFamily="34" charset="0"/>
-              <a:buChar char="•"/>
-            </a:pPr>
-            <a:r>
-              <a:rPr lang="en-US" sz="1200" b="0" i="0" kern="1200" dirty="0">
-                <a:solidFill>
-                  <a:schemeClr val="tx1"/>
-                </a:solidFill>
-                <a:effectLst/>
-                <a:latin typeface="+mn-lt"/>
-                <a:ea typeface="+mn-ea"/>
-                <a:cs typeface="+mn-cs"/>
-              </a:rPr>
-              <a:t>Poison Pills</a:t>
-            </a:r>
-            <a:endParaRPr lang="en-US" sz="1400" b="0" i="0" kern="1200" dirty="0">
-              <a:solidFill>
-                <a:schemeClr val="tx1"/>
-              </a:solidFill>
-              <a:effectLst/>
-              <a:latin typeface="+mn-lt"/>
-              <a:ea typeface="+mn-ea"/>
-              <a:cs typeface="+mn-cs"/>
-            </a:endParaRPr>
-          </a:p>
-          <a:p>
-            <a:pPr marL="628650" lvl="1" indent="-171450" rtl="0" fontAlgn="ctr">
-              <a:buFont typeface="Arial" panose="020B0604020202020204" pitchFamily="34" charset="0"/>
-              <a:buChar char="•"/>
-            </a:pPr>
-            <a:r>
-              <a:rPr lang="en-US" sz="1200" b="0" i="0" kern="1200" dirty="0">
-                <a:solidFill>
-                  <a:schemeClr val="tx1"/>
-                </a:solidFill>
-                <a:effectLst/>
-                <a:latin typeface="+mn-lt"/>
-                <a:ea typeface="+mn-ea"/>
-                <a:cs typeface="+mn-cs"/>
-              </a:rPr>
-              <a:t>Queued as an ordinary message</a:t>
-            </a:r>
-            <a:endParaRPr lang="en-US" sz="1400" b="0" i="0" kern="1200" dirty="0">
-              <a:solidFill>
-                <a:schemeClr val="tx1"/>
-              </a:solidFill>
-              <a:effectLst/>
-              <a:latin typeface="+mn-lt"/>
-              <a:ea typeface="+mn-ea"/>
-              <a:cs typeface="+mn-cs"/>
-            </a:endParaRPr>
-          </a:p>
-          <a:p>
-            <a:pPr marL="628650" lvl="1" indent="-171450" rtl="0" fontAlgn="ctr">
-              <a:buFont typeface="Arial" panose="020B0604020202020204" pitchFamily="34" charset="0"/>
-              <a:buChar char="•"/>
-            </a:pPr>
-            <a:r>
-              <a:rPr lang="en-US" sz="1200" b="0" i="0" kern="1200" dirty="0">
-                <a:solidFill>
-                  <a:schemeClr val="tx1"/>
-                </a:solidFill>
-                <a:effectLst/>
-                <a:latin typeface="+mn-lt"/>
-                <a:ea typeface="+mn-ea"/>
-                <a:cs typeface="+mn-cs"/>
-              </a:rPr>
-              <a:t>Stops actor when processed</a:t>
-            </a:r>
-            <a:endParaRPr lang="en-US" sz="1400" b="0" i="0" kern="1200" dirty="0">
-              <a:solidFill>
-                <a:schemeClr val="tx1"/>
-              </a:solidFill>
-              <a:effectLst/>
-              <a:latin typeface="+mn-lt"/>
-              <a:ea typeface="+mn-ea"/>
-              <a:cs typeface="+mn-cs"/>
-            </a:endParaRPr>
-          </a:p>
-          <a:p>
-            <a:pPr marL="171450" indent="-171450" rtl="0" fontAlgn="ctr">
-              <a:buFont typeface="Arial" panose="020B0604020202020204" pitchFamily="34" charset="0"/>
-              <a:buChar char="•"/>
-            </a:pPr>
-            <a:r>
-              <a:rPr lang="en-US" sz="1200" b="0" i="0" kern="1200" dirty="0">
-                <a:solidFill>
-                  <a:schemeClr val="tx1"/>
-                </a:solidFill>
-                <a:effectLst/>
-                <a:latin typeface="+mn-lt"/>
-                <a:ea typeface="+mn-ea"/>
-                <a:cs typeface="+mn-cs"/>
-              </a:rPr>
-              <a:t>Dead letters</a:t>
-            </a:r>
-            <a:endParaRPr lang="en-US" sz="1400" b="0" i="0" kern="1200" dirty="0">
-              <a:solidFill>
-                <a:schemeClr val="tx1"/>
-              </a:solidFill>
-              <a:effectLst/>
-              <a:latin typeface="+mn-lt"/>
-              <a:ea typeface="+mn-ea"/>
-              <a:cs typeface="+mn-cs"/>
-            </a:endParaRPr>
-          </a:p>
-          <a:p>
-            <a:pPr marL="628650" lvl="1" indent="-171450" rtl="0" fontAlgn="ctr">
-              <a:buFont typeface="Arial" panose="020B0604020202020204" pitchFamily="34" charset="0"/>
-              <a:buChar char="•"/>
-            </a:pPr>
-            <a:r>
-              <a:rPr lang="en-US" sz="1200" b="0" i="0" kern="1200" dirty="0">
-                <a:solidFill>
-                  <a:schemeClr val="tx1"/>
-                </a:solidFill>
-                <a:effectLst/>
-                <a:latin typeface="+mn-lt"/>
-                <a:ea typeface="+mn-ea"/>
-                <a:cs typeface="+mn-cs"/>
-              </a:rPr>
-              <a:t>When actor terminates all messages in its mailbox get sent to dead letters</a:t>
-            </a:r>
-            <a:endParaRPr lang="en-US" sz="1400" b="0" i="0" kern="1200" dirty="0">
-              <a:solidFill>
-                <a:schemeClr val="tx1"/>
-              </a:solidFill>
-              <a:effectLst/>
-              <a:latin typeface="+mn-lt"/>
-              <a:ea typeface="+mn-ea"/>
-              <a:cs typeface="+mn-cs"/>
-            </a:endParaRPr>
-          </a:p>
-          <a:p>
-            <a:pPr marL="628650" lvl="1" indent="-171450" rtl="0" fontAlgn="ctr">
-              <a:buFont typeface="Arial" panose="020B0604020202020204" pitchFamily="34" charset="0"/>
-              <a:buChar char="•"/>
-            </a:pPr>
-            <a:r>
-              <a:rPr lang="en-US" sz="1200" b="0" i="0" kern="1200" dirty="0">
-                <a:solidFill>
-                  <a:schemeClr val="tx1"/>
-                </a:solidFill>
-                <a:effectLst/>
-                <a:latin typeface="+mn-lt"/>
-                <a:ea typeface="+mn-ea"/>
-                <a:cs typeface="+mn-cs"/>
-              </a:rPr>
-              <a:t>New messages to terminated actor will be redirected to dead letters</a:t>
-            </a:r>
-            <a:endParaRPr lang="en-US" sz="1400" b="0" i="0" kern="1200" dirty="0">
-              <a:solidFill>
-                <a:schemeClr val="tx1"/>
-              </a:solidFill>
-              <a:effectLst/>
-              <a:latin typeface="+mn-lt"/>
-              <a:ea typeface="+mn-ea"/>
-              <a:cs typeface="+mn-cs"/>
-            </a:endParaRPr>
-          </a:p>
-          <a:p>
-            <a:pPr marL="628650" lvl="1" indent="-171450" rtl="0" fontAlgn="ctr">
-              <a:buFont typeface="Arial" panose="020B0604020202020204" pitchFamily="34" charset="0"/>
-              <a:buChar char="•"/>
-            </a:pPr>
-            <a:r>
-              <a:rPr lang="en-US" sz="1200" b="0" i="0" kern="1200" dirty="0">
-                <a:solidFill>
-                  <a:schemeClr val="tx1"/>
-                </a:solidFill>
-                <a:effectLst/>
-                <a:latin typeface="+mn-lt"/>
-                <a:ea typeface="+mn-ea"/>
-                <a:cs typeface="+mn-cs"/>
-              </a:rPr>
-              <a:t>Done as best effort - not guaranteed!!!</a:t>
-            </a:r>
-            <a:endParaRPr lang="en-US" sz="1400" b="0" i="0" kern="1200" dirty="0">
-              <a:solidFill>
-                <a:schemeClr val="tx1"/>
-              </a:solidFill>
-              <a:effectLst/>
-              <a:latin typeface="+mn-lt"/>
-              <a:ea typeface="+mn-ea"/>
-              <a:cs typeface="+mn-cs"/>
-            </a:endParaRPr>
-          </a:p>
-          <a:p>
-            <a:pPr marL="628650" lvl="1" indent="-171450" rtl="0" fontAlgn="ctr">
-              <a:buFont typeface="Arial" panose="020B0604020202020204" pitchFamily="34" charset="0"/>
-              <a:buChar char="•"/>
-            </a:pPr>
-            <a:r>
-              <a:rPr lang="en-US" sz="1200" b="0" i="0" kern="1200" dirty="0">
-                <a:solidFill>
-                  <a:schemeClr val="tx1"/>
-                </a:solidFill>
-                <a:effectLst/>
-                <a:latin typeface="+mn-lt"/>
-                <a:ea typeface="+mn-ea"/>
-                <a:cs typeface="+mn-cs"/>
-              </a:rPr>
-              <a:t>Most useful for testing</a:t>
-            </a:r>
-            <a:endParaRPr lang="en-US" sz="1400" b="0" i="0" kern="1200" dirty="0">
-              <a:solidFill>
-                <a:schemeClr val="tx1"/>
-              </a:solidFill>
-              <a:effectLst/>
-              <a:latin typeface="+mn-lt"/>
-              <a:ea typeface="+mn-ea"/>
-              <a:cs typeface="+mn-cs"/>
-            </a:endParaRPr>
-          </a:p>
-          <a:p>
-            <a:pPr marL="171450" indent="-171450" rtl="0" fontAlgn="ctr">
-              <a:buFont typeface="Arial" panose="020B0604020202020204" pitchFamily="34" charset="0"/>
-              <a:buChar char="•"/>
-            </a:pPr>
-            <a:r>
-              <a:rPr lang="en-US" sz="1200" b="0" i="0" kern="1200" dirty="0">
-                <a:solidFill>
-                  <a:schemeClr val="tx1"/>
-                </a:solidFill>
-                <a:effectLst/>
-                <a:latin typeface="+mn-lt"/>
-                <a:ea typeface="+mn-ea"/>
-                <a:cs typeface="+mn-cs"/>
-              </a:rPr>
-              <a:t>Service Bus interoperability</a:t>
-            </a:r>
-            <a:r>
-              <a:rPr lang="en-US" sz="1200" b="0" i="0" kern="1200" baseline="0" dirty="0">
-                <a:solidFill>
-                  <a:schemeClr val="tx1"/>
-                </a:solidFill>
-                <a:effectLst/>
-                <a:latin typeface="+mn-lt"/>
-                <a:ea typeface="+mn-ea"/>
-                <a:cs typeface="+mn-cs"/>
-              </a:rPr>
-              <a:t> – makes a great endpoint for either receiving messages from a service bus or posting out to it.</a:t>
-            </a:r>
-            <a:endParaRPr lang="en-US" baseline="0" dirty="0"/>
-          </a:p>
-          <a:p>
-            <a:pPr marL="0" lvl="0" indent="0">
-              <a:buFont typeface="Arial" panose="020B0604020202020204" pitchFamily="34" charset="0"/>
-              <a:buNone/>
-            </a:pPr>
-            <a:endParaRPr lang="en-US" baseline="0" dirty="0"/>
-          </a:p>
-          <a:p>
-            <a:pPr marL="0" lvl="0" indent="0">
-              <a:buFont typeface="Arial" panose="020B0604020202020204" pitchFamily="34" charset="0"/>
-              <a:buNone/>
-            </a:pPr>
-            <a:endParaRPr lang="en-US" baseline="0" dirty="0"/>
-          </a:p>
-          <a:p>
-            <a:pPr marL="0" lvl="0" indent="0">
-              <a:buFont typeface="Arial" panose="020B0604020202020204" pitchFamily="34" charset="0"/>
-              <a:buNone/>
-            </a:pPr>
-            <a:r>
-              <a:rPr lang="en-US" baseline="0" dirty="0">
-                <a:sym typeface="Wingdings" panose="05000000000000000000" pitchFamily="2" charset="2"/>
-              </a:rPr>
-              <a:t> Sean (“Want more?”)</a:t>
-            </a:r>
-            <a:endParaRPr lang="en-US" baseline="0" dirty="0"/>
+              <a:rPr lang="en-US" dirty="0"/>
+              <a:t>Routing &amp; Remoting</a:t>
+            </a:r>
           </a:p>
         </p:txBody>
       </p:sp>
@@ -5670,7 +5341,7 @@
     </p:spTree>
     <p:extLst>
       <p:ext uri="{BB962C8B-B14F-4D97-AF65-F5344CB8AC3E}">
-        <p14:creationId xmlns:p14="http://schemas.microsoft.com/office/powerpoint/2010/main" val="2842977699"/>
+        <p14:creationId xmlns:p14="http://schemas.microsoft.com/office/powerpoint/2010/main" val="2971494511"/>
       </p:ext>
     </p:extLst>
   </p:cSld>
@@ -5724,28 +5395,619 @@
           <a:bodyPr/>
           <a:lstStyle/>
           <a:p>
-            <a:endParaRPr lang="en-US" dirty="0"/>
-          </a:p>
-          <a:p>
-            <a:pPr marL="171450" indent="-171450">
-              <a:buFont typeface="Arial" panose="020B0604020202020204" pitchFamily="34" charset="0"/>
-              <a:buChar char="•"/>
-            </a:pPr>
-            <a:r>
-              <a:rPr lang="en-US" dirty="0"/>
-              <a:t>It’s open source – jump in</a:t>
-            </a:r>
-            <a:r>
-              <a:rPr lang="en-US" baseline="0" dirty="0"/>
-              <a:t> (I did! Tell my quick story).</a:t>
-            </a:r>
-          </a:p>
-          <a:p>
             <a:pPr marL="0" indent="0">
               <a:buFont typeface="Arial" panose="020B0604020202020204" pitchFamily="34" charset="0"/>
               <a:buNone/>
             </a:pPr>
             <a:endParaRPr lang="en-US" dirty="0"/>
+          </a:p>
+          <a:p>
+            <a:pPr marL="171450" indent="-171450" rtl="0" fontAlgn="ctr">
+              <a:buFont typeface="Arial" panose="020B0604020202020204" pitchFamily="34" charset="0"/>
+              <a:buChar char="•"/>
+            </a:pPr>
+            <a:r>
+              <a:rPr lang="en-US" sz="1200" b="0" i="0" kern="1200" dirty="0">
+                <a:solidFill>
+                  <a:schemeClr val="tx1"/>
+                </a:solidFill>
+                <a:effectLst/>
+                <a:latin typeface="+mn-lt"/>
+                <a:ea typeface="+mn-ea"/>
+                <a:cs typeface="+mn-cs"/>
+              </a:rPr>
+              <a:t>Persistence (</a:t>
+            </a:r>
+            <a:r>
+              <a:rPr lang="en-US" sz="1200" b="0" i="0" kern="1200" dirty="0">
+                <a:solidFill>
+                  <a:schemeClr val="tx1"/>
+                </a:solidFill>
+                <a:effectLst/>
+                <a:latin typeface="+mn-lt"/>
+                <a:ea typeface="+mn-ea"/>
+                <a:cs typeface="+mn-cs"/>
+                <a:hlinkClick r:id="rId3"/>
+              </a:rPr>
+              <a:t>http://getakka.net/docs/Persistence</a:t>
+            </a:r>
+            <a:r>
+              <a:rPr lang="en-US" sz="1200" b="0" i="0" kern="1200" dirty="0">
+                <a:solidFill>
+                  <a:schemeClr val="tx1"/>
+                </a:solidFill>
+                <a:effectLst/>
+                <a:latin typeface="+mn-lt"/>
+                <a:ea typeface="+mn-ea"/>
+                <a:cs typeface="+mn-cs"/>
+              </a:rPr>
+              <a:t>)</a:t>
+            </a:r>
+            <a:endParaRPr lang="en-US" sz="1400" b="0" i="0" kern="1200" dirty="0">
+              <a:solidFill>
+                <a:schemeClr val="tx1"/>
+              </a:solidFill>
+              <a:effectLst/>
+              <a:latin typeface="+mn-lt"/>
+              <a:ea typeface="+mn-ea"/>
+              <a:cs typeface="+mn-cs"/>
+            </a:endParaRPr>
+          </a:p>
+          <a:p>
+            <a:pPr marL="628650" lvl="1" indent="-171450" rtl="0" fontAlgn="ctr">
+              <a:buFont typeface="Arial" panose="020B0604020202020204" pitchFamily="34" charset="0"/>
+              <a:buChar char="•"/>
+            </a:pPr>
+            <a:r>
+              <a:rPr lang="en-US" sz="1200" b="0" i="0" kern="1200" dirty="0" err="1">
+                <a:solidFill>
+                  <a:schemeClr val="tx1"/>
+                </a:solidFill>
+                <a:effectLst/>
+                <a:latin typeface="+mn-lt"/>
+                <a:ea typeface="+mn-ea"/>
+                <a:cs typeface="+mn-cs"/>
+              </a:rPr>
+              <a:t>PersistentActor</a:t>
+            </a:r>
+            <a:r>
+              <a:rPr lang="en-US" sz="1200" b="0" i="0" kern="1200" dirty="0">
+                <a:solidFill>
+                  <a:schemeClr val="tx1"/>
+                </a:solidFill>
+                <a:effectLst/>
+                <a:latin typeface="+mn-lt"/>
+                <a:ea typeface="+mn-ea"/>
+                <a:cs typeface="+mn-cs"/>
+              </a:rPr>
+              <a:t> base class</a:t>
+            </a:r>
+            <a:endParaRPr lang="en-US" sz="1400" b="0" i="0" kern="1200" dirty="0">
+              <a:solidFill>
+                <a:schemeClr val="tx1"/>
+              </a:solidFill>
+              <a:effectLst/>
+              <a:latin typeface="+mn-lt"/>
+              <a:ea typeface="+mn-ea"/>
+              <a:cs typeface="+mn-cs"/>
+            </a:endParaRPr>
+          </a:p>
+          <a:p>
+            <a:pPr marL="628650" lvl="1" indent="-171450" rtl="0" fontAlgn="ctr">
+              <a:buFont typeface="Arial" panose="020B0604020202020204" pitchFamily="34" charset="0"/>
+              <a:buChar char="•"/>
+            </a:pPr>
+            <a:r>
+              <a:rPr lang="en-US" sz="1200" b="0" i="0" kern="1200" dirty="0">
+                <a:solidFill>
+                  <a:schemeClr val="tx1"/>
+                </a:solidFill>
+                <a:effectLst/>
+                <a:latin typeface="+mn-lt"/>
+                <a:ea typeface="+mn-ea"/>
+                <a:cs typeface="+mn-cs"/>
+              </a:rPr>
+              <a:t>Journal of events</a:t>
+            </a:r>
+            <a:endParaRPr lang="en-US" sz="1400" b="0" i="0" kern="1200" dirty="0">
+              <a:solidFill>
+                <a:schemeClr val="tx1"/>
+              </a:solidFill>
+              <a:effectLst/>
+              <a:latin typeface="+mn-lt"/>
+              <a:ea typeface="+mn-ea"/>
+              <a:cs typeface="+mn-cs"/>
+            </a:endParaRPr>
+          </a:p>
+          <a:p>
+            <a:pPr marL="628650" lvl="1" indent="-171450" rtl="0" fontAlgn="ctr">
+              <a:buFont typeface="Arial" panose="020B0604020202020204" pitchFamily="34" charset="0"/>
+              <a:buChar char="•"/>
+            </a:pPr>
+            <a:r>
+              <a:rPr lang="en-US" sz="1200" b="0" i="0" kern="1200" dirty="0">
+                <a:solidFill>
+                  <a:schemeClr val="tx1"/>
+                </a:solidFill>
+                <a:effectLst/>
+                <a:latin typeface="+mn-lt"/>
+                <a:ea typeface="+mn-ea"/>
+                <a:cs typeface="+mn-cs"/>
+              </a:rPr>
+              <a:t>Snapshots of internal actor state</a:t>
+            </a:r>
+            <a:endParaRPr lang="en-US" sz="1400" b="0" i="0" kern="1200" dirty="0">
+              <a:solidFill>
+                <a:schemeClr val="tx1"/>
+              </a:solidFill>
+              <a:effectLst/>
+              <a:latin typeface="+mn-lt"/>
+              <a:ea typeface="+mn-ea"/>
+              <a:cs typeface="+mn-cs"/>
+            </a:endParaRPr>
+          </a:p>
+          <a:p>
+            <a:pPr marL="171450" indent="-171450" rtl="0" fontAlgn="ctr">
+              <a:buFont typeface="Arial" panose="020B0604020202020204" pitchFamily="34" charset="0"/>
+              <a:buChar char="•"/>
+            </a:pPr>
+            <a:r>
+              <a:rPr lang="en-US" sz="1200" b="0" i="0" kern="1200" dirty="0">
+                <a:solidFill>
+                  <a:schemeClr val="tx1"/>
+                </a:solidFill>
+                <a:effectLst/>
+                <a:latin typeface="+mn-lt"/>
+                <a:ea typeface="+mn-ea"/>
+                <a:cs typeface="+mn-cs"/>
+              </a:rPr>
+              <a:t>Clustering</a:t>
+            </a:r>
+            <a:endParaRPr lang="en-US" sz="1400" b="0" i="0" kern="1200" dirty="0">
+              <a:solidFill>
+                <a:schemeClr val="tx1"/>
+              </a:solidFill>
+              <a:effectLst/>
+              <a:latin typeface="+mn-lt"/>
+              <a:ea typeface="+mn-ea"/>
+              <a:cs typeface="+mn-cs"/>
+            </a:endParaRPr>
+          </a:p>
+          <a:p>
+            <a:pPr marL="628650" lvl="1" indent="-171450" rtl="0" fontAlgn="ctr">
+              <a:buFont typeface="Arial" panose="020B0604020202020204" pitchFamily="34" charset="0"/>
+              <a:buChar char="•"/>
+            </a:pPr>
+            <a:r>
+              <a:rPr lang="en-US" sz="1200" b="0" i="0" kern="1200" dirty="0">
+                <a:solidFill>
+                  <a:schemeClr val="tx1"/>
+                </a:solidFill>
+                <a:effectLst/>
+                <a:latin typeface="+mn-lt"/>
+                <a:ea typeface="+mn-ea"/>
+                <a:cs typeface="+mn-cs"/>
+              </a:rPr>
+              <a:t>Add or remove nodes without adjusting configuration or code</a:t>
+            </a:r>
+            <a:endParaRPr lang="en-US" sz="1400" b="0" i="0" kern="1200" dirty="0">
+              <a:solidFill>
+                <a:schemeClr val="tx1"/>
+              </a:solidFill>
+              <a:effectLst/>
+              <a:latin typeface="+mn-lt"/>
+              <a:ea typeface="+mn-ea"/>
+              <a:cs typeface="+mn-cs"/>
+            </a:endParaRPr>
+          </a:p>
+          <a:p>
+            <a:pPr marL="628650" lvl="1" indent="-171450" rtl="0" fontAlgn="ctr">
+              <a:buFont typeface="Arial" panose="020B0604020202020204" pitchFamily="34" charset="0"/>
+              <a:buChar char="•"/>
+            </a:pPr>
+            <a:r>
+              <a:rPr lang="en-US" sz="1200" b="0" i="0" kern="1200" dirty="0">
+                <a:solidFill>
+                  <a:schemeClr val="tx1"/>
+                </a:solidFill>
+                <a:effectLst/>
+                <a:latin typeface="+mn-lt"/>
+                <a:ea typeface="+mn-ea"/>
+                <a:cs typeface="+mn-cs"/>
+              </a:rPr>
+              <a:t>Scale out across multiple processes or machines</a:t>
+            </a:r>
+            <a:endParaRPr lang="en-US" sz="1400" b="0" i="0" kern="1200" dirty="0">
+              <a:solidFill>
+                <a:schemeClr val="tx1"/>
+              </a:solidFill>
+              <a:effectLst/>
+              <a:latin typeface="+mn-lt"/>
+              <a:ea typeface="+mn-ea"/>
+              <a:cs typeface="+mn-cs"/>
+            </a:endParaRPr>
+          </a:p>
+          <a:p>
+            <a:pPr marL="628650" lvl="1" indent="-171450" rtl="0" fontAlgn="ctr">
+              <a:buFont typeface="Arial" panose="020B0604020202020204" pitchFamily="34" charset="0"/>
+              <a:buChar char="•"/>
+            </a:pPr>
+            <a:r>
+              <a:rPr lang="en-US" sz="1200" b="0" i="0" kern="1200" dirty="0">
+                <a:solidFill>
+                  <a:schemeClr val="tx1"/>
+                </a:solidFill>
+                <a:effectLst/>
+                <a:latin typeface="+mn-lt"/>
+                <a:ea typeface="+mn-ea"/>
+                <a:cs typeface="+mn-cs"/>
+              </a:rPr>
+              <a:t>Peer to peer networking between servers</a:t>
+            </a:r>
+            <a:endParaRPr lang="en-US" sz="1400" b="0" i="0" kern="1200" dirty="0">
+              <a:solidFill>
+                <a:schemeClr val="tx1"/>
+              </a:solidFill>
+              <a:effectLst/>
+              <a:latin typeface="+mn-lt"/>
+              <a:ea typeface="+mn-ea"/>
+              <a:cs typeface="+mn-cs"/>
+            </a:endParaRPr>
+          </a:p>
+          <a:p>
+            <a:pPr marL="1085850" lvl="2" indent="-171450" rtl="0" fontAlgn="ctr">
+              <a:buFont typeface="Arial" panose="020B0604020202020204" pitchFamily="34" charset="0"/>
+              <a:buChar char="•"/>
+            </a:pPr>
+            <a:r>
+              <a:rPr lang="en-US" sz="1200" b="0" i="0" kern="1200" dirty="0">
+                <a:solidFill>
+                  <a:schemeClr val="tx1"/>
+                </a:solidFill>
+                <a:effectLst/>
+                <a:latin typeface="+mn-lt"/>
+                <a:ea typeface="+mn-ea"/>
+                <a:cs typeface="+mn-cs"/>
+              </a:rPr>
+              <a:t>Seed nodes</a:t>
+            </a:r>
+            <a:endParaRPr lang="en-US" sz="1400" b="0" i="0" kern="1200" dirty="0">
+              <a:solidFill>
+                <a:schemeClr val="tx1"/>
+              </a:solidFill>
+              <a:effectLst/>
+              <a:latin typeface="+mn-lt"/>
+              <a:ea typeface="+mn-ea"/>
+              <a:cs typeface="+mn-cs"/>
+            </a:endParaRPr>
+          </a:p>
+          <a:p>
+            <a:pPr marL="1085850" lvl="2" indent="-171450" rtl="0" fontAlgn="ctr">
+              <a:buFont typeface="Arial" panose="020B0604020202020204" pitchFamily="34" charset="0"/>
+              <a:buChar char="•"/>
+            </a:pPr>
+            <a:r>
+              <a:rPr lang="en-US" sz="1200" b="0" i="0" kern="1200" dirty="0">
+                <a:solidFill>
+                  <a:schemeClr val="tx1"/>
+                </a:solidFill>
+                <a:effectLst/>
+                <a:latin typeface="+mn-lt"/>
+                <a:ea typeface="+mn-ea"/>
+                <a:cs typeface="+mn-cs"/>
+              </a:rPr>
+              <a:t>Gossip protocol</a:t>
+            </a:r>
+            <a:endParaRPr lang="en-US" sz="1400" b="0" i="0" kern="1200" dirty="0">
+              <a:solidFill>
+                <a:schemeClr val="tx1"/>
+              </a:solidFill>
+              <a:effectLst/>
+              <a:latin typeface="+mn-lt"/>
+              <a:ea typeface="+mn-ea"/>
+              <a:cs typeface="+mn-cs"/>
+            </a:endParaRPr>
+          </a:p>
+          <a:p>
+            <a:pPr marL="628650" lvl="1" indent="-171450" rtl="0" fontAlgn="ctr">
+              <a:buFont typeface="Arial" panose="020B0604020202020204" pitchFamily="34" charset="0"/>
+              <a:buChar char="•"/>
+            </a:pPr>
+            <a:r>
+              <a:rPr lang="en-US" sz="1200" b="0" i="0" kern="1200" dirty="0">
+                <a:solidFill>
+                  <a:schemeClr val="tx1"/>
+                </a:solidFill>
+                <a:effectLst/>
+                <a:latin typeface="+mn-lt"/>
+                <a:ea typeface="+mn-ea"/>
+                <a:cs typeface="+mn-cs"/>
+              </a:rPr>
+              <a:t>Makes scaling out trivial</a:t>
+            </a:r>
+            <a:endParaRPr lang="en-US" sz="1400" b="0" i="0" kern="1200" dirty="0">
+              <a:solidFill>
+                <a:schemeClr val="tx1"/>
+              </a:solidFill>
+              <a:effectLst/>
+              <a:latin typeface="+mn-lt"/>
+              <a:ea typeface="+mn-ea"/>
+              <a:cs typeface="+mn-cs"/>
+            </a:endParaRPr>
+          </a:p>
+          <a:p>
+            <a:pPr marL="171450" indent="-171450" rtl="0" fontAlgn="ctr">
+              <a:buFont typeface="Arial" panose="020B0604020202020204" pitchFamily="34" charset="0"/>
+              <a:buChar char="•"/>
+            </a:pPr>
+            <a:r>
+              <a:rPr lang="en-US" sz="1200" b="0" i="0" kern="1200" dirty="0">
+                <a:solidFill>
+                  <a:schemeClr val="tx1"/>
+                </a:solidFill>
+                <a:effectLst/>
+                <a:latin typeface="+mn-lt"/>
+                <a:ea typeface="+mn-ea"/>
+                <a:cs typeface="+mn-cs"/>
+              </a:rPr>
+              <a:t>Poison Pills</a:t>
+            </a:r>
+            <a:endParaRPr lang="en-US" sz="1400" b="0" i="0" kern="1200" dirty="0">
+              <a:solidFill>
+                <a:schemeClr val="tx1"/>
+              </a:solidFill>
+              <a:effectLst/>
+              <a:latin typeface="+mn-lt"/>
+              <a:ea typeface="+mn-ea"/>
+              <a:cs typeface="+mn-cs"/>
+            </a:endParaRPr>
+          </a:p>
+          <a:p>
+            <a:pPr marL="628650" lvl="1" indent="-171450" rtl="0" fontAlgn="ctr">
+              <a:buFont typeface="Arial" panose="020B0604020202020204" pitchFamily="34" charset="0"/>
+              <a:buChar char="•"/>
+            </a:pPr>
+            <a:r>
+              <a:rPr lang="en-US" sz="1200" b="0" i="0" kern="1200" dirty="0">
+                <a:solidFill>
+                  <a:schemeClr val="tx1"/>
+                </a:solidFill>
+                <a:effectLst/>
+                <a:latin typeface="+mn-lt"/>
+                <a:ea typeface="+mn-ea"/>
+                <a:cs typeface="+mn-cs"/>
+              </a:rPr>
+              <a:t>Queued as an ordinary message</a:t>
+            </a:r>
+            <a:endParaRPr lang="en-US" sz="1400" b="0" i="0" kern="1200" dirty="0">
+              <a:solidFill>
+                <a:schemeClr val="tx1"/>
+              </a:solidFill>
+              <a:effectLst/>
+              <a:latin typeface="+mn-lt"/>
+              <a:ea typeface="+mn-ea"/>
+              <a:cs typeface="+mn-cs"/>
+            </a:endParaRPr>
+          </a:p>
+          <a:p>
+            <a:pPr marL="628650" lvl="1" indent="-171450" rtl="0" fontAlgn="ctr">
+              <a:buFont typeface="Arial" panose="020B0604020202020204" pitchFamily="34" charset="0"/>
+              <a:buChar char="•"/>
+            </a:pPr>
+            <a:r>
+              <a:rPr lang="en-US" sz="1200" b="0" i="0" kern="1200" dirty="0">
+                <a:solidFill>
+                  <a:schemeClr val="tx1"/>
+                </a:solidFill>
+                <a:effectLst/>
+                <a:latin typeface="+mn-lt"/>
+                <a:ea typeface="+mn-ea"/>
+                <a:cs typeface="+mn-cs"/>
+              </a:rPr>
+              <a:t>Stops actor when processed</a:t>
+            </a:r>
+            <a:endParaRPr lang="en-US" sz="1400" b="0" i="0" kern="1200" dirty="0">
+              <a:solidFill>
+                <a:schemeClr val="tx1"/>
+              </a:solidFill>
+              <a:effectLst/>
+              <a:latin typeface="+mn-lt"/>
+              <a:ea typeface="+mn-ea"/>
+              <a:cs typeface="+mn-cs"/>
+            </a:endParaRPr>
+          </a:p>
+          <a:p>
+            <a:pPr marL="171450" indent="-171450" rtl="0" fontAlgn="ctr">
+              <a:buFont typeface="Arial" panose="020B0604020202020204" pitchFamily="34" charset="0"/>
+              <a:buChar char="•"/>
+            </a:pPr>
+            <a:r>
+              <a:rPr lang="en-US" sz="1200" b="0" i="0" kern="1200" dirty="0">
+                <a:solidFill>
+                  <a:schemeClr val="tx1"/>
+                </a:solidFill>
+                <a:effectLst/>
+                <a:latin typeface="+mn-lt"/>
+                <a:ea typeface="+mn-ea"/>
+                <a:cs typeface="+mn-cs"/>
+              </a:rPr>
+              <a:t>Dead letters</a:t>
+            </a:r>
+            <a:endParaRPr lang="en-US" sz="1400" b="0" i="0" kern="1200" dirty="0">
+              <a:solidFill>
+                <a:schemeClr val="tx1"/>
+              </a:solidFill>
+              <a:effectLst/>
+              <a:latin typeface="+mn-lt"/>
+              <a:ea typeface="+mn-ea"/>
+              <a:cs typeface="+mn-cs"/>
+            </a:endParaRPr>
+          </a:p>
+          <a:p>
+            <a:pPr marL="628650" lvl="1" indent="-171450" rtl="0" fontAlgn="ctr">
+              <a:buFont typeface="Arial" panose="020B0604020202020204" pitchFamily="34" charset="0"/>
+              <a:buChar char="•"/>
+            </a:pPr>
+            <a:r>
+              <a:rPr lang="en-US" sz="1200" b="0" i="0" kern="1200" dirty="0">
+                <a:solidFill>
+                  <a:schemeClr val="tx1"/>
+                </a:solidFill>
+                <a:effectLst/>
+                <a:latin typeface="+mn-lt"/>
+                <a:ea typeface="+mn-ea"/>
+                <a:cs typeface="+mn-cs"/>
+              </a:rPr>
+              <a:t>When actor terminates all messages in its mailbox get sent to dead letters</a:t>
+            </a:r>
+            <a:endParaRPr lang="en-US" sz="1400" b="0" i="0" kern="1200" dirty="0">
+              <a:solidFill>
+                <a:schemeClr val="tx1"/>
+              </a:solidFill>
+              <a:effectLst/>
+              <a:latin typeface="+mn-lt"/>
+              <a:ea typeface="+mn-ea"/>
+              <a:cs typeface="+mn-cs"/>
+            </a:endParaRPr>
+          </a:p>
+          <a:p>
+            <a:pPr marL="628650" lvl="1" indent="-171450" rtl="0" fontAlgn="ctr">
+              <a:buFont typeface="Arial" panose="020B0604020202020204" pitchFamily="34" charset="0"/>
+              <a:buChar char="•"/>
+            </a:pPr>
+            <a:r>
+              <a:rPr lang="en-US" sz="1200" b="0" i="0" kern="1200" dirty="0">
+                <a:solidFill>
+                  <a:schemeClr val="tx1"/>
+                </a:solidFill>
+                <a:effectLst/>
+                <a:latin typeface="+mn-lt"/>
+                <a:ea typeface="+mn-ea"/>
+                <a:cs typeface="+mn-cs"/>
+              </a:rPr>
+              <a:t>New messages to terminated actor will be redirected to dead letters</a:t>
+            </a:r>
+            <a:endParaRPr lang="en-US" sz="1400" b="0" i="0" kern="1200" dirty="0">
+              <a:solidFill>
+                <a:schemeClr val="tx1"/>
+              </a:solidFill>
+              <a:effectLst/>
+              <a:latin typeface="+mn-lt"/>
+              <a:ea typeface="+mn-ea"/>
+              <a:cs typeface="+mn-cs"/>
+            </a:endParaRPr>
+          </a:p>
+          <a:p>
+            <a:pPr marL="628650" lvl="1" indent="-171450" rtl="0" fontAlgn="ctr">
+              <a:buFont typeface="Arial" panose="020B0604020202020204" pitchFamily="34" charset="0"/>
+              <a:buChar char="•"/>
+            </a:pPr>
+            <a:r>
+              <a:rPr lang="en-US" sz="1200" b="0" i="0" kern="1200" dirty="0">
+                <a:solidFill>
+                  <a:schemeClr val="tx1"/>
+                </a:solidFill>
+                <a:effectLst/>
+                <a:latin typeface="+mn-lt"/>
+                <a:ea typeface="+mn-ea"/>
+                <a:cs typeface="+mn-cs"/>
+              </a:rPr>
+              <a:t>Done as best effort - not guaranteed!!!</a:t>
+            </a:r>
+            <a:endParaRPr lang="en-US" sz="1400" b="0" i="0" kern="1200" dirty="0">
+              <a:solidFill>
+                <a:schemeClr val="tx1"/>
+              </a:solidFill>
+              <a:effectLst/>
+              <a:latin typeface="+mn-lt"/>
+              <a:ea typeface="+mn-ea"/>
+              <a:cs typeface="+mn-cs"/>
+            </a:endParaRPr>
+          </a:p>
+          <a:p>
+            <a:pPr marL="628650" lvl="1" indent="-171450" rtl="0" fontAlgn="ctr">
+              <a:buFont typeface="Arial" panose="020B0604020202020204" pitchFamily="34" charset="0"/>
+              <a:buChar char="•"/>
+            </a:pPr>
+            <a:r>
+              <a:rPr lang="en-US" sz="1200" b="0" i="0" kern="1200" dirty="0">
+                <a:solidFill>
+                  <a:schemeClr val="tx1"/>
+                </a:solidFill>
+                <a:effectLst/>
+                <a:latin typeface="+mn-lt"/>
+                <a:ea typeface="+mn-ea"/>
+                <a:cs typeface="+mn-cs"/>
+              </a:rPr>
+              <a:t>Most useful for testing</a:t>
+            </a:r>
+            <a:endParaRPr lang="en-US" sz="1400" b="0" i="0" kern="1200" dirty="0">
+              <a:solidFill>
+                <a:schemeClr val="tx1"/>
+              </a:solidFill>
+              <a:effectLst/>
+              <a:latin typeface="+mn-lt"/>
+              <a:ea typeface="+mn-ea"/>
+              <a:cs typeface="+mn-cs"/>
+            </a:endParaRPr>
+          </a:p>
+          <a:p>
+            <a:pPr marL="171450" indent="-171450" rtl="0" fontAlgn="ctr">
+              <a:buFont typeface="Arial" panose="020B0604020202020204" pitchFamily="34" charset="0"/>
+              <a:buChar char="•"/>
+            </a:pPr>
+            <a:r>
+              <a:rPr lang="en-US" sz="1200" b="0" i="0" kern="1200" dirty="0">
+                <a:solidFill>
+                  <a:schemeClr val="tx1"/>
+                </a:solidFill>
+                <a:effectLst/>
+                <a:latin typeface="+mn-lt"/>
+                <a:ea typeface="+mn-ea"/>
+                <a:cs typeface="+mn-cs"/>
+              </a:rPr>
+              <a:t>Service Bus interoperability</a:t>
+            </a:r>
+            <a:r>
+              <a:rPr lang="en-US" sz="1200" b="0" i="0" kern="1200" baseline="0" dirty="0">
+                <a:solidFill>
+                  <a:schemeClr val="tx1"/>
+                </a:solidFill>
+                <a:effectLst/>
+                <a:latin typeface="+mn-lt"/>
+                <a:ea typeface="+mn-ea"/>
+                <a:cs typeface="+mn-cs"/>
+              </a:rPr>
+              <a:t> – makes a great endpoint for either receiving messages from a service bus or posting out to it.</a:t>
+            </a:r>
+            <a:endParaRPr lang="en-US" baseline="0" dirty="0"/>
+          </a:p>
+          <a:p>
+            <a:pPr marL="0" lvl="0" indent="0">
+              <a:buFont typeface="Arial" panose="020B0604020202020204" pitchFamily="34" charset="0"/>
+              <a:buNone/>
+            </a:pPr>
+            <a:endParaRPr lang="en-US" baseline="0" dirty="0"/>
+          </a:p>
+          <a:p>
+            <a:pPr marL="0" lvl="0" indent="0">
+              <a:buFont typeface="Arial" panose="020B0604020202020204" pitchFamily="34" charset="0"/>
+              <a:buNone/>
+            </a:pPr>
+            <a:endParaRPr lang="en-US" baseline="0" dirty="0"/>
+          </a:p>
+          <a:p>
+            <a:pPr marL="0" lvl="0" indent="0">
+              <a:buFont typeface="Arial" panose="020B0604020202020204" pitchFamily="34" charset="0"/>
+              <a:buNone/>
+            </a:pPr>
+            <a:r>
+              <a:rPr lang="en-US" baseline="0" dirty="0">
+                <a:sym typeface="Wingdings" panose="05000000000000000000" pitchFamily="2" charset="2"/>
+              </a:rPr>
+              <a:t> Sean (“Want more?”)</a:t>
+            </a:r>
+            <a:endParaRPr lang="en-US" baseline="0" dirty="0"/>
           </a:p>
         </p:txBody>
       </p:sp>
@@ -5775,7 +6037,7 @@
     </p:spTree>
     <p:extLst>
       <p:ext uri="{BB962C8B-B14F-4D97-AF65-F5344CB8AC3E}">
-        <p14:creationId xmlns:p14="http://schemas.microsoft.com/office/powerpoint/2010/main" val="858078504"/>
+        <p14:creationId xmlns:p14="http://schemas.microsoft.com/office/powerpoint/2010/main" val="2842977699"/>
       </p:ext>
     </p:extLst>
   </p:cSld>
@@ -5831,6 +6093,27 @@
           <a:p>
             <a:endParaRPr lang="en-US" dirty="0"/>
           </a:p>
+          <a:p>
+            <a:pPr marL="171450" indent="-171450">
+              <a:buFont typeface="Arial" panose="020B0604020202020204" pitchFamily="34" charset="0"/>
+              <a:buChar char="•"/>
+            </a:pPr>
+            <a:r>
+              <a:rPr lang="en-US" dirty="0"/>
+              <a:t>It’s open source – jump in</a:t>
+            </a:r>
+            <a:r>
+              <a:rPr lang="en-US" baseline="0" dirty="0"/>
+              <a:t> (I did! Tell my quick story).</a:t>
+            </a:r>
+          </a:p>
+          <a:p>
+            <a:pPr marL="0" indent="0">
+              <a:buFont typeface="Arial" panose="020B0604020202020204" pitchFamily="34" charset="0"/>
+              <a:buNone/>
+            </a:pPr>
+            <a:endParaRPr lang="en-US" dirty="0"/>
+          </a:p>
         </p:txBody>
       </p:sp>
       <p:sp>
@@ -5851,6 +6134,90 @@
             <a:fld id="{D4C47EB6-B919-4FB3-9341-FE04BD40B358}" type="slidenum">
               <a:rPr lang="en-US" smtClean="0"/>
               <a:t>38</a:t>
+            </a:fld>
+            <a:endParaRPr lang="en-US"/>
+          </a:p>
+        </p:txBody>
+      </p:sp>
+    </p:spTree>
+    <p:extLst>
+      <p:ext uri="{BB962C8B-B14F-4D97-AF65-F5344CB8AC3E}">
+        <p14:creationId xmlns:p14="http://schemas.microsoft.com/office/powerpoint/2010/main" val="858078504"/>
+      </p:ext>
+    </p:extLst>
+  </p:cSld>
+  <p:clrMapOvr>
+    <a:masterClrMapping/>
+  </p:clrMapOvr>
+</p:notes>
+</file>
+
+<file path=ppt/notesSlides/notesSlide39.xml><?xml version="1.0" encoding="utf-8"?>
+<p:notes xmlns:a="http://schemas.openxmlformats.org/drawingml/2006/main" xmlns:r="http://schemas.openxmlformats.org/officeDocument/2006/relationships" xmlns:p="http://schemas.openxmlformats.org/presentationml/2006/main">
+  <p:cSld>
+    <p:spTree>
+      <p:nvGrpSpPr>
+        <p:cNvPr id="1" name=""/>
+        <p:cNvGrpSpPr/>
+        <p:nvPr/>
+      </p:nvGrpSpPr>
+      <p:grpSpPr>
+        <a:xfrm>
+          <a:off x="0" y="0"/>
+          <a:ext cx="0" cy="0"/>
+          <a:chOff x="0" y="0"/>
+          <a:chExt cx="0" cy="0"/>
+        </a:xfrm>
+      </p:grpSpPr>
+      <p:sp>
+        <p:nvSpPr>
+          <p:cNvPr id="2" name="Slide Image Placeholder 1"/>
+          <p:cNvSpPr>
+            <a:spLocks noGrp="1" noRot="1" noChangeAspect="1"/>
+          </p:cNvSpPr>
+          <p:nvPr>
+            <p:ph type="sldImg"/>
+          </p:nvPr>
+        </p:nvSpPr>
+        <p:spPr/>
+      </p:sp>
+      <p:sp>
+        <p:nvSpPr>
+          <p:cNvPr id="3" name="Notes Placeholder 2"/>
+          <p:cNvSpPr>
+            <a:spLocks noGrp="1"/>
+          </p:cNvSpPr>
+          <p:nvPr>
+            <p:ph type="body" idx="1"/>
+          </p:nvPr>
+        </p:nvSpPr>
+        <p:spPr/>
+        <p:txBody>
+          <a:bodyPr/>
+          <a:lstStyle/>
+          <a:p>
+            <a:endParaRPr lang="en-US" dirty="0"/>
+          </a:p>
+        </p:txBody>
+      </p:sp>
+      <p:sp>
+        <p:nvSpPr>
+          <p:cNvPr id="4" name="Slide Number Placeholder 3"/>
+          <p:cNvSpPr>
+            <a:spLocks noGrp="1"/>
+          </p:cNvSpPr>
+          <p:nvPr>
+            <p:ph type="sldNum" sz="quarter" idx="10"/>
+          </p:nvPr>
+        </p:nvSpPr>
+        <p:spPr/>
+        <p:txBody>
+          <a:bodyPr/>
+          <a:lstStyle/>
+          <a:p>
+            <a:fld id="{D4C47EB6-B919-4FB3-9341-FE04BD40B358}" type="slidenum">
+              <a:rPr lang="en-US" smtClean="0"/>
+              <a:t>39</a:t>
             </a:fld>
             <a:endParaRPr lang="en-US"/>
           </a:p>
@@ -6186,10 +6553,85 @@
           <a:bodyPr/>
           <a:lstStyle/>
           <a:p>
-            <a:pPr marL="171450" indent="-171450">
-              <a:buFont typeface="Wingdings" panose="05000000000000000000" pitchFamily="2" charset="2"/>
-              <a:buChar char="à"/>
+            <a:pPr marL="0" marR="0" lvl="0" indent="0" algn="l" defTabSz="914400" rtl="0" eaLnBrk="1" fontAlgn="auto" latinLnBrk="0" hangingPunct="1">
+              <a:lnSpc>
+                <a:spcPct val="100000"/>
+              </a:lnSpc>
+              <a:spcBef>
+                <a:spcPts val="0"/>
+              </a:spcBef>
+              <a:spcAft>
+                <a:spcPts val="0"/>
+              </a:spcAft>
+              <a:buClrTx/>
+              <a:buSzTx/>
+              <a:buFontTx/>
+              <a:buNone/>
+              <a:tabLst/>
+              <a:defRPr/>
             </a:pPr>
+            <a:r>
+              <a:rPr lang="en-US" sz="1200" b="0" i="0" kern="1200" dirty="0">
+                <a:solidFill>
+                  <a:schemeClr val="tx1"/>
+                </a:solidFill>
+                <a:effectLst/>
+                <a:latin typeface="+mn-lt"/>
+                <a:ea typeface="+mn-ea"/>
+                <a:cs typeface="+mn-cs"/>
+              </a:rPr>
+              <a:t>Met at .</a:t>
+            </a:r>
+            <a:r>
+              <a:rPr lang="en-US" sz="1200" b="0" i="0" kern="1200" dirty="0" err="1">
+                <a:solidFill>
+                  <a:schemeClr val="tx1"/>
+                </a:solidFill>
+                <a:effectLst/>
+                <a:latin typeface="+mn-lt"/>
+                <a:ea typeface="+mn-ea"/>
+                <a:cs typeface="+mn-cs"/>
+              </a:rPr>
+              <a:t>NetFringe</a:t>
+            </a:r>
+            <a:r>
+              <a:rPr lang="en-US" sz="1200" b="0" i="0" kern="1200" dirty="0">
+                <a:solidFill>
+                  <a:schemeClr val="tx1"/>
+                </a:solidFill>
+                <a:effectLst/>
+                <a:latin typeface="+mn-lt"/>
+                <a:ea typeface="+mn-ea"/>
+                <a:cs typeface="+mn-cs"/>
+              </a:rPr>
+              <a:t> in PDX (Akka.NET all day workshop with Aaron &amp; Andrew from </a:t>
+            </a:r>
+            <a:r>
+              <a:rPr lang="en-US" sz="1200" b="0" i="0" kern="1200" dirty="0" err="1">
+                <a:solidFill>
+                  <a:schemeClr val="tx1"/>
+                </a:solidFill>
+                <a:effectLst/>
+                <a:latin typeface="+mn-lt"/>
+                <a:ea typeface="+mn-ea"/>
+                <a:cs typeface="+mn-cs"/>
+              </a:rPr>
+              <a:t>Petabridge</a:t>
+            </a:r>
+            <a:r>
+              <a:rPr lang="en-US" sz="1200" b="0" i="0" kern="1200" dirty="0">
+                <a:solidFill>
+                  <a:schemeClr val="tx1"/>
+                </a:solidFill>
+                <a:effectLst/>
+                <a:latin typeface="+mn-lt"/>
+                <a:ea typeface="+mn-ea"/>
+                <a:cs typeface="+mn-cs"/>
+              </a:rPr>
+              <a:t>)</a:t>
+            </a:r>
+          </a:p>
+          <a:p>
             <a:endParaRPr lang="en-US" dirty="0"/>
           </a:p>
         </p:txBody>
@@ -6220,7 +6662,7 @@
     </p:spTree>
     <p:extLst>
       <p:ext uri="{BB962C8B-B14F-4D97-AF65-F5344CB8AC3E}">
-        <p14:creationId xmlns:p14="http://schemas.microsoft.com/office/powerpoint/2010/main" val="2449848857"/>
+        <p14:creationId xmlns:p14="http://schemas.microsoft.com/office/powerpoint/2010/main" val="2201549129"/>
       </p:ext>
     </p:extLst>
   </p:cSld>
@@ -6274,14 +6716,11 @@
           <a:bodyPr/>
           <a:lstStyle/>
           <a:p>
-            <a:r>
-              <a:rPr lang="en-US" dirty="0"/>
-              <a:t>Actor model</a:t>
-            </a:r>
-            <a:r>
-              <a:rPr lang="en-US" baseline="0" dirty="0"/>
-              <a:t> has been around since the 70s – Carl Hewitt</a:t>
-            </a:r>
+            <a:pPr marL="171450" indent="-171450">
+              <a:buFont typeface="Wingdings" panose="05000000000000000000" pitchFamily="2" charset="2"/>
+              <a:buChar char="à"/>
+            </a:pPr>
+            <a:endParaRPr lang="en-US" dirty="0"/>
           </a:p>
         </p:txBody>
       </p:sp>
@@ -6311,7 +6750,7 @@
     </p:spTree>
     <p:extLst>
       <p:ext uri="{BB962C8B-B14F-4D97-AF65-F5344CB8AC3E}">
-        <p14:creationId xmlns:p14="http://schemas.microsoft.com/office/powerpoint/2010/main" val="2071245895"/>
+        <p14:creationId xmlns:p14="http://schemas.microsoft.com/office/powerpoint/2010/main" val="2449848857"/>
       </p:ext>
     </p:extLst>
   </p:cSld>
@@ -6365,73 +6804,13 @@
           <a:bodyPr/>
           <a:lstStyle/>
           <a:p>
-            <a:pPr marL="171450" indent="-171450">
-              <a:buFont typeface="Arial" panose="020B0604020202020204" pitchFamily="34" charset="0"/>
-              <a:buChar char="•"/>
-            </a:pPr>
-            <a:r>
-              <a:rPr lang="en-US" baseline="0" dirty="0" err="1"/>
-              <a:t>Erlang</a:t>
+            <a:r>
+              <a:rPr lang="en-US" dirty="0"/>
+              <a:t>Actor model</a:t>
             </a:r>
             <a:r>
               <a:rPr lang="en-US" baseline="0" dirty="0"/>
-              <a:t> (and anything using </a:t>
-            </a:r>
-            <a:r>
-              <a:rPr lang="en-US" baseline="0" dirty="0" err="1"/>
-              <a:t>Erlang</a:t>
-            </a:r>
-            <a:r>
-              <a:rPr lang="en-US" baseline="0" dirty="0"/>
-              <a:t>)</a:t>
-            </a:r>
-          </a:p>
-          <a:p>
-            <a:pPr marL="171450" indent="-171450">
-              <a:buFont typeface="Arial" panose="020B0604020202020204" pitchFamily="34" charset="0"/>
-              <a:buChar char="•"/>
-            </a:pPr>
-            <a:r>
-              <a:rPr lang="en-US" baseline="0" dirty="0"/>
-              <a:t>Scala (Box)</a:t>
-            </a:r>
-          </a:p>
-          <a:p>
-            <a:pPr marL="171450" indent="-171450">
-              <a:buFont typeface="Arial" panose="020B0604020202020204" pitchFamily="34" charset="0"/>
-              <a:buChar char="•"/>
-            </a:pPr>
-            <a:r>
-              <a:rPr lang="en-US" baseline="0" dirty="0"/>
-              <a:t>LinkedIn (Java </a:t>
-            </a:r>
-            <a:r>
-              <a:rPr lang="en-US" baseline="0" dirty="0" err="1"/>
-              <a:t>Akka</a:t>
-            </a:r>
-            <a:r>
-              <a:rPr lang="en-US" baseline="0" dirty="0"/>
-              <a:t>)</a:t>
-            </a:r>
-          </a:p>
-          <a:p>
-            <a:pPr marL="171450" indent="-171450">
-              <a:buFont typeface="Arial" panose="020B0604020202020204" pitchFamily="34" charset="0"/>
-              <a:buChar char="•"/>
-            </a:pPr>
-            <a:r>
-              <a:rPr lang="en-US" baseline="0" dirty="0"/>
-              <a:t>Orleans (Xbox – Halo, open source since Jan ‘15, runs on Azure)</a:t>
-            </a:r>
-          </a:p>
-          <a:p>
-            <a:pPr marL="171450" indent="-171450">
-              <a:buFont typeface="Arial" panose="020B0604020202020204" pitchFamily="34" charset="0"/>
-              <a:buChar char="•"/>
-            </a:pPr>
-            <a:r>
-              <a:rPr lang="en-US" baseline="0" dirty="0"/>
-              <a:t>WhatsApp</a:t>
+              <a:t> has been around since the 70s – Carl Hewitt</a:t>
             </a:r>
           </a:p>
         </p:txBody>
@@ -6462,7 +6841,7 @@
     </p:spTree>
     <p:extLst>
       <p:ext uri="{BB962C8B-B14F-4D97-AF65-F5344CB8AC3E}">
-        <p14:creationId xmlns:p14="http://schemas.microsoft.com/office/powerpoint/2010/main" val="2747626796"/>
+        <p14:creationId xmlns:p14="http://schemas.microsoft.com/office/powerpoint/2010/main" val="2071245895"/>
       </p:ext>
     </p:extLst>
   </p:cSld>
@@ -6516,289 +6895,74 @@
           <a:bodyPr/>
           <a:lstStyle/>
           <a:p>
-            <a:pPr marL="171450" lvl="0" indent="-171450" rtl="0" fontAlgn="ctr">
+            <a:pPr marL="171450" indent="-171450">
               <a:buFont typeface="Arial" panose="020B0604020202020204" pitchFamily="34" charset="0"/>
               <a:buChar char="•"/>
             </a:pPr>
             <a:r>
-              <a:rPr lang="en-US" sz="1200" b="0" i="0" kern="1200" dirty="0">
-                <a:solidFill>
-                  <a:schemeClr val="tx1"/>
-                </a:solidFill>
-                <a:effectLst/>
-                <a:latin typeface="+mn-lt"/>
-                <a:ea typeface="+mn-ea"/>
-                <a:cs typeface="+mn-cs"/>
-              </a:rPr>
-              <a:t>Port of Java </a:t>
-            </a:r>
-            <a:r>
-              <a:rPr lang="en-US" sz="1200" b="0" i="0" kern="1200" dirty="0" err="1">
-                <a:solidFill>
-                  <a:schemeClr val="tx1"/>
-                </a:solidFill>
-                <a:effectLst/>
-                <a:latin typeface="+mn-lt"/>
-                <a:ea typeface="+mn-ea"/>
-                <a:cs typeface="+mn-cs"/>
-              </a:rPr>
-              <a:t>Akka</a:t>
-            </a:r>
-            <a:endParaRPr lang="en-US" sz="1400" b="0" i="0" kern="1200" dirty="0">
-              <a:solidFill>
-                <a:schemeClr val="tx1"/>
-              </a:solidFill>
-              <a:effectLst/>
-              <a:latin typeface="+mn-lt"/>
-              <a:ea typeface="+mn-ea"/>
-              <a:cs typeface="+mn-cs"/>
-            </a:endParaRPr>
-          </a:p>
-          <a:p>
-            <a:pPr marL="171450" lvl="0" indent="-171450" rtl="0" fontAlgn="ctr">
+              <a:rPr lang="en-US" baseline="0" dirty="0" err="1"/>
+              <a:t>Erlang</a:t>
+            </a:r>
+            <a:r>
+              <a:rPr lang="en-US" baseline="0" dirty="0"/>
+              <a:t> (and anything using </a:t>
+            </a:r>
+            <a:r>
+              <a:rPr lang="en-US" baseline="0" dirty="0" err="1"/>
+              <a:t>Erlang</a:t>
+            </a:r>
+            <a:r>
+              <a:rPr lang="en-US" baseline="0" dirty="0"/>
+              <a:t>)</a:t>
+            </a:r>
+          </a:p>
+          <a:p>
+            <a:pPr marL="171450" indent="-171450">
               <a:buFont typeface="Arial" panose="020B0604020202020204" pitchFamily="34" charset="0"/>
               <a:buChar char="•"/>
             </a:pPr>
             <a:r>
-              <a:rPr lang="en-US" sz="1200" b="0" i="0" kern="1200" dirty="0">
-                <a:solidFill>
-                  <a:schemeClr val="tx1"/>
-                </a:solidFill>
-                <a:effectLst/>
-                <a:latin typeface="+mn-lt"/>
-                <a:ea typeface="+mn-ea"/>
-                <a:cs typeface="+mn-cs"/>
-              </a:rPr>
-              <a:t>Other .NET actor model frameworks</a:t>
-            </a:r>
-            <a:endParaRPr lang="en-US" sz="1400" b="0" i="0" kern="1200" dirty="0">
-              <a:solidFill>
-                <a:schemeClr val="tx1"/>
-              </a:solidFill>
-              <a:effectLst/>
-              <a:latin typeface="+mn-lt"/>
-              <a:ea typeface="+mn-ea"/>
-              <a:cs typeface="+mn-cs"/>
-            </a:endParaRPr>
-          </a:p>
-          <a:p>
-            <a:pPr marL="628650" lvl="1" indent="-171450" rtl="0" fontAlgn="ctr">
+              <a:rPr lang="en-US" baseline="0" dirty="0"/>
+              <a:t>Scala (Box)</a:t>
+            </a:r>
+          </a:p>
+          <a:p>
+            <a:pPr marL="171450" indent="-171450">
               <a:buFont typeface="Arial" panose="020B0604020202020204" pitchFamily="34" charset="0"/>
               <a:buChar char="•"/>
             </a:pPr>
             <a:r>
-              <a:rPr lang="en-US" sz="1200" b="0" i="0" kern="1200" dirty="0" err="1">
-                <a:solidFill>
-                  <a:schemeClr val="tx1"/>
-                </a:solidFill>
-                <a:effectLst/>
-                <a:latin typeface="+mn-lt"/>
-                <a:ea typeface="+mn-ea"/>
-                <a:cs typeface="+mn-cs"/>
-              </a:rPr>
-              <a:t>Nact</a:t>
-            </a:r>
-            <a:r>
-              <a:rPr lang="en-US" sz="1200" b="0" i="0" kern="1200" dirty="0">
-                <a:solidFill>
-                  <a:schemeClr val="tx1"/>
-                </a:solidFill>
-                <a:effectLst/>
-                <a:latin typeface="+mn-lt"/>
-                <a:ea typeface="+mn-ea"/>
-                <a:cs typeface="+mn-cs"/>
-              </a:rPr>
-              <a:t> (2/28/12)</a:t>
-            </a:r>
-            <a:endParaRPr lang="en-US" sz="1400" b="0" i="0" kern="1200" dirty="0">
-              <a:solidFill>
-                <a:schemeClr val="tx1"/>
-              </a:solidFill>
-              <a:effectLst/>
-              <a:latin typeface="+mn-lt"/>
-              <a:ea typeface="+mn-ea"/>
-              <a:cs typeface="+mn-cs"/>
-            </a:endParaRPr>
-          </a:p>
-          <a:p>
-            <a:pPr marL="628650" lvl="1" indent="-171450" rtl="0" fontAlgn="ctr">
+              <a:rPr lang="en-US" baseline="0" dirty="0"/>
+              <a:t>LinkedIn (Java </a:t>
+            </a:r>
+            <a:r>
+              <a:rPr lang="en-US" baseline="0" dirty="0" err="1"/>
+              <a:t>Akka</a:t>
+            </a:r>
+            <a:r>
+              <a:rPr lang="en-US" baseline="0" dirty="0"/>
+              <a:t>)</a:t>
+            </a:r>
+          </a:p>
+          <a:p>
+            <a:pPr marL="171450" indent="-171450">
               <a:buFont typeface="Arial" panose="020B0604020202020204" pitchFamily="34" charset="0"/>
               <a:buChar char="•"/>
             </a:pPr>
             <a:r>
-              <a:rPr lang="en-US" sz="1200" b="0" i="0" kern="1200" dirty="0">
-                <a:solidFill>
-                  <a:schemeClr val="tx1"/>
-                </a:solidFill>
-                <a:effectLst/>
-                <a:latin typeface="+mn-lt"/>
-                <a:ea typeface="+mn-ea"/>
-                <a:cs typeface="+mn-cs"/>
-              </a:rPr>
-              <a:t>Actor Framework (very inventive name)</a:t>
-            </a:r>
-            <a:endParaRPr lang="en-US" sz="1400" b="0" i="0" kern="1200" dirty="0">
-              <a:solidFill>
-                <a:schemeClr val="tx1"/>
-              </a:solidFill>
-              <a:effectLst/>
-              <a:latin typeface="+mn-lt"/>
-              <a:ea typeface="+mn-ea"/>
-              <a:cs typeface="+mn-cs"/>
-            </a:endParaRPr>
-          </a:p>
-          <a:p>
-            <a:pPr marL="628650" lvl="1" indent="-171450" rtl="0" fontAlgn="ctr">
+              <a:rPr lang="en-US" baseline="0" dirty="0"/>
+              <a:t>Orleans (Xbox – Halo, open source since Jan ‘15, runs on Azure)</a:t>
+            </a:r>
+          </a:p>
+          <a:p>
+            <a:pPr marL="171450" indent="-171450">
               <a:buFont typeface="Arial" panose="020B0604020202020204" pitchFamily="34" charset="0"/>
               <a:buChar char="•"/>
             </a:pPr>
             <a:r>
-              <a:rPr lang="en-US" sz="1200" b="0" i="0" kern="1200" dirty="0" err="1">
-                <a:solidFill>
-                  <a:schemeClr val="tx1"/>
-                </a:solidFill>
-                <a:effectLst/>
-                <a:latin typeface="+mn-lt"/>
-                <a:ea typeface="+mn-ea"/>
-                <a:cs typeface="+mn-cs"/>
-              </a:rPr>
-              <a:t>Remact.Net</a:t>
-            </a:r>
-            <a:endParaRPr lang="en-US" sz="1200" b="0" i="0" kern="1200" dirty="0">
-              <a:solidFill>
-                <a:schemeClr val="tx1"/>
-              </a:solidFill>
-              <a:effectLst/>
-              <a:latin typeface="+mn-lt"/>
-              <a:ea typeface="+mn-ea"/>
-              <a:cs typeface="+mn-cs"/>
-            </a:endParaRPr>
-          </a:p>
-          <a:p>
-            <a:pPr marL="171450" lvl="0" indent="-171450" rtl="0" fontAlgn="ctr">
-              <a:buFont typeface="Arial" panose="020B0604020202020204" pitchFamily="34" charset="0"/>
-              <a:buChar char="•"/>
-            </a:pPr>
-            <a:r>
-              <a:rPr lang="en-US" sz="1400" b="0" i="0" kern="1200" dirty="0">
-                <a:solidFill>
-                  <a:schemeClr val="tx1"/>
-                </a:solidFill>
-                <a:effectLst/>
-                <a:latin typeface="+mn-lt"/>
-                <a:ea typeface="+mn-ea"/>
-                <a:cs typeface="+mn-cs"/>
-              </a:rPr>
-              <a:t>Akka.NET</a:t>
-            </a:r>
-            <a:r>
-              <a:rPr lang="en-US" sz="1400" b="0" i="0" kern="1200" baseline="0" dirty="0">
-                <a:solidFill>
-                  <a:schemeClr val="tx1"/>
-                </a:solidFill>
-                <a:effectLst/>
-                <a:latin typeface="+mn-lt"/>
-                <a:ea typeface="+mn-ea"/>
-                <a:cs typeface="+mn-cs"/>
-              </a:rPr>
-              <a:t> Aims to adhere to the reactive manifesto</a:t>
-            </a:r>
-          </a:p>
-          <a:p>
-            <a:pPr marL="628650" lvl="1" indent="-171450" rtl="0" fontAlgn="ctr">
-              <a:buFont typeface="Arial" panose="020B0604020202020204" pitchFamily="34" charset="0"/>
-              <a:buChar char="•"/>
-            </a:pPr>
-            <a:r>
-              <a:rPr lang="en-US" sz="1400" b="0" i="0" kern="1200" baseline="0" dirty="0">
-                <a:solidFill>
-                  <a:schemeClr val="tx1"/>
-                </a:solidFill>
-                <a:effectLst/>
-                <a:latin typeface="+mn-lt"/>
-                <a:ea typeface="+mn-ea"/>
-                <a:cs typeface="+mn-cs"/>
-              </a:rPr>
-              <a:t>Responsive</a:t>
-            </a:r>
-          </a:p>
-          <a:p>
-            <a:pPr marL="628650" lvl="1" indent="-171450" rtl="0" fontAlgn="ctr">
-              <a:buFont typeface="Arial" panose="020B0604020202020204" pitchFamily="34" charset="0"/>
-              <a:buChar char="•"/>
-            </a:pPr>
-            <a:r>
-              <a:rPr lang="en-US" sz="1400" b="0" i="0" kern="1200" baseline="0" dirty="0">
-                <a:solidFill>
-                  <a:schemeClr val="tx1"/>
-                </a:solidFill>
-                <a:effectLst/>
-                <a:latin typeface="+mn-lt"/>
-                <a:ea typeface="+mn-ea"/>
-                <a:cs typeface="+mn-cs"/>
-              </a:rPr>
-              <a:t>Resilient (e.g. self-healing)</a:t>
-            </a:r>
-          </a:p>
-          <a:p>
-            <a:pPr marL="628650" lvl="1" indent="-171450" rtl="0" fontAlgn="ctr">
-              <a:buFont typeface="Arial" panose="020B0604020202020204" pitchFamily="34" charset="0"/>
-              <a:buChar char="•"/>
-            </a:pPr>
-            <a:r>
-              <a:rPr lang="en-US" sz="1400" b="0" i="0" kern="1200" baseline="0" dirty="0">
-                <a:solidFill>
-                  <a:schemeClr val="tx1"/>
-                </a:solidFill>
-                <a:effectLst/>
-                <a:latin typeface="+mn-lt"/>
-                <a:ea typeface="+mn-ea"/>
-                <a:cs typeface="+mn-cs"/>
-              </a:rPr>
-              <a:t>Elastic</a:t>
-            </a:r>
-          </a:p>
-          <a:p>
-            <a:pPr marL="628650" lvl="1" indent="-171450" rtl="0" fontAlgn="ctr">
-              <a:buFont typeface="Arial" panose="020B0604020202020204" pitchFamily="34" charset="0"/>
-              <a:buChar char="•"/>
-            </a:pPr>
-            <a:r>
-              <a:rPr lang="en-US" sz="1400" b="0" i="0" kern="1200" baseline="0" dirty="0">
-                <a:solidFill>
-                  <a:schemeClr val="tx1"/>
-                </a:solidFill>
-                <a:effectLst/>
-                <a:latin typeface="+mn-lt"/>
-                <a:ea typeface="+mn-ea"/>
-                <a:cs typeface="+mn-cs"/>
-              </a:rPr>
-              <a:t>Message driven</a:t>
-            </a:r>
-            <a:endParaRPr lang="en-US" sz="1400" b="0" i="0" kern="1200" dirty="0">
-              <a:solidFill>
-                <a:schemeClr val="tx1"/>
-              </a:solidFill>
-              <a:effectLst/>
-              <a:latin typeface="+mn-lt"/>
-              <a:ea typeface="+mn-ea"/>
-              <a:cs typeface="+mn-cs"/>
-            </a:endParaRPr>
-          </a:p>
-          <a:p>
-            <a:pPr marL="457200" lvl="1" indent="0" rtl="0" fontAlgn="ctr">
-              <a:buFont typeface="Arial" panose="020B0604020202020204" pitchFamily="34" charset="0"/>
-              <a:buNone/>
-            </a:pPr>
-            <a:endParaRPr lang="en-US" sz="1200" b="0" i="0" kern="1200" dirty="0">
-              <a:solidFill>
-                <a:schemeClr val="tx1"/>
-              </a:solidFill>
-              <a:effectLst/>
-              <a:latin typeface="+mn-lt"/>
-              <a:ea typeface="+mn-ea"/>
-              <a:cs typeface="+mn-cs"/>
-            </a:endParaRPr>
+              <a:rPr lang="en-US" baseline="0" dirty="0"/>
+              <a:t>WhatsApp</a:t>
+            </a:r>
           </a:p>
         </p:txBody>
       </p:sp>
@@ -6828,7 +6992,7 @@
     </p:spTree>
     <p:extLst>
       <p:ext uri="{BB962C8B-B14F-4D97-AF65-F5344CB8AC3E}">
-        <p14:creationId xmlns:p14="http://schemas.microsoft.com/office/powerpoint/2010/main" val="2853018034"/>
+        <p14:creationId xmlns:p14="http://schemas.microsoft.com/office/powerpoint/2010/main" val="2747626796"/>
       </p:ext>
     </p:extLst>
   </p:cSld>
@@ -11114,8 +11278,12 @@
           <a:lstStyle/>
           <a:p>
             <a:r>
+              <a:rPr lang="en-US" dirty="0" err="1"/>
+              <a:t>Akka</a:t>
+            </a:r>
+            <a:r>
               <a:rPr lang="en-US" baseline="0" dirty="0"/>
-              <a:t>Everything is an Actor</a:t>
+              <a:t> and Akka.NET</a:t>
             </a:r>
             <a:endParaRPr lang="en-US" dirty="0"/>
           </a:p>
@@ -11124,7 +11292,7 @@
     </p:spTree>
     <p:extLst>
       <p:ext uri="{BB962C8B-B14F-4D97-AF65-F5344CB8AC3E}">
-        <p14:creationId xmlns:p14="http://schemas.microsoft.com/office/powerpoint/2010/main" val="796074176"/>
+        <p14:creationId xmlns:p14="http://schemas.microsoft.com/office/powerpoint/2010/main" val="1582643784"/>
       </p:ext>
     </p:extLst>
   </p:cSld>
@@ -11168,7 +11336,7 @@
           <a:p>
             <a:r>
               <a:rPr lang="en-US" baseline="0" dirty="0"/>
-              <a:t>Encapsulation</a:t>
+              <a:t>Everything is an Actor</a:t>
             </a:r>
             <a:endParaRPr lang="en-US" dirty="0"/>
           </a:p>
@@ -11177,7 +11345,7 @@
     </p:spTree>
     <p:extLst>
       <p:ext uri="{BB962C8B-B14F-4D97-AF65-F5344CB8AC3E}">
-        <p14:creationId xmlns:p14="http://schemas.microsoft.com/office/powerpoint/2010/main" val="1620384983"/>
+        <p14:creationId xmlns:p14="http://schemas.microsoft.com/office/powerpoint/2010/main" val="796074176"/>
       </p:ext>
     </p:extLst>
   </p:cSld>
@@ -11220,12 +11388,8 @@
           <a:lstStyle/>
           <a:p>
             <a:r>
-              <a:rPr lang="en-US" dirty="0"/>
-              <a:t>Immutable</a:t>
-            </a:r>
-            <a:r>
               <a:rPr lang="en-US" baseline="0" dirty="0"/>
-              <a:t> Messages</a:t>
+              <a:t>Encapsulation</a:t>
             </a:r>
             <a:endParaRPr lang="en-US" dirty="0"/>
           </a:p>
@@ -11234,7 +11398,7 @@
     </p:spTree>
     <p:extLst>
       <p:ext uri="{BB962C8B-B14F-4D97-AF65-F5344CB8AC3E}">
-        <p14:creationId xmlns:p14="http://schemas.microsoft.com/office/powerpoint/2010/main" val="3018524157"/>
+        <p14:creationId xmlns:p14="http://schemas.microsoft.com/office/powerpoint/2010/main" val="1620384983"/>
       </p:ext>
     </p:extLst>
   </p:cSld>
@@ -11277,20 +11441,21 @@
           <a:lstStyle/>
           <a:p>
             <a:r>
+              <a:rPr lang="en-US" dirty="0"/>
+              <a:t>Immutable</a:t>
+            </a:r>
+            <a:r>
               <a:rPr lang="en-US" baseline="0" dirty="0"/>
-              <a:t>Actors</a:t>
-            </a:r>
-            <a:r>
-              <a:rPr lang="en-US" dirty="0"/>
-              <a:t> by Reference</a:t>
-            </a:r>
+              <a:t> Messages</a:t>
+            </a:r>
+            <a:endParaRPr lang="en-US" dirty="0"/>
           </a:p>
         </p:txBody>
       </p:sp>
     </p:spTree>
     <p:extLst>
       <p:ext uri="{BB962C8B-B14F-4D97-AF65-F5344CB8AC3E}">
-        <p14:creationId xmlns:p14="http://schemas.microsoft.com/office/powerpoint/2010/main" val="3167375092"/>
+        <p14:creationId xmlns:p14="http://schemas.microsoft.com/office/powerpoint/2010/main" val="3018524157"/>
       </p:ext>
     </p:extLst>
   </p:cSld>
@@ -11333,8 +11498,12 @@
           <a:lstStyle/>
           <a:p>
             <a:r>
+              <a:rPr lang="en-US" baseline="0" dirty="0"/>
+              <a:t>Actors</a:t>
+            </a:r>
+            <a:r>
               <a:rPr lang="en-US" dirty="0"/>
-              <a:t>Props</a:t>
+              <a:t> by Reference</a:t>
             </a:r>
           </a:p>
         </p:txBody>
@@ -11342,7 +11511,7 @@
     </p:spTree>
     <p:extLst>
       <p:ext uri="{BB962C8B-B14F-4D97-AF65-F5344CB8AC3E}">
-        <p14:creationId xmlns:p14="http://schemas.microsoft.com/office/powerpoint/2010/main" val="796468487"/>
+        <p14:creationId xmlns:p14="http://schemas.microsoft.com/office/powerpoint/2010/main" val="3167375092"/>
       </p:ext>
     </p:extLst>
   </p:cSld>
@@ -11386,6 +11555,58 @@
           <a:p>
             <a:r>
               <a:rPr lang="en-US" dirty="0"/>
+              <a:t>Props</a:t>
+            </a:r>
+          </a:p>
+        </p:txBody>
+      </p:sp>
+    </p:spTree>
+    <p:extLst>
+      <p:ext uri="{BB962C8B-B14F-4D97-AF65-F5344CB8AC3E}">
+        <p14:creationId xmlns:p14="http://schemas.microsoft.com/office/powerpoint/2010/main" val="796468487"/>
+      </p:ext>
+    </p:extLst>
+  </p:cSld>
+  <p:clrMapOvr>
+    <a:masterClrMapping/>
+  </p:clrMapOvr>
+</p:sld>
+</file>
+
+<file path=ppt/slides/slide16.xml><?xml version="1.0" encoding="utf-8"?>
+<p:sld xmlns:a="http://schemas.openxmlformats.org/drawingml/2006/main" xmlns:r="http://schemas.openxmlformats.org/officeDocument/2006/relationships" xmlns:p="http://schemas.openxmlformats.org/presentationml/2006/main">
+  <p:cSld>
+    <p:spTree>
+      <p:nvGrpSpPr>
+        <p:cNvPr id="1" name=""/>
+        <p:cNvGrpSpPr/>
+        <p:nvPr/>
+      </p:nvGrpSpPr>
+      <p:grpSpPr>
+        <a:xfrm>
+          <a:off x="0" y="0"/>
+          <a:ext cx="0" cy="0"/>
+          <a:chOff x="0" y="0"/>
+          <a:chExt cx="0" cy="0"/>
+        </a:xfrm>
+      </p:grpSpPr>
+      <p:sp>
+        <p:nvSpPr>
+          <p:cNvPr id="2" name="Title 1"/>
+          <p:cNvSpPr>
+            <a:spLocks noGrp="1"/>
+          </p:cNvSpPr>
+          <p:nvPr>
+            <p:ph type="title"/>
+          </p:nvPr>
+        </p:nvSpPr>
+        <p:spPr/>
+        <p:txBody>
+          <a:bodyPr/>
+          <a:lstStyle/>
+          <a:p>
+            <a:r>
+              <a:rPr lang="en-US" dirty="0"/>
               <a:t>Every Actor Has:</a:t>
             </a:r>
           </a:p>
@@ -11592,7 +11813,7 @@
 </p:sld>
 </file>
 
-<file path=ppt/slides/slide16.xml><?xml version="1.0" encoding="utf-8"?>
+<file path=ppt/slides/slide17.xml><?xml version="1.0" encoding="utf-8"?>
 <p:sld xmlns:a="http://schemas.openxmlformats.org/drawingml/2006/main" xmlns:r="http://schemas.openxmlformats.org/officeDocument/2006/relationships" xmlns:p="http://schemas.openxmlformats.org/presentationml/2006/main">
   <p:cSld>
     <p:spTree>
@@ -11954,7 +12175,7 @@
 </p:sld>
 </file>
 
-<file path=ppt/slides/slide17.xml><?xml version="1.0" encoding="utf-8"?>
+<file path=ppt/slides/slide18.xml><?xml version="1.0" encoding="utf-8"?>
 <p:sld xmlns:a="http://schemas.openxmlformats.org/drawingml/2006/main" xmlns:r="http://schemas.openxmlformats.org/officeDocument/2006/relationships" xmlns:p="http://schemas.openxmlformats.org/presentationml/2006/main">
   <p:cSld>
     <p:spTree>
@@ -12360,7 +12581,7 @@
 </p:sld>
 </file>
 
-<file path=ppt/slides/slide18.xml><?xml version="1.0" encoding="utf-8"?>
+<file path=ppt/slides/slide19.xml><?xml version="1.0" encoding="utf-8"?>
 <p:sld xmlns:a="http://schemas.openxmlformats.org/drawingml/2006/main" xmlns:r="http://schemas.openxmlformats.org/officeDocument/2006/relationships" xmlns:p="http://schemas.openxmlformats.org/presentationml/2006/main">
   <p:cSld>
     <p:spTree>
@@ -12412,7 +12633,185 @@
 </p:sld>
 </file>
 
-<file path=ppt/slides/slide19.xml><?xml version="1.0" encoding="utf-8"?>
+<file path=ppt/slides/slide2.xml><?xml version="1.0" encoding="utf-8"?>
+<p:sld xmlns:a="http://schemas.openxmlformats.org/drawingml/2006/main" xmlns:r="http://schemas.openxmlformats.org/officeDocument/2006/relationships" xmlns:p="http://schemas.openxmlformats.org/presentationml/2006/main">
+  <p:cSld>
+    <p:spTree>
+      <p:nvGrpSpPr>
+        <p:cNvPr id="1" name=""/>
+        <p:cNvGrpSpPr/>
+        <p:nvPr/>
+      </p:nvGrpSpPr>
+      <p:grpSpPr>
+        <a:xfrm>
+          <a:off x="0" y="0"/>
+          <a:ext cx="0" cy="0"/>
+          <a:chOff x="0" y="0"/>
+          <a:chExt cx="0" cy="0"/>
+        </a:xfrm>
+      </p:grpSpPr>
+      <p:sp>
+        <p:nvSpPr>
+          <p:cNvPr id="2" name="Title 1"/>
+          <p:cNvSpPr>
+            <a:spLocks noGrp="1"/>
+          </p:cNvSpPr>
+          <p:nvPr>
+            <p:ph type="title"/>
+          </p:nvPr>
+        </p:nvSpPr>
+        <p:spPr/>
+        <p:txBody>
+          <a:bodyPr/>
+          <a:lstStyle/>
+          <a:p>
+            <a:pPr lvl="0"/>
+            <a:r>
+              <a:rPr lang="en-US" dirty="0"/>
+              <a:t>What We’ll Cover</a:t>
+            </a:r>
+          </a:p>
+        </p:txBody>
+      </p:sp>
+      <p:sp>
+        <p:nvSpPr>
+          <p:cNvPr id="4" name="TextBox 3"/>
+          <p:cNvSpPr txBox="1"/>
+          <p:nvPr/>
+        </p:nvSpPr>
+        <p:spPr>
+          <a:xfrm rot="17983780">
+            <a:off x="908451" y="3998333"/>
+            <a:ext cx="4762842" cy="769441"/>
+          </a:xfrm>
+          <a:prstGeom prst="rect">
+            <a:avLst/>
+          </a:prstGeom>
+          <a:noFill/>
+        </p:spPr>
+        <p:txBody>
+          <a:bodyPr wrap="none" rtlCol="0">
+            <a:spAutoFit/>
+          </a:bodyPr>
+          <a:lstStyle/>
+          <a:p>
+            <a:r>
+              <a:rPr lang="en-US" sz="4400" dirty="0">
+                <a:solidFill>
+                  <a:schemeClr val="bg1">
+                    <a:lumMod val="95000"/>
+                  </a:schemeClr>
+                </a:solidFill>
+                <a:latin typeface="Arial" panose="020B0604020202020204" pitchFamily="34" charset="0"/>
+                <a:cs typeface="Arial" panose="020B0604020202020204" pitchFamily="34" charset="0"/>
+              </a:rPr>
+              <a:t>History / Overview</a:t>
+            </a:r>
+          </a:p>
+        </p:txBody>
+      </p:sp>
+      <p:sp>
+        <p:nvSpPr>
+          <p:cNvPr id="5" name="TextBox 4"/>
+          <p:cNvSpPr txBox="1"/>
+          <p:nvPr/>
+        </p:nvSpPr>
+        <p:spPr>
+          <a:xfrm rot="17951176">
+            <a:off x="4411083" y="4003254"/>
+            <a:ext cx="3369833" cy="1569660"/>
+          </a:xfrm>
+          <a:prstGeom prst="rect">
+            <a:avLst/>
+          </a:prstGeom>
+          <a:noFill/>
+        </p:spPr>
+        <p:txBody>
+          <a:bodyPr wrap="none" rtlCol="0">
+            <a:spAutoFit/>
+          </a:bodyPr>
+          <a:lstStyle/>
+          <a:p>
+            <a:r>
+              <a:rPr lang="en-US" sz="4800" dirty="0">
+                <a:solidFill>
+                  <a:schemeClr val="bg1">
+                    <a:lumMod val="95000"/>
+                  </a:schemeClr>
+                </a:solidFill>
+                <a:latin typeface="Arial" panose="020B0604020202020204" pitchFamily="34" charset="0"/>
+                <a:cs typeface="Arial" panose="020B0604020202020204" pitchFamily="34" charset="0"/>
+              </a:rPr>
+              <a:t>Concepts &amp;</a:t>
+            </a:r>
+          </a:p>
+          <a:p>
+            <a:r>
+              <a:rPr lang="en-US" sz="4800" dirty="0">
+                <a:solidFill>
+                  <a:schemeClr val="bg1">
+                    <a:lumMod val="95000"/>
+                  </a:schemeClr>
+                </a:solidFill>
+                <a:latin typeface="Arial" panose="020B0604020202020204" pitchFamily="34" charset="0"/>
+                <a:cs typeface="Arial" panose="020B0604020202020204" pitchFamily="34" charset="0"/>
+              </a:rPr>
+              <a:t>Benefits</a:t>
+            </a:r>
+          </a:p>
+        </p:txBody>
+      </p:sp>
+      <p:sp>
+        <p:nvSpPr>
+          <p:cNvPr id="6" name="TextBox 5"/>
+          <p:cNvSpPr txBox="1"/>
+          <p:nvPr/>
+        </p:nvSpPr>
+        <p:spPr>
+          <a:xfrm rot="17977531">
+            <a:off x="7258655" y="5181374"/>
+            <a:ext cx="2377574" cy="923330"/>
+          </a:xfrm>
+          <a:prstGeom prst="rect">
+            <a:avLst/>
+          </a:prstGeom>
+          <a:noFill/>
+        </p:spPr>
+        <p:txBody>
+          <a:bodyPr wrap="none" rtlCol="0">
+            <a:spAutoFit/>
+          </a:bodyPr>
+          <a:lstStyle/>
+          <a:p>
+            <a:r>
+              <a:rPr lang="en-US" sz="5400" dirty="0">
+                <a:solidFill>
+                  <a:schemeClr val="bg1">
+                    <a:lumMod val="95000"/>
+                  </a:schemeClr>
+                </a:solidFill>
+                <a:latin typeface="Arial" panose="020B0604020202020204" pitchFamily="34" charset="0"/>
+                <a:cs typeface="Arial" panose="020B0604020202020204" pitchFamily="34" charset="0"/>
+              </a:rPr>
+              <a:t>Demos</a:t>
+            </a:r>
+          </a:p>
+        </p:txBody>
+      </p:sp>
+    </p:spTree>
+    <p:extLst>
+      <p:ext uri="{BB962C8B-B14F-4D97-AF65-F5344CB8AC3E}">
+        <p14:creationId xmlns:p14="http://schemas.microsoft.com/office/powerpoint/2010/main" val="3756168165"/>
+      </p:ext>
+    </p:extLst>
+  </p:cSld>
+  <p:clrMapOvr>
+    <a:masterClrMapping/>
+  </p:clrMapOvr>
+</p:sld>
+</file>
+
+<file path=ppt/slides/slide20.xml><?xml version="1.0" encoding="utf-8"?>
 <p:sld xmlns:a="http://schemas.openxmlformats.org/drawingml/2006/main" xmlns:r="http://schemas.openxmlformats.org/officeDocument/2006/relationships" xmlns:p="http://schemas.openxmlformats.org/presentationml/2006/main">
   <p:cSld>
     <p:spTree>
@@ -15142,185 +15541,7 @@
 </p:sld>
 </file>
 
-<file path=ppt/slides/slide2.xml><?xml version="1.0" encoding="utf-8"?>
-<p:sld xmlns:a="http://schemas.openxmlformats.org/drawingml/2006/main" xmlns:r="http://schemas.openxmlformats.org/officeDocument/2006/relationships" xmlns:p="http://schemas.openxmlformats.org/presentationml/2006/main">
-  <p:cSld>
-    <p:spTree>
-      <p:nvGrpSpPr>
-        <p:cNvPr id="1" name=""/>
-        <p:cNvGrpSpPr/>
-        <p:nvPr/>
-      </p:nvGrpSpPr>
-      <p:grpSpPr>
-        <a:xfrm>
-          <a:off x="0" y="0"/>
-          <a:ext cx="0" cy="0"/>
-          <a:chOff x="0" y="0"/>
-          <a:chExt cx="0" cy="0"/>
-        </a:xfrm>
-      </p:grpSpPr>
-      <p:sp>
-        <p:nvSpPr>
-          <p:cNvPr id="2" name="Title 1"/>
-          <p:cNvSpPr>
-            <a:spLocks noGrp="1"/>
-          </p:cNvSpPr>
-          <p:nvPr>
-            <p:ph type="title"/>
-          </p:nvPr>
-        </p:nvSpPr>
-        <p:spPr/>
-        <p:txBody>
-          <a:bodyPr/>
-          <a:lstStyle/>
-          <a:p>
-            <a:pPr lvl="0"/>
-            <a:r>
-              <a:rPr lang="en-US" dirty="0"/>
-              <a:t>What We’ll Cover</a:t>
-            </a:r>
-          </a:p>
-        </p:txBody>
-      </p:sp>
-      <p:sp>
-        <p:nvSpPr>
-          <p:cNvPr id="4" name="TextBox 3"/>
-          <p:cNvSpPr txBox="1"/>
-          <p:nvPr/>
-        </p:nvSpPr>
-        <p:spPr>
-          <a:xfrm rot="17983780">
-            <a:off x="908451" y="3998333"/>
-            <a:ext cx="4762842" cy="769441"/>
-          </a:xfrm>
-          <a:prstGeom prst="rect">
-            <a:avLst/>
-          </a:prstGeom>
-          <a:noFill/>
-        </p:spPr>
-        <p:txBody>
-          <a:bodyPr wrap="none" rtlCol="0">
-            <a:spAutoFit/>
-          </a:bodyPr>
-          <a:lstStyle/>
-          <a:p>
-            <a:r>
-              <a:rPr lang="en-US" sz="4400" dirty="0">
-                <a:solidFill>
-                  <a:schemeClr val="bg1">
-                    <a:lumMod val="95000"/>
-                  </a:schemeClr>
-                </a:solidFill>
-                <a:latin typeface="Arial" panose="020B0604020202020204" pitchFamily="34" charset="0"/>
-                <a:cs typeface="Arial" panose="020B0604020202020204" pitchFamily="34" charset="0"/>
-              </a:rPr>
-              <a:t>History / Overview</a:t>
-            </a:r>
-          </a:p>
-        </p:txBody>
-      </p:sp>
-      <p:sp>
-        <p:nvSpPr>
-          <p:cNvPr id="5" name="TextBox 4"/>
-          <p:cNvSpPr txBox="1"/>
-          <p:nvPr/>
-        </p:nvSpPr>
-        <p:spPr>
-          <a:xfrm rot="17951176">
-            <a:off x="4411083" y="4003254"/>
-            <a:ext cx="3369833" cy="1569660"/>
-          </a:xfrm>
-          <a:prstGeom prst="rect">
-            <a:avLst/>
-          </a:prstGeom>
-          <a:noFill/>
-        </p:spPr>
-        <p:txBody>
-          <a:bodyPr wrap="none" rtlCol="0">
-            <a:spAutoFit/>
-          </a:bodyPr>
-          <a:lstStyle/>
-          <a:p>
-            <a:r>
-              <a:rPr lang="en-US" sz="4800" dirty="0">
-                <a:solidFill>
-                  <a:schemeClr val="bg1">
-                    <a:lumMod val="95000"/>
-                  </a:schemeClr>
-                </a:solidFill>
-                <a:latin typeface="Arial" panose="020B0604020202020204" pitchFamily="34" charset="0"/>
-                <a:cs typeface="Arial" panose="020B0604020202020204" pitchFamily="34" charset="0"/>
-              </a:rPr>
-              <a:t>Concepts &amp;</a:t>
-            </a:r>
-          </a:p>
-          <a:p>
-            <a:r>
-              <a:rPr lang="en-US" sz="4800" dirty="0">
-                <a:solidFill>
-                  <a:schemeClr val="bg1">
-                    <a:lumMod val="95000"/>
-                  </a:schemeClr>
-                </a:solidFill>
-                <a:latin typeface="Arial" panose="020B0604020202020204" pitchFamily="34" charset="0"/>
-                <a:cs typeface="Arial" panose="020B0604020202020204" pitchFamily="34" charset="0"/>
-              </a:rPr>
-              <a:t>Benefits</a:t>
-            </a:r>
-          </a:p>
-        </p:txBody>
-      </p:sp>
-      <p:sp>
-        <p:nvSpPr>
-          <p:cNvPr id="6" name="TextBox 5"/>
-          <p:cNvSpPr txBox="1"/>
-          <p:nvPr/>
-        </p:nvSpPr>
-        <p:spPr>
-          <a:xfrm rot="17977531">
-            <a:off x="7258655" y="5181374"/>
-            <a:ext cx="2377574" cy="923330"/>
-          </a:xfrm>
-          <a:prstGeom prst="rect">
-            <a:avLst/>
-          </a:prstGeom>
-          <a:noFill/>
-        </p:spPr>
-        <p:txBody>
-          <a:bodyPr wrap="none" rtlCol="0">
-            <a:spAutoFit/>
-          </a:bodyPr>
-          <a:lstStyle/>
-          <a:p>
-            <a:r>
-              <a:rPr lang="en-US" sz="5400" dirty="0">
-                <a:solidFill>
-                  <a:schemeClr val="bg1">
-                    <a:lumMod val="95000"/>
-                  </a:schemeClr>
-                </a:solidFill>
-                <a:latin typeface="Arial" panose="020B0604020202020204" pitchFamily="34" charset="0"/>
-                <a:cs typeface="Arial" panose="020B0604020202020204" pitchFamily="34" charset="0"/>
-              </a:rPr>
-              <a:t>Demos</a:t>
-            </a:r>
-          </a:p>
-        </p:txBody>
-      </p:sp>
-    </p:spTree>
-    <p:extLst>
-      <p:ext uri="{BB962C8B-B14F-4D97-AF65-F5344CB8AC3E}">
-        <p14:creationId xmlns:p14="http://schemas.microsoft.com/office/powerpoint/2010/main" val="3756168165"/>
-      </p:ext>
-    </p:extLst>
-  </p:cSld>
-  <p:clrMapOvr>
-    <a:masterClrMapping/>
-  </p:clrMapOvr>
-</p:sld>
-</file>
-
-<file path=ppt/slides/slide20.xml><?xml version="1.0" encoding="utf-8"?>
+<file path=ppt/slides/slide21.xml><?xml version="1.0" encoding="utf-8"?>
 <p:sld xmlns:a="http://schemas.openxmlformats.org/drawingml/2006/main" xmlns:r="http://schemas.openxmlformats.org/officeDocument/2006/relationships" xmlns:p="http://schemas.openxmlformats.org/presentationml/2006/main">
   <p:cSld>
     <p:spTree>
@@ -16859,7 +17080,7 @@
 </p:sld>
 </file>
 
-<file path=ppt/slides/slide21.xml><?xml version="1.0" encoding="utf-8"?>
+<file path=ppt/slides/slide22.xml><?xml version="1.0" encoding="utf-8"?>
 <p:sld xmlns:a="http://schemas.openxmlformats.org/drawingml/2006/main" xmlns:r="http://schemas.openxmlformats.org/officeDocument/2006/relationships" xmlns:p="http://schemas.openxmlformats.org/presentationml/2006/main">
   <p:cSld>
     <p:spTree>
@@ -17583,7 +17804,7 @@
 </p:sld>
 </file>
 
-<file path=ppt/slides/slide22.xml><?xml version="1.0" encoding="utf-8"?>
+<file path=ppt/slides/slide23.xml><?xml version="1.0" encoding="utf-8"?>
 <p:sld xmlns:a="http://schemas.openxmlformats.org/drawingml/2006/main" xmlns:r="http://schemas.openxmlformats.org/officeDocument/2006/relationships" xmlns:p="http://schemas.openxmlformats.org/presentationml/2006/main">
   <p:cSld>
     <p:spTree>
@@ -20481,62 +20702,6 @@
 </p:sld>
 </file>
 
-<file path=ppt/slides/slide23.xml><?xml version="1.0" encoding="utf-8"?>
-<p:sld xmlns:a="http://schemas.openxmlformats.org/drawingml/2006/main" xmlns:r="http://schemas.openxmlformats.org/officeDocument/2006/relationships" xmlns:p="http://schemas.openxmlformats.org/presentationml/2006/main">
-  <p:cSld>
-    <p:spTree>
-      <p:nvGrpSpPr>
-        <p:cNvPr id="1" name=""/>
-        <p:cNvGrpSpPr/>
-        <p:nvPr/>
-      </p:nvGrpSpPr>
-      <p:grpSpPr>
-        <a:xfrm>
-          <a:off x="0" y="0"/>
-          <a:ext cx="0" cy="0"/>
-          <a:chOff x="0" y="0"/>
-          <a:chExt cx="0" cy="0"/>
-        </a:xfrm>
-      </p:grpSpPr>
-      <p:sp>
-        <p:nvSpPr>
-          <p:cNvPr id="2" name="Title 1"/>
-          <p:cNvSpPr>
-            <a:spLocks noGrp="1"/>
-          </p:cNvSpPr>
-          <p:nvPr>
-            <p:ph type="title"/>
-          </p:nvPr>
-        </p:nvSpPr>
-        <p:spPr/>
-        <p:txBody>
-          <a:bodyPr/>
-          <a:lstStyle/>
-          <a:p>
-            <a:r>
-              <a:rPr lang="en-US" dirty="0" err="1"/>
-              <a:t>Async</a:t>
-            </a:r>
-            <a:r>
-              <a:rPr lang="en-US" dirty="0"/>
-              <a:t> by Default</a:t>
-            </a:r>
-          </a:p>
-        </p:txBody>
-      </p:sp>
-    </p:spTree>
-    <p:extLst>
-      <p:ext uri="{BB962C8B-B14F-4D97-AF65-F5344CB8AC3E}">
-        <p14:creationId xmlns:p14="http://schemas.microsoft.com/office/powerpoint/2010/main" val="4213886944"/>
-      </p:ext>
-    </p:extLst>
-  </p:cSld>
-  <p:clrMapOvr>
-    <a:masterClrMapping/>
-  </p:clrMapOvr>
-</p:sld>
-</file>
-
 <file path=ppt/slides/slide24.xml><?xml version="1.0" encoding="utf-8"?>
 <p:sld xmlns:a="http://schemas.openxmlformats.org/drawingml/2006/main" xmlns:r="http://schemas.openxmlformats.org/officeDocument/2006/relationships" xmlns:p="http://schemas.openxmlformats.org/presentationml/2006/main">
   <p:cSld>
@@ -20570,8 +20735,12 @@
           <a:lstStyle/>
           <a:p>
             <a:r>
+              <a:rPr lang="en-US" dirty="0" err="1"/>
+              <a:t>Async</a:t>
+            </a:r>
+            <a:r>
               <a:rPr lang="en-US" dirty="0"/>
-              <a:t>Recoverability</a:t>
+              <a:t> by Default</a:t>
             </a:r>
           </a:p>
         </p:txBody>
@@ -20579,7 +20748,7 @@
     </p:spTree>
     <p:extLst>
       <p:ext uri="{BB962C8B-B14F-4D97-AF65-F5344CB8AC3E}">
-        <p14:creationId xmlns:p14="http://schemas.microsoft.com/office/powerpoint/2010/main" val="1073041104"/>
+        <p14:creationId xmlns:p14="http://schemas.microsoft.com/office/powerpoint/2010/main" val="4213886944"/>
       </p:ext>
     </p:extLst>
   </p:cSld>
@@ -20623,7 +20792,7 @@
           <a:p>
             <a:r>
               <a:rPr lang="en-US" dirty="0"/>
-              <a:t>Cheap!</a:t>
+              <a:t>Recoverability</a:t>
             </a:r>
           </a:p>
         </p:txBody>
@@ -20631,7 +20800,7 @@
     </p:spTree>
     <p:extLst>
       <p:ext uri="{BB962C8B-B14F-4D97-AF65-F5344CB8AC3E}">
-        <p14:creationId xmlns:p14="http://schemas.microsoft.com/office/powerpoint/2010/main" val="1598386897"/>
+        <p14:creationId xmlns:p14="http://schemas.microsoft.com/office/powerpoint/2010/main" val="1073041104"/>
       </p:ext>
     </p:extLst>
   </p:cSld>
@@ -20675,7 +20844,7 @@
           <a:p>
             <a:r>
               <a:rPr lang="en-US" dirty="0"/>
-              <a:t>Location Transparency</a:t>
+              <a:t>Cheap!</a:t>
             </a:r>
           </a:p>
         </p:txBody>
@@ -20683,7 +20852,7 @@
     </p:spTree>
     <p:extLst>
       <p:ext uri="{BB962C8B-B14F-4D97-AF65-F5344CB8AC3E}">
-        <p14:creationId xmlns:p14="http://schemas.microsoft.com/office/powerpoint/2010/main" val="2634990025"/>
+        <p14:creationId xmlns:p14="http://schemas.microsoft.com/office/powerpoint/2010/main" val="1598386897"/>
       </p:ext>
     </p:extLst>
   </p:cSld>
@@ -20727,20 +20896,15 @@
           <a:p>
             <a:r>
               <a:rPr lang="en-US" dirty="0"/>
-              <a:t>Easy State</a:t>
-            </a:r>
-            <a:r>
-              <a:rPr lang="en-US" baseline="0" dirty="0"/>
-              <a:t> Machines</a:t>
-            </a:r>
-            <a:endParaRPr lang="en-US" dirty="0"/>
+              <a:t>Location Transparency</a:t>
+            </a:r>
           </a:p>
         </p:txBody>
       </p:sp>
     </p:spTree>
     <p:extLst>
       <p:ext uri="{BB962C8B-B14F-4D97-AF65-F5344CB8AC3E}">
-        <p14:creationId xmlns:p14="http://schemas.microsoft.com/office/powerpoint/2010/main" val="1005025486"/>
+        <p14:creationId xmlns:p14="http://schemas.microsoft.com/office/powerpoint/2010/main" val="2634990025"/>
       </p:ext>
     </p:extLst>
   </p:cSld>
@@ -20784,6 +20948,63 @@
           <a:p>
             <a:r>
               <a:rPr lang="en-US" dirty="0"/>
+              <a:t>Easy State</a:t>
+            </a:r>
+            <a:r>
+              <a:rPr lang="en-US" baseline="0" dirty="0"/>
+              <a:t> Machines</a:t>
+            </a:r>
+            <a:endParaRPr lang="en-US" dirty="0"/>
+          </a:p>
+        </p:txBody>
+      </p:sp>
+    </p:spTree>
+    <p:extLst>
+      <p:ext uri="{BB962C8B-B14F-4D97-AF65-F5344CB8AC3E}">
+        <p14:creationId xmlns:p14="http://schemas.microsoft.com/office/powerpoint/2010/main" val="1005025486"/>
+      </p:ext>
+    </p:extLst>
+  </p:cSld>
+  <p:clrMapOvr>
+    <a:masterClrMapping/>
+  </p:clrMapOvr>
+</p:sld>
+</file>
+
+<file path=ppt/slides/slide29.xml><?xml version="1.0" encoding="utf-8"?>
+<p:sld xmlns:a="http://schemas.openxmlformats.org/drawingml/2006/main" xmlns:r="http://schemas.openxmlformats.org/officeDocument/2006/relationships" xmlns:p="http://schemas.openxmlformats.org/presentationml/2006/main">
+  <p:cSld>
+    <p:spTree>
+      <p:nvGrpSpPr>
+        <p:cNvPr id="1" name=""/>
+        <p:cNvGrpSpPr/>
+        <p:nvPr/>
+      </p:nvGrpSpPr>
+      <p:grpSpPr>
+        <a:xfrm>
+          <a:off x="0" y="0"/>
+          <a:ext cx="0" cy="0"/>
+          <a:chOff x="0" y="0"/>
+          <a:chExt cx="0" cy="0"/>
+        </a:xfrm>
+      </p:grpSpPr>
+      <p:sp>
+        <p:nvSpPr>
+          <p:cNvPr id="2" name="Title 1"/>
+          <p:cNvSpPr>
+            <a:spLocks noGrp="1"/>
+          </p:cNvSpPr>
+          <p:nvPr>
+            <p:ph type="title"/>
+          </p:nvPr>
+        </p:nvSpPr>
+        <p:spPr/>
+        <p:txBody>
+          <a:bodyPr/>
+          <a:lstStyle/>
+          <a:p>
+            <a:r>
+              <a:rPr lang="en-US" dirty="0"/>
               <a:t>Configurability</a:t>
             </a:r>
           </a:p>
@@ -20802,7 +21023,228 @@
 </p:sld>
 </file>
 
-<file path=ppt/slides/slide29.xml><?xml version="1.0" encoding="utf-8"?>
+<file path=ppt/slides/slide3.xml><?xml version="1.0" encoding="utf-8"?>
+<p:sld xmlns:a="http://schemas.openxmlformats.org/drawingml/2006/main" xmlns:r="http://schemas.openxmlformats.org/officeDocument/2006/relationships" xmlns:p="http://schemas.openxmlformats.org/presentationml/2006/main">
+  <p:cSld>
+    <p:spTree>
+      <p:nvGrpSpPr>
+        <p:cNvPr id="1" name=""/>
+        <p:cNvGrpSpPr/>
+        <p:nvPr/>
+      </p:nvGrpSpPr>
+      <p:grpSpPr>
+        <a:xfrm>
+          <a:off x="0" y="0"/>
+          <a:ext cx="0" cy="0"/>
+          <a:chOff x="0" y="0"/>
+          <a:chExt cx="0" cy="0"/>
+        </a:xfrm>
+      </p:grpSpPr>
+      <p:sp>
+        <p:nvSpPr>
+          <p:cNvPr id="2" name="Title 1"/>
+          <p:cNvSpPr>
+            <a:spLocks noGrp="1"/>
+          </p:cNvSpPr>
+          <p:nvPr>
+            <p:ph type="title"/>
+          </p:nvPr>
+        </p:nvSpPr>
+        <p:spPr/>
+        <p:txBody>
+          <a:bodyPr/>
+          <a:lstStyle/>
+          <a:p>
+            <a:r>
+              <a:rPr lang="en-US" baseline="0" dirty="0" err="1"/>
+              <a:t>Akka-knowledgments</a:t>
+            </a:r>
+            <a:r>
+              <a:rPr lang="en-US" baseline="0" dirty="0"/>
+              <a:t>:</a:t>
+            </a:r>
+            <a:r>
+              <a:rPr lang="en-US" dirty="0"/>
+              <a:t> Thanks, Roger!</a:t>
+            </a:r>
+          </a:p>
+        </p:txBody>
+      </p:sp>
+      <p:pic>
+        <p:nvPicPr>
+          <p:cNvPr id="6" name="Content Placeholder 5"/>
+          <p:cNvPicPr>
+            <a:picLocks noGrp="1" noChangeAspect="1"/>
+          </p:cNvPicPr>
+          <p:nvPr>
+            <p:ph sz="half" idx="1"/>
+          </p:nvPr>
+        </p:nvPicPr>
+        <p:blipFill>
+          <a:blip r:embed="rId3">
+            <a:extLst>
+              <a:ext uri="{28A0092B-C50C-407E-A947-70E740481C1C}">
+                <a14:useLocalDpi xmlns:a14="http://schemas.microsoft.com/office/drawing/2010/main" val="0"/>
+              </a:ext>
+            </a:extLst>
+          </a:blip>
+          <a:stretch>
+            <a:fillRect/>
+          </a:stretch>
+        </p:blipFill>
+        <p:spPr>
+          <a:xfrm>
+            <a:off x="984074" y="1690688"/>
+            <a:ext cx="3768548" cy="3768548"/>
+          </a:xfrm>
+        </p:spPr>
+      </p:pic>
+      <p:sp>
+        <p:nvSpPr>
+          <p:cNvPr id="5" name="Content Placeholder 4"/>
+          <p:cNvSpPr>
+            <a:spLocks noGrp="1"/>
+          </p:cNvSpPr>
+          <p:nvPr>
+            <p:ph sz="half" idx="2"/>
+          </p:nvPr>
+        </p:nvSpPr>
+        <p:spPr>
+          <a:xfrm>
+            <a:off x="5709355" y="1690688"/>
+            <a:ext cx="5181600" cy="4351338"/>
+          </a:xfrm>
+        </p:spPr>
+        <p:txBody>
+          <a:bodyPr/>
+          <a:lstStyle/>
+          <a:p>
+            <a:pPr marL="0" indent="0">
+              <a:buNone/>
+            </a:pPr>
+            <a:r>
+              <a:rPr lang="en-US" dirty="0"/>
+              <a:t>Twitter: </a:t>
+            </a:r>
+            <a:r>
+              <a:rPr lang="en-US" dirty="0">
+                <a:hlinkClick r:id="rId4"/>
+              </a:rPr>
+              <a:t>@</a:t>
+            </a:r>
+            <a:r>
+              <a:rPr lang="en-US" dirty="0" err="1">
+                <a:hlinkClick r:id="rId4"/>
+              </a:rPr>
+              <a:t>rogeralsing</a:t>
+            </a:r>
+            <a:endParaRPr lang="en-US" dirty="0"/>
+          </a:p>
+          <a:p>
+            <a:pPr marL="0" indent="0">
+              <a:buNone/>
+            </a:pPr>
+            <a:r>
+              <a:rPr lang="en-US" dirty="0" err="1"/>
+              <a:t>Github</a:t>
+            </a:r>
+            <a:r>
+              <a:rPr lang="en-US" dirty="0"/>
+              <a:t>: </a:t>
+            </a:r>
+            <a:r>
+              <a:rPr lang="en-US" dirty="0" err="1">
+                <a:hlinkClick r:id="rId5"/>
+              </a:rPr>
+              <a:t>rogeralsing</a:t>
+            </a:r>
+            <a:endParaRPr lang="en-US" dirty="0"/>
+          </a:p>
+          <a:p>
+            <a:pPr marL="0" indent="0">
+              <a:buNone/>
+            </a:pPr>
+            <a:r>
+              <a:rPr lang="en-US" dirty="0"/>
+              <a:t>Email: </a:t>
+            </a:r>
+            <a:r>
+              <a:rPr lang="en-US" dirty="0">
+                <a:hlinkClick r:id="rId6"/>
+              </a:rPr>
+              <a:t>Roger@nethouse.se</a:t>
+            </a:r>
+            <a:endParaRPr lang="en-US" dirty="0"/>
+          </a:p>
+          <a:p>
+            <a:pPr marL="0" indent="0">
+              <a:buNone/>
+            </a:pPr>
+            <a:r>
+              <a:rPr lang="en-US" dirty="0"/>
+              <a:t>Web: </a:t>
+            </a:r>
+            <a:r>
+              <a:rPr lang="en-US" dirty="0">
+                <a:hlinkClick r:id="rId7"/>
+              </a:rPr>
+              <a:t>http://rogeralsing.com</a:t>
+            </a:r>
+            <a:r>
+              <a:rPr lang="en-US" dirty="0"/>
+              <a:t> </a:t>
+            </a:r>
+          </a:p>
+          <a:p>
+            <a:pPr marL="0" indent="0">
+              <a:buNone/>
+            </a:pPr>
+            <a:r>
+              <a:rPr lang="en-US" dirty="0"/>
+              <a:t>          </a:t>
+            </a:r>
+            <a:r>
+              <a:rPr lang="en-US" dirty="0">
+                <a:hlinkClick r:id="rId8"/>
+              </a:rPr>
+              <a:t>http://akka.nethouse.se</a:t>
+            </a:r>
+            <a:r>
+              <a:rPr lang="en-US" dirty="0"/>
+              <a:t> </a:t>
+            </a:r>
+          </a:p>
+          <a:p>
+            <a:pPr marL="0" indent="0">
+              <a:buNone/>
+            </a:pPr>
+            <a:r>
+              <a:rPr lang="en-US" dirty="0"/>
+              <a:t>            </a:t>
+            </a:r>
+          </a:p>
+          <a:p>
+            <a:pPr marL="0" indent="0">
+              <a:buNone/>
+            </a:pPr>
+            <a:endParaRPr lang="en-US" dirty="0"/>
+          </a:p>
+        </p:txBody>
+      </p:sp>
+    </p:spTree>
+    <p:extLst>
+      <p:ext uri="{BB962C8B-B14F-4D97-AF65-F5344CB8AC3E}">
+        <p14:creationId xmlns:p14="http://schemas.microsoft.com/office/powerpoint/2010/main" val="3797172182"/>
+      </p:ext>
+    </p:extLst>
+  </p:cSld>
+  <p:clrMapOvr>
+    <a:masterClrMapping/>
+  </p:clrMapOvr>
+</p:sld>
+</file>
+
+<file path=ppt/slides/slide30.xml><?xml version="1.0" encoding="utf-8"?>
 <p:sld xmlns:a="http://schemas.openxmlformats.org/drawingml/2006/main" xmlns:r="http://schemas.openxmlformats.org/officeDocument/2006/relationships" xmlns:p="http://schemas.openxmlformats.org/presentationml/2006/main">
   <p:cSld>
     <p:bg>
@@ -23907,228 +24349,7 @@
 </p:sld>
 </file>
 
-<file path=ppt/slides/slide3.xml><?xml version="1.0" encoding="utf-8"?>
-<p:sld xmlns:a="http://schemas.openxmlformats.org/drawingml/2006/main" xmlns:r="http://schemas.openxmlformats.org/officeDocument/2006/relationships" xmlns:p="http://schemas.openxmlformats.org/presentationml/2006/main">
-  <p:cSld>
-    <p:spTree>
-      <p:nvGrpSpPr>
-        <p:cNvPr id="1" name=""/>
-        <p:cNvGrpSpPr/>
-        <p:nvPr/>
-      </p:nvGrpSpPr>
-      <p:grpSpPr>
-        <a:xfrm>
-          <a:off x="0" y="0"/>
-          <a:ext cx="0" cy="0"/>
-          <a:chOff x="0" y="0"/>
-          <a:chExt cx="0" cy="0"/>
-        </a:xfrm>
-      </p:grpSpPr>
-      <p:sp>
-        <p:nvSpPr>
-          <p:cNvPr id="2" name="Title 1"/>
-          <p:cNvSpPr>
-            <a:spLocks noGrp="1"/>
-          </p:cNvSpPr>
-          <p:nvPr>
-            <p:ph type="title"/>
-          </p:nvPr>
-        </p:nvSpPr>
-        <p:spPr/>
-        <p:txBody>
-          <a:bodyPr/>
-          <a:lstStyle/>
-          <a:p>
-            <a:r>
-              <a:rPr lang="en-US" baseline="0" dirty="0" err="1"/>
-              <a:t>Akka-knowledgments</a:t>
-            </a:r>
-            <a:r>
-              <a:rPr lang="en-US" baseline="0" dirty="0"/>
-              <a:t>:</a:t>
-            </a:r>
-            <a:r>
-              <a:rPr lang="en-US" dirty="0"/>
-              <a:t> Thanks, Roger!</a:t>
-            </a:r>
-          </a:p>
-        </p:txBody>
-      </p:sp>
-      <p:pic>
-        <p:nvPicPr>
-          <p:cNvPr id="6" name="Content Placeholder 5"/>
-          <p:cNvPicPr>
-            <a:picLocks noGrp="1" noChangeAspect="1"/>
-          </p:cNvPicPr>
-          <p:nvPr>
-            <p:ph sz="half" idx="1"/>
-          </p:nvPr>
-        </p:nvPicPr>
-        <p:blipFill>
-          <a:blip r:embed="rId3">
-            <a:extLst>
-              <a:ext uri="{28A0092B-C50C-407E-A947-70E740481C1C}">
-                <a14:useLocalDpi xmlns:a14="http://schemas.microsoft.com/office/drawing/2010/main" val="0"/>
-              </a:ext>
-            </a:extLst>
-          </a:blip>
-          <a:stretch>
-            <a:fillRect/>
-          </a:stretch>
-        </p:blipFill>
-        <p:spPr>
-          <a:xfrm>
-            <a:off x="984074" y="1690688"/>
-            <a:ext cx="3768548" cy="3768548"/>
-          </a:xfrm>
-        </p:spPr>
-      </p:pic>
-      <p:sp>
-        <p:nvSpPr>
-          <p:cNvPr id="5" name="Content Placeholder 4"/>
-          <p:cNvSpPr>
-            <a:spLocks noGrp="1"/>
-          </p:cNvSpPr>
-          <p:nvPr>
-            <p:ph sz="half" idx="2"/>
-          </p:nvPr>
-        </p:nvSpPr>
-        <p:spPr>
-          <a:xfrm>
-            <a:off x="5709355" y="1690688"/>
-            <a:ext cx="5181600" cy="4351338"/>
-          </a:xfrm>
-        </p:spPr>
-        <p:txBody>
-          <a:bodyPr/>
-          <a:lstStyle/>
-          <a:p>
-            <a:pPr marL="0" indent="0">
-              <a:buNone/>
-            </a:pPr>
-            <a:r>
-              <a:rPr lang="en-US" dirty="0"/>
-              <a:t>Twitter: </a:t>
-            </a:r>
-            <a:r>
-              <a:rPr lang="en-US" dirty="0">
-                <a:hlinkClick r:id="rId4"/>
-              </a:rPr>
-              <a:t>@</a:t>
-            </a:r>
-            <a:r>
-              <a:rPr lang="en-US" dirty="0" err="1">
-                <a:hlinkClick r:id="rId4"/>
-              </a:rPr>
-              <a:t>rogeralsing</a:t>
-            </a:r>
-            <a:endParaRPr lang="en-US" dirty="0"/>
-          </a:p>
-          <a:p>
-            <a:pPr marL="0" indent="0">
-              <a:buNone/>
-            </a:pPr>
-            <a:r>
-              <a:rPr lang="en-US" dirty="0" err="1"/>
-              <a:t>Github</a:t>
-            </a:r>
-            <a:r>
-              <a:rPr lang="en-US" dirty="0"/>
-              <a:t>: </a:t>
-            </a:r>
-            <a:r>
-              <a:rPr lang="en-US" dirty="0" err="1">
-                <a:hlinkClick r:id="rId5"/>
-              </a:rPr>
-              <a:t>rogeralsing</a:t>
-            </a:r>
-            <a:endParaRPr lang="en-US" dirty="0"/>
-          </a:p>
-          <a:p>
-            <a:pPr marL="0" indent="0">
-              <a:buNone/>
-            </a:pPr>
-            <a:r>
-              <a:rPr lang="en-US" dirty="0"/>
-              <a:t>Email: </a:t>
-            </a:r>
-            <a:r>
-              <a:rPr lang="en-US" dirty="0">
-                <a:hlinkClick r:id="rId6"/>
-              </a:rPr>
-              <a:t>Roger@nethouse.se</a:t>
-            </a:r>
-            <a:endParaRPr lang="en-US" dirty="0"/>
-          </a:p>
-          <a:p>
-            <a:pPr marL="0" indent="0">
-              <a:buNone/>
-            </a:pPr>
-            <a:r>
-              <a:rPr lang="en-US" dirty="0"/>
-              <a:t>Web: </a:t>
-            </a:r>
-            <a:r>
-              <a:rPr lang="en-US" dirty="0">
-                <a:hlinkClick r:id="rId7"/>
-              </a:rPr>
-              <a:t>http://rogeralsing.com</a:t>
-            </a:r>
-            <a:r>
-              <a:rPr lang="en-US" dirty="0"/>
-              <a:t> </a:t>
-            </a:r>
-          </a:p>
-          <a:p>
-            <a:pPr marL="0" indent="0">
-              <a:buNone/>
-            </a:pPr>
-            <a:r>
-              <a:rPr lang="en-US" dirty="0"/>
-              <a:t>          </a:t>
-            </a:r>
-            <a:r>
-              <a:rPr lang="en-US" dirty="0">
-                <a:hlinkClick r:id="rId8"/>
-              </a:rPr>
-              <a:t>http://akka.nethouse.se</a:t>
-            </a:r>
-            <a:r>
-              <a:rPr lang="en-US" dirty="0"/>
-              <a:t> </a:t>
-            </a:r>
-          </a:p>
-          <a:p>
-            <a:pPr marL="0" indent="0">
-              <a:buNone/>
-            </a:pPr>
-            <a:r>
-              <a:rPr lang="en-US" dirty="0"/>
-              <a:t>            </a:t>
-            </a:r>
-          </a:p>
-          <a:p>
-            <a:pPr marL="0" indent="0">
-              <a:buNone/>
-            </a:pPr>
-            <a:endParaRPr lang="en-US" dirty="0"/>
-          </a:p>
-        </p:txBody>
-      </p:sp>
-    </p:spTree>
-    <p:extLst>
-      <p:ext uri="{BB962C8B-B14F-4D97-AF65-F5344CB8AC3E}">
-        <p14:creationId xmlns:p14="http://schemas.microsoft.com/office/powerpoint/2010/main" val="3797172182"/>
-      </p:ext>
-    </p:extLst>
-  </p:cSld>
-  <p:clrMapOvr>
-    <a:masterClrMapping/>
-  </p:clrMapOvr>
-</p:sld>
-</file>
-
-<file path=ppt/slides/slide30.xml><?xml version="1.0" encoding="utf-8"?>
+<file path=ppt/slides/slide31.xml><?xml version="1.0" encoding="utf-8"?>
 <p:sld xmlns:a="http://schemas.openxmlformats.org/drawingml/2006/main" xmlns:r="http://schemas.openxmlformats.org/officeDocument/2006/relationships" xmlns:p="http://schemas.openxmlformats.org/presentationml/2006/main">
   <p:cSld>
     <p:bg>
@@ -29058,7 +29279,7 @@
 </p:sld>
 </file>
 
-<file path=ppt/slides/slide31.xml><?xml version="1.0" encoding="utf-8"?>
+<file path=ppt/slides/slide32.xml><?xml version="1.0" encoding="utf-8"?>
 <p:sld xmlns:a="http://schemas.openxmlformats.org/drawingml/2006/main" xmlns:r="http://schemas.openxmlformats.org/officeDocument/2006/relationships" xmlns:p="http://schemas.openxmlformats.org/presentationml/2006/main">
   <p:cSld>
     <p:bg>
@@ -31998,7 +32219,7 @@
 </p:sld>
 </file>
 
-<file path=ppt/slides/slide32.xml><?xml version="1.0" encoding="utf-8"?>
+<file path=ppt/slides/slide33.xml><?xml version="1.0" encoding="utf-8"?>
 <p:sld xmlns:a="http://schemas.openxmlformats.org/drawingml/2006/main" xmlns:r="http://schemas.openxmlformats.org/officeDocument/2006/relationships" xmlns:p="http://schemas.openxmlformats.org/presentationml/2006/main">
   <p:cSld>
     <p:bg>
@@ -36512,7 +36733,7 @@
 </p:sld>
 </file>
 
-<file path=ppt/slides/slide33.xml><?xml version="1.0" encoding="utf-8"?>
+<file path=ppt/slides/slide34.xml><?xml version="1.0" encoding="utf-8"?>
 <p:sld xmlns:a="http://schemas.openxmlformats.org/drawingml/2006/main" xmlns:r="http://schemas.openxmlformats.org/officeDocument/2006/relationships" xmlns:p="http://schemas.openxmlformats.org/presentationml/2006/main">
   <p:cSld>
     <p:bg>
@@ -41384,7 +41605,7 @@
 </p:sld>
 </file>
 
-<file path=ppt/slides/slide34.xml><?xml version="1.0" encoding="utf-8"?>
+<file path=ppt/slides/slide35.xml><?xml version="1.0" encoding="utf-8"?>
 <p:sld xmlns:a="http://schemas.openxmlformats.org/drawingml/2006/main" xmlns:r="http://schemas.openxmlformats.org/officeDocument/2006/relationships" xmlns:p="http://schemas.openxmlformats.org/presentationml/2006/main">
   <p:cSld>
     <p:spTree>
@@ -41435,58 +41656,6 @@
     <p:extLst>
       <p:ext uri="{BB962C8B-B14F-4D97-AF65-F5344CB8AC3E}">
         <p14:creationId xmlns:p14="http://schemas.microsoft.com/office/powerpoint/2010/main" val="266790235"/>
-      </p:ext>
-    </p:extLst>
-  </p:cSld>
-  <p:clrMapOvr>
-    <a:masterClrMapping/>
-  </p:clrMapOvr>
-</p:sld>
-</file>
-
-<file path=ppt/slides/slide35.xml><?xml version="1.0" encoding="utf-8"?>
-<p:sld xmlns:a="http://schemas.openxmlformats.org/drawingml/2006/main" xmlns:r="http://schemas.openxmlformats.org/officeDocument/2006/relationships" xmlns:p="http://schemas.openxmlformats.org/presentationml/2006/main">
-  <p:cSld>
-    <p:spTree>
-      <p:nvGrpSpPr>
-        <p:cNvPr id="1" name=""/>
-        <p:cNvGrpSpPr/>
-        <p:nvPr/>
-      </p:nvGrpSpPr>
-      <p:grpSpPr>
-        <a:xfrm>
-          <a:off x="0" y="0"/>
-          <a:ext cx="0" cy="0"/>
-          <a:chOff x="0" y="0"/>
-          <a:chExt cx="0" cy="0"/>
-        </a:xfrm>
-      </p:grpSpPr>
-      <p:sp>
-        <p:nvSpPr>
-          <p:cNvPr id="2" name="Title 1"/>
-          <p:cNvSpPr>
-            <a:spLocks noGrp="1"/>
-          </p:cNvSpPr>
-          <p:nvPr>
-            <p:ph type="title"/>
-          </p:nvPr>
-        </p:nvSpPr>
-        <p:spPr/>
-        <p:txBody>
-          <a:bodyPr/>
-          <a:lstStyle/>
-          <a:p>
-            <a:r>
-              <a:rPr lang="en-US" dirty="0"/>
-              <a:t>Demos!</a:t>
-            </a:r>
-          </a:p>
-        </p:txBody>
-      </p:sp>
-    </p:spTree>
-    <p:extLst>
-      <p:ext uri="{BB962C8B-B14F-4D97-AF65-F5344CB8AC3E}">
-        <p14:creationId xmlns:p14="http://schemas.microsoft.com/office/powerpoint/2010/main" val="1829663177"/>
       </p:ext>
     </p:extLst>
   </p:cSld>
@@ -41530,7 +41699,7 @@
           <a:p>
             <a:r>
               <a:rPr lang="en-US" dirty="0"/>
-              <a:t>…And that’s not all!</a:t>
+              <a:t>Demos!</a:t>
             </a:r>
           </a:p>
         </p:txBody>
@@ -41538,7 +41707,7 @@
     </p:spTree>
     <p:extLst>
       <p:ext uri="{BB962C8B-B14F-4D97-AF65-F5344CB8AC3E}">
-        <p14:creationId xmlns:p14="http://schemas.microsoft.com/office/powerpoint/2010/main" val="650413429"/>
+        <p14:creationId xmlns:p14="http://schemas.microsoft.com/office/powerpoint/2010/main" val="1829663177"/>
       </p:ext>
     </p:extLst>
   </p:cSld>
@@ -41582,6 +41751,58 @@
           <a:p>
             <a:r>
               <a:rPr lang="en-US" dirty="0"/>
+              <a:t>…And that’s not all!</a:t>
+            </a:r>
+          </a:p>
+        </p:txBody>
+      </p:sp>
+    </p:spTree>
+    <p:extLst>
+      <p:ext uri="{BB962C8B-B14F-4D97-AF65-F5344CB8AC3E}">
+        <p14:creationId xmlns:p14="http://schemas.microsoft.com/office/powerpoint/2010/main" val="650413429"/>
+      </p:ext>
+    </p:extLst>
+  </p:cSld>
+  <p:clrMapOvr>
+    <a:masterClrMapping/>
+  </p:clrMapOvr>
+</p:sld>
+</file>
+
+<file path=ppt/slides/slide38.xml><?xml version="1.0" encoding="utf-8"?>
+<p:sld xmlns:a="http://schemas.openxmlformats.org/drawingml/2006/main" xmlns:r="http://schemas.openxmlformats.org/officeDocument/2006/relationships" xmlns:p="http://schemas.openxmlformats.org/presentationml/2006/main">
+  <p:cSld>
+    <p:spTree>
+      <p:nvGrpSpPr>
+        <p:cNvPr id="1" name=""/>
+        <p:cNvGrpSpPr/>
+        <p:nvPr/>
+      </p:nvGrpSpPr>
+      <p:grpSpPr>
+        <a:xfrm>
+          <a:off x="0" y="0"/>
+          <a:ext cx="0" cy="0"/>
+          <a:chOff x="0" y="0"/>
+          <a:chExt cx="0" cy="0"/>
+        </a:xfrm>
+      </p:grpSpPr>
+      <p:sp>
+        <p:nvSpPr>
+          <p:cNvPr id="2" name="Title 1"/>
+          <p:cNvSpPr>
+            <a:spLocks noGrp="1"/>
+          </p:cNvSpPr>
+          <p:nvPr>
+            <p:ph type="title"/>
+          </p:nvPr>
+        </p:nvSpPr>
+        <p:spPr/>
+        <p:txBody>
+          <a:bodyPr/>
+          <a:lstStyle/>
+          <a:p>
+            <a:r>
+              <a:rPr lang="en-US" dirty="0"/>
               <a:t>Want More?</a:t>
             </a:r>
           </a:p>
@@ -41686,7 +41907,7 @@
 </p:sld>
 </file>
 
-<file path=ppt/slides/slide38.xml><?xml version="1.0" encoding="utf-8"?>
+<file path=ppt/slides/slide39.xml><?xml version="1.0" encoding="utf-8"?>
 <p:sld xmlns:a="http://schemas.openxmlformats.org/drawingml/2006/main" xmlns:r="http://schemas.openxmlformats.org/officeDocument/2006/relationships" xmlns:p="http://schemas.openxmlformats.org/presentationml/2006/main">
   <p:cSld>
     <p:spTree>
@@ -42175,16 +42396,185 @@
           <a:lstStyle/>
           <a:p>
             <a:r>
+              <a:rPr lang="en-US" baseline="0" dirty="0"/>
+              <a:t>Oh, Hey</a:t>
+            </a:r>
+            <a:r>
               <a:rPr lang="en-US" dirty="0"/>
-              <a:t>Overview</a:t>
-            </a:r>
+              <a:t> There! I’m Sean.</a:t>
+            </a:r>
+          </a:p>
+        </p:txBody>
+      </p:sp>
+      <p:pic>
+        <p:nvPicPr>
+          <p:cNvPr id="6" name="Content Placeholder 5"/>
+          <p:cNvPicPr>
+            <a:picLocks noGrp="1" noChangeAspect="1"/>
+          </p:cNvPicPr>
+          <p:nvPr>
+            <p:ph sz="half" idx="1"/>
+          </p:nvPr>
+        </p:nvPicPr>
+        <p:blipFill>
+          <a:blip r:embed="rId3"/>
+          <a:stretch>
+            <a:fillRect/>
+          </a:stretch>
+        </p:blipFill>
+        <p:spPr>
+          <a:xfrm>
+            <a:off x="984074" y="1690688"/>
+            <a:ext cx="3768548" cy="3768548"/>
+          </a:xfrm>
+        </p:spPr>
+      </p:pic>
+      <p:sp>
+        <p:nvSpPr>
+          <p:cNvPr id="5" name="Content Placeholder 4"/>
+          <p:cNvSpPr>
+            <a:spLocks noGrp="1"/>
+          </p:cNvSpPr>
+          <p:nvPr>
+            <p:ph sz="half" idx="2"/>
+          </p:nvPr>
+        </p:nvSpPr>
+        <p:spPr>
+          <a:xfrm>
+            <a:off x="5600700" y="1690688"/>
+            <a:ext cx="5290255" cy="4351338"/>
+          </a:xfrm>
+        </p:spPr>
+        <p:txBody>
+          <a:bodyPr/>
+          <a:lstStyle/>
+          <a:p>
+            <a:pPr marL="0" indent="0">
+              <a:buNone/>
+            </a:pPr>
+            <a:r>
+              <a:rPr lang="en-US" dirty="0"/>
+              <a:t>Senior / “</a:t>
+            </a:r>
+            <a:r>
+              <a:rPr lang="en-US" dirty="0" err="1"/>
+              <a:t>Seanior</a:t>
+            </a:r>
+            <a:r>
+              <a:rPr lang="en-US" dirty="0"/>
+              <a:t>” Consultant</a:t>
+            </a:r>
+          </a:p>
+          <a:p>
+            <a:pPr marL="0" indent="0">
+              <a:buNone/>
+            </a:pPr>
+            <a:r>
+              <a:rPr lang="en-US" dirty="0" err="1"/>
+              <a:t>Excella</a:t>
+            </a:r>
+            <a:r>
+              <a:rPr lang="en-US" dirty="0"/>
+              <a:t> Consulting</a:t>
+            </a:r>
+          </a:p>
+          <a:p>
+            <a:pPr marL="0" indent="0">
+              <a:buNone/>
+            </a:pPr>
+            <a:endParaRPr lang="en-US" dirty="0"/>
+          </a:p>
+          <a:p>
+            <a:pPr marL="0" indent="0">
+              <a:buNone/>
+            </a:pPr>
+            <a:r>
+              <a:rPr lang="en-US" dirty="0"/>
+              <a:t>Twitter: </a:t>
+            </a:r>
+            <a:r>
+              <a:rPr lang="en-US" dirty="0">
+                <a:hlinkClick r:id="rId4"/>
+              </a:rPr>
+              <a:t>@</a:t>
+            </a:r>
+            <a:r>
+              <a:rPr lang="en-US" dirty="0" err="1">
+                <a:hlinkClick r:id="rId4"/>
+              </a:rPr>
+              <a:t>sjkilleen</a:t>
+            </a:r>
+            <a:endParaRPr lang="en-US" dirty="0"/>
+          </a:p>
+          <a:p>
+            <a:pPr marL="0" indent="0">
+              <a:buNone/>
+            </a:pPr>
+            <a:r>
+              <a:rPr lang="en-US" dirty="0" err="1"/>
+              <a:t>Github</a:t>
+            </a:r>
+            <a:r>
+              <a:rPr lang="en-US" dirty="0"/>
+              <a:t>: </a:t>
+            </a:r>
+            <a:r>
+              <a:rPr lang="en-US" dirty="0">
+                <a:hlinkClick r:id="rId5"/>
+              </a:rPr>
+              <a:t>@</a:t>
+            </a:r>
+            <a:r>
+              <a:rPr lang="en-US" dirty="0" err="1">
+                <a:hlinkClick r:id="rId5"/>
+              </a:rPr>
+              <a:t>SeanKilleen</a:t>
+            </a:r>
+            <a:endParaRPr lang="en-US" dirty="0"/>
+          </a:p>
+          <a:p>
+            <a:pPr marL="0" indent="0">
+              <a:buNone/>
+            </a:pPr>
+            <a:endParaRPr lang="en-US" dirty="0"/>
+          </a:p>
+          <a:p>
+            <a:pPr marL="0" indent="0">
+              <a:buNone/>
+            </a:pPr>
+            <a:r>
+              <a:rPr lang="en-US" dirty="0"/>
+              <a:t>Web: </a:t>
+            </a:r>
+            <a:r>
+              <a:rPr lang="en-US" dirty="0">
+                <a:hlinkClick r:id="rId6"/>
+              </a:rPr>
+              <a:t>http://SeanKilleen.com</a:t>
+            </a:r>
+            <a:endParaRPr lang="en-US" dirty="0"/>
+          </a:p>
+          <a:p>
+            <a:pPr marL="0" indent="0">
+              <a:buNone/>
+            </a:pPr>
+            <a:r>
+              <a:rPr lang="en-US" dirty="0"/>
+              <a:t>            </a:t>
+            </a:r>
+          </a:p>
+          <a:p>
+            <a:pPr marL="0" indent="0">
+              <a:buNone/>
+            </a:pPr>
+            <a:endParaRPr lang="en-US" dirty="0"/>
           </a:p>
         </p:txBody>
       </p:sp>
     </p:spTree>
     <p:extLst>
       <p:ext uri="{BB962C8B-B14F-4D97-AF65-F5344CB8AC3E}">
-        <p14:creationId xmlns:p14="http://schemas.microsoft.com/office/powerpoint/2010/main" val="504753007"/>
+        <p14:creationId xmlns:p14="http://schemas.microsoft.com/office/powerpoint/2010/main" val="3454725157"/>
       </p:ext>
     </p:extLst>
   </p:cSld>
@@ -42228,20 +42618,15 @@
           <a:p>
             <a:r>
               <a:rPr lang="en-US" dirty="0"/>
-              <a:t>Actors:</a:t>
-            </a:r>
-            <a:r>
-              <a:rPr lang="en-US" baseline="0" dirty="0"/>
-              <a:t> Not New</a:t>
-            </a:r>
-            <a:endParaRPr lang="en-US" dirty="0"/>
+              <a:t>Overview</a:t>
+            </a:r>
           </a:p>
         </p:txBody>
       </p:sp>
     </p:spTree>
     <p:extLst>
       <p:ext uri="{BB962C8B-B14F-4D97-AF65-F5344CB8AC3E}">
-        <p14:creationId xmlns:p14="http://schemas.microsoft.com/office/powerpoint/2010/main" val="478837053"/>
+        <p14:creationId xmlns:p14="http://schemas.microsoft.com/office/powerpoint/2010/main" val="504753007"/>
       </p:ext>
     </p:extLst>
   </p:cSld>
@@ -42285,15 +42670,20 @@
           <a:p>
             <a:r>
               <a:rPr lang="en-US" dirty="0"/>
-              <a:t>Where are Actor Models Used?</a:t>
-            </a:r>
+              <a:t>Actors:</a:t>
+            </a:r>
+            <a:r>
+              <a:rPr lang="en-US" baseline="0" dirty="0"/>
+              <a:t> Not New</a:t>
+            </a:r>
+            <a:endParaRPr lang="en-US" dirty="0"/>
           </a:p>
         </p:txBody>
       </p:sp>
     </p:spTree>
     <p:extLst>
       <p:ext uri="{BB962C8B-B14F-4D97-AF65-F5344CB8AC3E}">
-        <p14:creationId xmlns:p14="http://schemas.microsoft.com/office/powerpoint/2010/main" val="3443880184"/>
+        <p14:creationId xmlns:p14="http://schemas.microsoft.com/office/powerpoint/2010/main" val="478837053"/>
       </p:ext>
     </p:extLst>
   </p:cSld>
@@ -42336,21 +42726,16 @@
           <a:lstStyle/>
           <a:p>
             <a:r>
-              <a:rPr lang="en-US" dirty="0" err="1"/>
-              <a:t>Akka</a:t>
-            </a:r>
-            <a:r>
-              <a:rPr lang="en-US" baseline="0" dirty="0"/>
-              <a:t> and Akka.NET</a:t>
-            </a:r>
-            <a:endParaRPr lang="en-US" dirty="0"/>
+              <a:rPr lang="en-US" dirty="0"/>
+              <a:t>Where are Actor Models Used?</a:t>
+            </a:r>
           </a:p>
         </p:txBody>
       </p:sp>
     </p:spTree>
     <p:extLst>
       <p:ext uri="{BB962C8B-B14F-4D97-AF65-F5344CB8AC3E}">
-        <p14:creationId xmlns:p14="http://schemas.microsoft.com/office/powerpoint/2010/main" val="1582643784"/>
+        <p14:creationId xmlns:p14="http://schemas.microsoft.com/office/powerpoint/2010/main" val="3443880184"/>
       </p:ext>
     </p:extLst>
   </p:cSld>

--- a/2016-06_AkkaIntro/presentation/BaltoMSDN_Akka.pptx
+++ b/2016-06_AkkaIntro/presentation/BaltoMSDN_Akka.pptx
@@ -5,7 +5,7 @@
     <p:sldMasterId id="2147483672" r:id="rId1"/>
   </p:sldMasterIdLst>
   <p:notesMasterIdLst>
-    <p:notesMasterId r:id="rId41"/>
+    <p:notesMasterId r:id="rId42"/>
   </p:notesMasterIdLst>
   <p:sldIdLst>
     <p:sldId id="256" r:id="rId2"/>
@@ -46,7 +46,8 @@
     <p:sldId id="281" r:id="rId37"/>
     <p:sldId id="313" r:id="rId38"/>
     <p:sldId id="282" r:id="rId39"/>
-    <p:sldId id="283" r:id="rId40"/>
+    <p:sldId id="320" r:id="rId40"/>
+    <p:sldId id="321" r:id="rId41"/>
   </p:sldIdLst>
   <p:sldSz cx="12192000" cy="6858000"/>
   <p:notesSz cx="6858000" cy="9144000"/>
@@ -6196,6 +6197,85 @@
           <a:bodyPr/>
           <a:lstStyle/>
           <a:p>
+            <a:pPr marL="0" marR="0" lvl="0" indent="0" algn="l" defTabSz="914400" rtl="0" eaLnBrk="1" fontAlgn="auto" latinLnBrk="0" hangingPunct="1">
+              <a:lnSpc>
+                <a:spcPct val="100000"/>
+              </a:lnSpc>
+              <a:spcBef>
+                <a:spcPts val="0"/>
+              </a:spcBef>
+              <a:spcAft>
+                <a:spcPts val="0"/>
+              </a:spcAft>
+              <a:buClrTx/>
+              <a:buSzTx/>
+              <a:buFontTx/>
+              <a:buNone/>
+              <a:tabLst/>
+              <a:defRPr/>
+            </a:pPr>
+            <a:r>
+              <a:rPr lang="en-US" sz="1200" b="0" i="0" kern="1200" dirty="0">
+                <a:solidFill>
+                  <a:schemeClr val="tx1"/>
+                </a:solidFill>
+                <a:effectLst/>
+                <a:latin typeface="+mn-lt"/>
+                <a:ea typeface="+mn-ea"/>
+                <a:cs typeface="+mn-cs"/>
+              </a:rPr>
+              <a:t>Met at .</a:t>
+            </a:r>
+            <a:r>
+              <a:rPr lang="en-US" sz="1200" b="0" i="0" kern="1200" dirty="0" err="1">
+                <a:solidFill>
+                  <a:schemeClr val="tx1"/>
+                </a:solidFill>
+                <a:effectLst/>
+                <a:latin typeface="+mn-lt"/>
+                <a:ea typeface="+mn-ea"/>
+                <a:cs typeface="+mn-cs"/>
+              </a:rPr>
+              <a:t>NetFringe</a:t>
+            </a:r>
+            <a:r>
+              <a:rPr lang="en-US" sz="1200" b="0" i="0" kern="1200" dirty="0">
+                <a:solidFill>
+                  <a:schemeClr val="tx1"/>
+                </a:solidFill>
+                <a:effectLst/>
+                <a:latin typeface="+mn-lt"/>
+                <a:ea typeface="+mn-ea"/>
+                <a:cs typeface="+mn-cs"/>
+              </a:rPr>
+              <a:t> in PDX (Akka.NET all day workshop with Aaron &amp; Andrew from </a:t>
+            </a:r>
+            <a:r>
+              <a:rPr lang="en-US" sz="1200" b="0" i="0" kern="1200" dirty="0" err="1">
+                <a:solidFill>
+                  <a:schemeClr val="tx1"/>
+                </a:solidFill>
+                <a:effectLst/>
+                <a:latin typeface="+mn-lt"/>
+                <a:ea typeface="+mn-ea"/>
+                <a:cs typeface="+mn-cs"/>
+              </a:rPr>
+              <a:t>Petabridge</a:t>
+            </a:r>
+            <a:r>
+              <a:rPr lang="en-US" sz="1200" b="0" i="0" kern="1200" dirty="0">
+                <a:solidFill>
+                  <a:schemeClr val="tx1"/>
+                </a:solidFill>
+                <a:effectLst/>
+                <a:latin typeface="+mn-lt"/>
+                <a:ea typeface="+mn-ea"/>
+                <a:cs typeface="+mn-cs"/>
+              </a:rPr>
+              <a:t>)</a:t>
+            </a:r>
+          </a:p>
+          <a:p>
             <a:endParaRPr lang="en-US" dirty="0"/>
           </a:p>
         </p:txBody>
@@ -6226,7 +6306,7 @@
     </p:spTree>
     <p:extLst>
       <p:ext uri="{BB962C8B-B14F-4D97-AF65-F5344CB8AC3E}">
-        <p14:creationId xmlns:p14="http://schemas.microsoft.com/office/powerpoint/2010/main" val="751814506"/>
+        <p14:creationId xmlns:p14="http://schemas.microsoft.com/office/powerpoint/2010/main" val="2935918185"/>
       </p:ext>
     </p:extLst>
   </p:cSld>
@@ -6337,6 +6417,90 @@
     <p:extLst>
       <p:ext uri="{BB962C8B-B14F-4D97-AF65-F5344CB8AC3E}">
         <p14:creationId xmlns:p14="http://schemas.microsoft.com/office/powerpoint/2010/main" val="3570458093"/>
+      </p:ext>
+    </p:extLst>
+  </p:cSld>
+  <p:clrMapOvr>
+    <a:masterClrMapping/>
+  </p:clrMapOvr>
+</p:notes>
+</file>
+
+<file path=ppt/notesSlides/notesSlide40.xml><?xml version="1.0" encoding="utf-8"?>
+<p:notes xmlns:a="http://schemas.openxmlformats.org/drawingml/2006/main" xmlns:r="http://schemas.openxmlformats.org/officeDocument/2006/relationships" xmlns:p="http://schemas.openxmlformats.org/presentationml/2006/main">
+  <p:cSld>
+    <p:spTree>
+      <p:nvGrpSpPr>
+        <p:cNvPr id="1" name=""/>
+        <p:cNvGrpSpPr/>
+        <p:nvPr/>
+      </p:nvGrpSpPr>
+      <p:grpSpPr>
+        <a:xfrm>
+          <a:off x="0" y="0"/>
+          <a:ext cx="0" cy="0"/>
+          <a:chOff x="0" y="0"/>
+          <a:chExt cx="0" cy="0"/>
+        </a:xfrm>
+      </p:grpSpPr>
+      <p:sp>
+        <p:nvSpPr>
+          <p:cNvPr id="2" name="Slide Image Placeholder 1"/>
+          <p:cNvSpPr>
+            <a:spLocks noGrp="1" noRot="1" noChangeAspect="1"/>
+          </p:cNvSpPr>
+          <p:nvPr>
+            <p:ph type="sldImg"/>
+          </p:nvPr>
+        </p:nvSpPr>
+        <p:spPr/>
+      </p:sp>
+      <p:sp>
+        <p:nvSpPr>
+          <p:cNvPr id="3" name="Notes Placeholder 2"/>
+          <p:cNvSpPr>
+            <a:spLocks noGrp="1"/>
+          </p:cNvSpPr>
+          <p:nvPr>
+            <p:ph type="body" idx="1"/>
+          </p:nvPr>
+        </p:nvSpPr>
+        <p:spPr/>
+        <p:txBody>
+          <a:bodyPr/>
+          <a:lstStyle/>
+          <a:p>
+            <a:endParaRPr lang="en-US" dirty="0"/>
+          </a:p>
+        </p:txBody>
+      </p:sp>
+      <p:sp>
+        <p:nvSpPr>
+          <p:cNvPr id="4" name="Slide Number Placeholder 3"/>
+          <p:cNvSpPr>
+            <a:spLocks noGrp="1"/>
+          </p:cNvSpPr>
+          <p:nvPr>
+            <p:ph type="sldNum" sz="quarter" idx="10"/>
+          </p:nvPr>
+        </p:nvSpPr>
+        <p:spPr/>
+        <p:txBody>
+          <a:bodyPr/>
+          <a:lstStyle/>
+          <a:p>
+            <a:fld id="{D4C47EB6-B919-4FB3-9341-FE04BD40B358}" type="slidenum">
+              <a:rPr lang="en-US" smtClean="0"/>
+              <a:t>40</a:t>
+            </a:fld>
+            <a:endParaRPr lang="en-US"/>
+          </a:p>
+        </p:txBody>
+      </p:sp>
+    </p:spTree>
+    <p:extLst>
+      <p:ext uri="{BB962C8B-B14F-4D97-AF65-F5344CB8AC3E}">
+        <p14:creationId xmlns:p14="http://schemas.microsoft.com/office/powerpoint/2010/main" val="210412100"/>
       </p:ext>
     </p:extLst>
   </p:cSld>
@@ -41941,15 +42105,188 @@
           <a:p>
             <a:r>
               <a:rPr lang="en-US" dirty="0"/>
-              <a:t>Thanks!</a:t>
-            </a:r>
+              <a:t>Thanks -- Stay in Touch!</a:t>
+            </a:r>
+          </a:p>
+        </p:txBody>
+      </p:sp>
+      <p:pic>
+        <p:nvPicPr>
+          <p:cNvPr id="6" name="Content Placeholder 5"/>
+          <p:cNvPicPr>
+            <a:picLocks noGrp="1" noChangeAspect="1"/>
+          </p:cNvPicPr>
+          <p:nvPr>
+            <p:ph sz="half" idx="1"/>
+          </p:nvPr>
+        </p:nvPicPr>
+        <p:blipFill>
+          <a:blip r:embed="rId3"/>
+          <a:stretch>
+            <a:fillRect/>
+          </a:stretch>
+        </p:blipFill>
+        <p:spPr>
+          <a:xfrm>
+            <a:off x="984074" y="1690688"/>
+            <a:ext cx="3768548" cy="3768548"/>
+          </a:xfrm>
+        </p:spPr>
+      </p:pic>
+      <p:sp>
+        <p:nvSpPr>
+          <p:cNvPr id="5" name="Content Placeholder 4"/>
+          <p:cNvSpPr>
+            <a:spLocks noGrp="1"/>
+          </p:cNvSpPr>
+          <p:nvPr>
+            <p:ph sz="half" idx="2"/>
+          </p:nvPr>
+        </p:nvSpPr>
+        <p:spPr>
+          <a:xfrm>
+            <a:off x="5600700" y="1690688"/>
+            <a:ext cx="5290255" cy="4351338"/>
+          </a:xfrm>
+        </p:spPr>
+        <p:txBody>
+          <a:bodyPr/>
+          <a:lstStyle/>
+          <a:p>
+            <a:pPr marL="0" indent="0">
+              <a:buNone/>
+            </a:pPr>
+            <a:r>
+              <a:rPr lang="en-US" dirty="0"/>
+              <a:t>Twitter: </a:t>
+            </a:r>
+            <a:r>
+              <a:rPr lang="en-US" dirty="0">
+                <a:hlinkClick r:id="rId4"/>
+              </a:rPr>
+              <a:t>@</a:t>
+            </a:r>
+            <a:r>
+              <a:rPr lang="en-US" dirty="0" err="1">
+                <a:hlinkClick r:id="rId4"/>
+              </a:rPr>
+              <a:t>sjkilleen</a:t>
+            </a:r>
+            <a:endParaRPr lang="en-US" dirty="0"/>
+          </a:p>
+          <a:p>
+            <a:pPr marL="0" indent="0">
+              <a:buNone/>
+            </a:pPr>
+            <a:r>
+              <a:rPr lang="en-US" dirty="0" err="1"/>
+              <a:t>Github</a:t>
+            </a:r>
+            <a:r>
+              <a:rPr lang="en-US" dirty="0"/>
+              <a:t>: </a:t>
+            </a:r>
+            <a:r>
+              <a:rPr lang="en-US" dirty="0">
+                <a:hlinkClick r:id="rId5"/>
+              </a:rPr>
+              <a:t>@</a:t>
+            </a:r>
+            <a:r>
+              <a:rPr lang="en-US" dirty="0" err="1">
+                <a:hlinkClick r:id="rId5"/>
+              </a:rPr>
+              <a:t>SeanKilleen</a:t>
+            </a:r>
+            <a:endParaRPr lang="en-US" dirty="0"/>
+          </a:p>
+          <a:p>
+            <a:pPr marL="0" indent="0">
+              <a:buNone/>
+            </a:pPr>
+            <a:r>
+              <a:rPr lang="en-US" dirty="0"/>
+              <a:t>E-Mail:</a:t>
+            </a:r>
+          </a:p>
+          <a:p>
+            <a:pPr marL="0" indent="0">
+              <a:buNone/>
+            </a:pPr>
+            <a:r>
+              <a:rPr lang="en-US" dirty="0"/>
+              <a:t>	</a:t>
+            </a:r>
+            <a:r>
+              <a:rPr lang="en-US" dirty="0">
+                <a:hlinkClick r:id="rId6"/>
+              </a:rPr>
+              <a:t>SeanKilleen@gmail.com</a:t>
+            </a:r>
+            <a:endParaRPr lang="en-US" dirty="0"/>
+          </a:p>
+          <a:p>
+            <a:pPr marL="0" indent="0">
+              <a:buNone/>
+            </a:pPr>
+            <a:r>
+              <a:rPr lang="en-US" dirty="0"/>
+              <a:t>	</a:t>
+            </a:r>
+            <a:r>
+              <a:rPr lang="en-US" dirty="0">
+                <a:hlinkClick r:id="rId7"/>
+              </a:rPr>
+              <a:t>sean.killeen@excella.com</a:t>
+            </a:r>
+            <a:r>
+              <a:rPr lang="en-US" dirty="0"/>
+              <a:t> </a:t>
+            </a:r>
+          </a:p>
+          <a:p>
+            <a:pPr marL="0" indent="0">
+              <a:buNone/>
+            </a:pPr>
+            <a:endParaRPr lang="en-US" dirty="0"/>
+          </a:p>
+          <a:p>
+            <a:pPr marL="0" indent="0">
+              <a:buNone/>
+            </a:pPr>
+            <a:r>
+              <a:rPr lang="en-US" dirty="0"/>
+              <a:t>Web: </a:t>
+            </a:r>
+            <a:r>
+              <a:rPr lang="en-US" dirty="0">
+                <a:hlinkClick r:id="rId8"/>
+              </a:rPr>
+              <a:t>http://SeanKilleen.com</a:t>
+            </a:r>
+            <a:endParaRPr lang="en-US" dirty="0"/>
+          </a:p>
+          <a:p>
+            <a:pPr marL="0" indent="0">
+              <a:buNone/>
+            </a:pPr>
+            <a:r>
+              <a:rPr lang="en-US" dirty="0"/>
+              <a:t>            </a:t>
+            </a:r>
+          </a:p>
+          <a:p>
+            <a:pPr marL="0" indent="0">
+              <a:buNone/>
+            </a:pPr>
+            <a:endParaRPr lang="en-US" dirty="0"/>
           </a:p>
         </p:txBody>
       </p:sp>
     </p:spTree>
     <p:extLst>
       <p:ext uri="{BB962C8B-B14F-4D97-AF65-F5344CB8AC3E}">
-        <p14:creationId xmlns:p14="http://schemas.microsoft.com/office/powerpoint/2010/main" val="2555590544"/>
+        <p14:creationId xmlns:p14="http://schemas.microsoft.com/office/powerpoint/2010/main" val="1481883768"/>
       </p:ext>
     </p:extLst>
   </p:cSld>
@@ -42165,6 +42502,58 @@
     <p:extLst>
       <p:ext uri="{BB962C8B-B14F-4D97-AF65-F5344CB8AC3E}">
         <p14:creationId xmlns:p14="http://schemas.microsoft.com/office/powerpoint/2010/main" val="1390811855"/>
+      </p:ext>
+    </p:extLst>
+  </p:cSld>
+  <p:clrMapOvr>
+    <a:masterClrMapping/>
+  </p:clrMapOvr>
+</p:sld>
+</file>
+
+<file path=ppt/slides/slide40.xml><?xml version="1.0" encoding="utf-8"?>
+<p:sld xmlns:a="http://schemas.openxmlformats.org/drawingml/2006/main" xmlns:r="http://schemas.openxmlformats.org/officeDocument/2006/relationships" xmlns:p="http://schemas.openxmlformats.org/presentationml/2006/main">
+  <p:cSld>
+    <p:spTree>
+      <p:nvGrpSpPr>
+        <p:cNvPr id="1" name=""/>
+        <p:cNvGrpSpPr/>
+        <p:nvPr/>
+      </p:nvGrpSpPr>
+      <p:grpSpPr>
+        <a:xfrm>
+          <a:off x="0" y="0"/>
+          <a:ext cx="0" cy="0"/>
+          <a:chOff x="0" y="0"/>
+          <a:chExt cx="0" cy="0"/>
+        </a:xfrm>
+      </p:grpSpPr>
+      <p:sp>
+        <p:nvSpPr>
+          <p:cNvPr id="2" name="Title 1"/>
+          <p:cNvSpPr>
+            <a:spLocks noGrp="1"/>
+          </p:cNvSpPr>
+          <p:nvPr>
+            <p:ph type="title"/>
+          </p:nvPr>
+        </p:nvSpPr>
+        <p:spPr/>
+        <p:txBody>
+          <a:bodyPr/>
+          <a:lstStyle/>
+          <a:p>
+            <a:r>
+              <a:rPr lang="en-US" dirty="0"/>
+              <a:t>Fin.</a:t>
+            </a:r>
+          </a:p>
+        </p:txBody>
+      </p:sp>
+    </p:spTree>
+    <p:extLst>
+      <p:ext uri="{BB962C8B-B14F-4D97-AF65-F5344CB8AC3E}">
+        <p14:creationId xmlns:p14="http://schemas.microsoft.com/office/powerpoint/2010/main" val="168733025"/>
       </p:ext>
     </p:extLst>
   </p:cSld>

--- a/2016-06_AkkaIntro/presentation/BaltoMSDN_Akka.pptx
+++ b/2016-06_AkkaIntro/presentation/BaltoMSDN_Akka.pptx
@@ -6974,8 +6974,13 @@
             </a:r>
             <a:r>
               <a:rPr lang="en-US" baseline="0" dirty="0"/>
-              <a:t> has been around since the 70s – Carl Hewitt</a:t>
-            </a:r>
+              <a:t> has been around since the 70s – Carl </a:t>
+            </a:r>
+            <a:r>
+              <a:rPr lang="en-US" baseline="0"/>
+              <a:t>Hewitt published in 1973</a:t>
+            </a:r>
+            <a:endParaRPr lang="en-US" baseline="0" dirty="0"/>
           </a:p>
         </p:txBody>
       </p:sp>

--- a/2016-06_AkkaIntro/presentation/BaltoMSDN_Akka.pptx
+++ b/2016-06_AkkaIntro/presentation/BaltoMSDN_Akka.pptx
@@ -6969,18 +6969,13 @@
           <a:lstStyle/>
           <a:p>
             <a:r>
-              <a:rPr lang="en-US" dirty="0"/>
+              <a:rPr lang="en-US" sz="2000" dirty="0"/>
               <a:t>Actor model</a:t>
             </a:r>
             <a:r>
-              <a:rPr lang="en-US" baseline="0" dirty="0"/>
-              <a:t> has been around since the 70s – Carl </a:t>
-            </a:r>
-            <a:r>
-              <a:rPr lang="en-US" baseline="0"/>
-              <a:t>Hewitt published in 1973</a:t>
-            </a:r>
-            <a:endParaRPr lang="en-US" baseline="0" dirty="0"/>
+              <a:rPr lang="en-US" sz="2000" baseline="0" dirty="0"/>
+              <a:t> has been around since the 70s – Carl Hewitt published in 1973</a:t>
+            </a:r>
           </a:p>
         </p:txBody>
       </p:sp>

--- a/2016-06_AkkaIntro/presentation/BaltoMSDN_Akka.pptx
+++ b/2016-06_AkkaIntro/presentation/BaltoMSDN_Akka.pptx
@@ -42813,8 +42813,8 @@
         </p:blipFill>
         <p:spPr>
           <a:xfrm>
-            <a:off x="984074" y="1690688"/>
-            <a:ext cx="3768548" cy="3768548"/>
+            <a:off x="1898478" y="2047033"/>
+            <a:ext cx="2773736" cy="2773736"/>
           </a:xfrm>
         </p:spPr>
       </p:pic>
@@ -42842,8 +42842,8 @@
               <a:buNone/>
             </a:pPr>
             <a:r>
-              <a:rPr lang="en-US" dirty="0"/>
-              <a:t>Senior / “</a:t>
+              <a:rPr lang="en-US"/>
+              <a:t>“</a:t>
             </a:r>
             <a:r>
               <a:rPr lang="en-US" dirty="0" err="1"/>

--- a/2016-06_AkkaIntro/presentation/BaltoMSDN_Akka.pptx
+++ b/2016-06_AkkaIntro/presentation/BaltoMSDN_Akka.pptx
@@ -42128,8 +42128,8 @@
         </p:blipFill>
         <p:spPr>
           <a:xfrm>
-            <a:off x="984074" y="1690688"/>
-            <a:ext cx="3768548" cy="3768548"/>
+            <a:off x="2073286" y="2067206"/>
+            <a:ext cx="2787183" cy="2787183"/>
           </a:xfrm>
         </p:spPr>
       </p:pic>
@@ -42842,7 +42842,7 @@
               <a:buNone/>
             </a:pPr>
             <a:r>
-              <a:rPr lang="en-US"/>
+              <a:rPr lang="en-US" dirty="0"/>
               <a:t>“</a:t>
             </a:r>
             <a:r>

--- a/2016-06_AkkaIntro/presentation/BaltoMSDN_Akka.pptx
+++ b/2016-06_AkkaIntro/presentation/BaltoMSDN_Akka.pptx
@@ -13,7 +13,7 @@
     <p:sldId id="261" r:id="rId4"/>
     <p:sldId id="317" r:id="rId5"/>
     <p:sldId id="318" r:id="rId6"/>
-    <p:sldId id="319" r:id="rId7"/>
+    <p:sldId id="324" r:id="rId7"/>
     <p:sldId id="258" r:id="rId8"/>
     <p:sldId id="259" r:id="rId9"/>
     <p:sldId id="260" r:id="rId10"/>
@@ -46,7 +46,7 @@
     <p:sldId id="281" r:id="rId37"/>
     <p:sldId id="313" r:id="rId38"/>
     <p:sldId id="282" r:id="rId39"/>
-    <p:sldId id="320" r:id="rId40"/>
+    <p:sldId id="323" r:id="rId40"/>
     <p:sldId id="321" r:id="rId41"/>
   </p:sldIdLst>
   <p:sldSz cx="12192000" cy="6858000"/>
@@ -6306,7 +6306,7 @@
     </p:spTree>
     <p:extLst>
       <p:ext uri="{BB962C8B-B14F-4D97-AF65-F5344CB8AC3E}">
-        <p14:creationId xmlns:p14="http://schemas.microsoft.com/office/powerpoint/2010/main" val="2935918185"/>
+        <p14:creationId xmlns:p14="http://schemas.microsoft.com/office/powerpoint/2010/main" val="280003003"/>
       </p:ext>
     </p:extLst>
   </p:cSld>
@@ -6826,7 +6826,7 @@
     </p:spTree>
     <p:extLst>
       <p:ext uri="{BB962C8B-B14F-4D97-AF65-F5344CB8AC3E}">
-        <p14:creationId xmlns:p14="http://schemas.microsoft.com/office/powerpoint/2010/main" val="2201549129"/>
+        <p14:creationId xmlns:p14="http://schemas.microsoft.com/office/powerpoint/2010/main" val="3201167027"/>
       </p:ext>
     </p:extLst>
   </p:cSld>
@@ -42105,7 +42105,7 @@
           <a:p>
             <a:r>
               <a:rPr lang="en-US" dirty="0"/>
-              <a:t>Thanks -- Stay in Touch!</a:t>
+              <a:t>Thanks! Stay in Touch.</a:t>
             </a:r>
           </a:p>
         </p:txBody>
@@ -42128,7 +42128,7 @@
         </p:blipFill>
         <p:spPr>
           <a:xfrm>
-            <a:off x="2073286" y="2067206"/>
+            <a:off x="1750557" y="2472765"/>
             <a:ext cx="2787183" cy="2787183"/>
           </a:xfrm>
         </p:spPr>
@@ -42150,8 +42150,38 @@
           </a:xfrm>
         </p:spPr>
         <p:txBody>
-          <a:bodyPr/>
+          <a:bodyPr>
+            <a:normAutofit lnSpcReduction="10000"/>
+          </a:bodyPr>
           <a:lstStyle/>
+          <a:p>
+            <a:pPr marL="0" indent="0">
+              <a:buNone/>
+            </a:pPr>
+            <a:r>
+              <a:rPr lang="en-US" dirty="0"/>
+              <a:t>“</a:t>
+            </a:r>
+            <a:r>
+              <a:rPr lang="en-US" dirty="0" err="1"/>
+              <a:t>Seanior</a:t>
+            </a:r>
+            <a:r>
+              <a:rPr lang="en-US" dirty="0"/>
+              <a:t> Consultant” @ </a:t>
+            </a:r>
+            <a:r>
+              <a:rPr lang="en-US" dirty="0" err="1"/>
+              <a:t>Excella</a:t>
+            </a:r>
+            <a:endParaRPr lang="en-US" dirty="0"/>
+          </a:p>
+          <a:p>
+            <a:pPr marL="0" indent="0">
+              <a:buNone/>
+            </a:pPr>
+            <a:endParaRPr lang="en-US" dirty="0"/>
+          </a:p>
           <a:p>
             <a:pPr marL="0" indent="0">
               <a:buNone/>
@@ -42265,15 +42295,6 @@
               <a:t>http://SeanKilleen.com</a:t>
             </a:r>
             <a:endParaRPr lang="en-US" dirty="0"/>
-          </a:p>
-          <a:p>
-            <a:pPr marL="0" indent="0">
-              <a:buNone/>
-            </a:pPr>
-            <a:r>
-              <a:rPr lang="en-US" dirty="0"/>
-              <a:t>            </a:t>
-            </a:r>
           </a:p>
           <a:p>
             <a:pPr marL="0" indent="0">
@@ -42286,7 +42307,7 @@
     </p:spTree>
     <p:extLst>
       <p:ext uri="{BB962C8B-B14F-4D97-AF65-F5344CB8AC3E}">
-        <p14:creationId xmlns:p14="http://schemas.microsoft.com/office/powerpoint/2010/main" val="1481883768"/>
+        <p14:creationId xmlns:p14="http://schemas.microsoft.com/office/powerpoint/2010/main" val="1874838899"/>
       </p:ext>
     </p:extLst>
   </p:cSld>
@@ -42785,12 +42806,8 @@
           <a:lstStyle/>
           <a:p>
             <a:r>
-              <a:rPr lang="en-US" baseline="0" dirty="0"/>
-              <a:t>Oh, Hey</a:t>
-            </a:r>
-            <a:r>
               <a:rPr lang="en-US" dirty="0"/>
-              <a:t> There! I’m Sean.</a:t>
+              <a:t>Oh Hey There!</a:t>
             </a:r>
           </a:p>
         </p:txBody>
@@ -42813,8 +42830,8 @@
         </p:blipFill>
         <p:spPr>
           <a:xfrm>
-            <a:off x="1898478" y="2047033"/>
-            <a:ext cx="2773736" cy="2773736"/>
+            <a:off x="1750557" y="2472765"/>
+            <a:ext cx="2787183" cy="2787183"/>
           </a:xfrm>
         </p:spPr>
       </p:pic>
@@ -42835,7 +42852,9 @@
           </a:xfrm>
         </p:spPr>
         <p:txBody>
-          <a:bodyPr/>
+          <a:bodyPr>
+            <a:normAutofit lnSpcReduction="10000"/>
+          </a:bodyPr>
           <a:lstStyle/>
           <a:p>
             <a:pPr marL="0" indent="0">
@@ -42851,21 +42870,13 @@
             </a:r>
             <a:r>
               <a:rPr lang="en-US" dirty="0"/>
-              <a:t>” Consultant</a:t>
-            </a:r>
-          </a:p>
-          <a:p>
-            <a:pPr marL="0" indent="0">
-              <a:buNone/>
-            </a:pPr>
+              <a:t> Consultant” @ </a:t>
+            </a:r>
             <a:r>
               <a:rPr lang="en-US" dirty="0" err="1"/>
               <a:t>Excella</a:t>
             </a:r>
-            <a:r>
-              <a:rPr lang="en-US" dirty="0"/>
-              <a:t> Consulting</a:t>
-            </a:r>
+            <a:endParaRPr lang="en-US" dirty="0"/>
           </a:p>
           <a:p>
             <a:pPr marL="0" indent="0">
@@ -42925,7 +42936,10 @@
             <a:pPr marL="0" indent="0">
               <a:buNone/>
             </a:pPr>
-            <a:endParaRPr lang="en-US" dirty="0"/>
+            <a:r>
+              <a:rPr lang="en-US" dirty="0"/>
+              <a:t>E-Mail:</a:t>
+            </a:r>
           </a:p>
           <a:p>
             <a:pPr marL="0" indent="0">
@@ -42933,13 +42947,13 @@
             </a:pPr>
             <a:r>
               <a:rPr lang="en-US" dirty="0"/>
-              <a:t>Web: </a:t>
+              <a:t>	</a:t>
             </a:r>
             <a:r>
               <a:rPr lang="en-US" dirty="0">
                 <a:hlinkClick r:id="rId6"/>
               </a:rPr>
-              <a:t>http://SeanKilleen.com</a:t>
+              <a:t>SeanKilleen@gmail.com</a:t>
             </a:r>
             <a:endParaRPr lang="en-US" dirty="0"/>
           </a:p>
@@ -42949,8 +42963,40 @@
             </a:pPr>
             <a:r>
               <a:rPr lang="en-US" dirty="0"/>
-              <a:t>            </a:t>
-            </a:r>
+              <a:t>	</a:t>
+            </a:r>
+            <a:r>
+              <a:rPr lang="en-US" dirty="0">
+                <a:hlinkClick r:id="rId7"/>
+              </a:rPr>
+              <a:t>sean.killeen@excella.com</a:t>
+            </a:r>
+            <a:r>
+              <a:rPr lang="en-US" dirty="0"/>
+              <a:t> </a:t>
+            </a:r>
+          </a:p>
+          <a:p>
+            <a:pPr marL="0" indent="0">
+              <a:buNone/>
+            </a:pPr>
+            <a:endParaRPr lang="en-US" dirty="0"/>
+          </a:p>
+          <a:p>
+            <a:pPr marL="0" indent="0">
+              <a:buNone/>
+            </a:pPr>
+            <a:r>
+              <a:rPr lang="en-US" dirty="0"/>
+              <a:t>Web: </a:t>
+            </a:r>
+            <a:r>
+              <a:rPr lang="en-US" dirty="0">
+                <a:hlinkClick r:id="rId8"/>
+              </a:rPr>
+              <a:t>http://SeanKilleen.com</a:t>
+            </a:r>
+            <a:endParaRPr lang="en-US" dirty="0"/>
           </a:p>
           <a:p>
             <a:pPr marL="0" indent="0">
@@ -42963,7 +43009,7 @@
     </p:spTree>
     <p:extLst>
       <p:ext uri="{BB962C8B-B14F-4D97-AF65-F5344CB8AC3E}">
-        <p14:creationId xmlns:p14="http://schemas.microsoft.com/office/powerpoint/2010/main" val="3454725157"/>
+        <p14:creationId xmlns:p14="http://schemas.microsoft.com/office/powerpoint/2010/main" val="412168367"/>
       </p:ext>
     </p:extLst>
   </p:cSld>
